--- a/PPT.pptx
+++ b/PPT.pptx
@@ -106,6 +106,11 @@
       </a:defRPr>
     </a:lvl9pPr>
   </p:defaultTextStyle>
+  <p:extLst>
+    <p:ext uri="{EFAFB233-063F-42B5-8137-9DF3F51BA10A}">
+      <p15:sldGuideLst xmlns:p15="http://schemas.microsoft.com/office/powerpoint/2012/main"/>
+    </p:ext>
+  </p:extLst>
 </p:presentation>
 </file>
 
@@ -240,7 +245,7 @@
           <a:p>
             <a:fld id="{70AE151D-C9AB-4374-940E-6BC155C5A640}" type="datetimeFigureOut">
               <a:rPr lang="zh-CN" altLang="en-US" smtClean="0"/>
-              <a:t>2018/5/10</a:t>
+              <a:t>2018/5/15</a:t>
             </a:fld>
             <a:endParaRPr lang="zh-CN" altLang="en-US"/>
           </a:p>
@@ -410,7 +415,7 @@
           <a:p>
             <a:fld id="{70AE151D-C9AB-4374-940E-6BC155C5A640}" type="datetimeFigureOut">
               <a:rPr lang="zh-CN" altLang="en-US" smtClean="0"/>
-              <a:t>2018/5/10</a:t>
+              <a:t>2018/5/15</a:t>
             </a:fld>
             <a:endParaRPr lang="zh-CN" altLang="en-US"/>
           </a:p>
@@ -590,7 +595,7 @@
           <a:p>
             <a:fld id="{70AE151D-C9AB-4374-940E-6BC155C5A640}" type="datetimeFigureOut">
               <a:rPr lang="zh-CN" altLang="en-US" smtClean="0"/>
-              <a:t>2018/5/10</a:t>
+              <a:t>2018/5/15</a:t>
             </a:fld>
             <a:endParaRPr lang="zh-CN" altLang="en-US"/>
           </a:p>
@@ -760,7 +765,7 @@
           <a:p>
             <a:fld id="{70AE151D-C9AB-4374-940E-6BC155C5A640}" type="datetimeFigureOut">
               <a:rPr lang="zh-CN" altLang="en-US" smtClean="0"/>
-              <a:t>2018/5/10</a:t>
+              <a:t>2018/5/15</a:t>
             </a:fld>
             <a:endParaRPr lang="zh-CN" altLang="en-US"/>
           </a:p>
@@ -1006,7 +1011,7 @@
           <a:p>
             <a:fld id="{70AE151D-C9AB-4374-940E-6BC155C5A640}" type="datetimeFigureOut">
               <a:rPr lang="zh-CN" altLang="en-US" smtClean="0"/>
-              <a:t>2018/5/10</a:t>
+              <a:t>2018/5/15</a:t>
             </a:fld>
             <a:endParaRPr lang="zh-CN" altLang="en-US"/>
           </a:p>
@@ -1238,7 +1243,7 @@
           <a:p>
             <a:fld id="{70AE151D-C9AB-4374-940E-6BC155C5A640}" type="datetimeFigureOut">
               <a:rPr lang="zh-CN" altLang="en-US" smtClean="0"/>
-              <a:t>2018/5/10</a:t>
+              <a:t>2018/5/15</a:t>
             </a:fld>
             <a:endParaRPr lang="zh-CN" altLang="en-US"/>
           </a:p>
@@ -1605,7 +1610,7 @@
           <a:p>
             <a:fld id="{70AE151D-C9AB-4374-940E-6BC155C5A640}" type="datetimeFigureOut">
               <a:rPr lang="zh-CN" altLang="en-US" smtClean="0"/>
-              <a:t>2018/5/10</a:t>
+              <a:t>2018/5/15</a:t>
             </a:fld>
             <a:endParaRPr lang="zh-CN" altLang="en-US"/>
           </a:p>
@@ -1723,7 +1728,7 @@
           <a:p>
             <a:fld id="{70AE151D-C9AB-4374-940E-6BC155C5A640}" type="datetimeFigureOut">
               <a:rPr lang="zh-CN" altLang="en-US" smtClean="0"/>
-              <a:t>2018/5/10</a:t>
+              <a:t>2018/5/15</a:t>
             </a:fld>
             <a:endParaRPr lang="zh-CN" altLang="en-US"/>
           </a:p>
@@ -1818,7 +1823,7 @@
           <a:p>
             <a:fld id="{70AE151D-C9AB-4374-940E-6BC155C5A640}" type="datetimeFigureOut">
               <a:rPr lang="zh-CN" altLang="en-US" smtClean="0"/>
-              <a:t>2018/5/10</a:t>
+              <a:t>2018/5/15</a:t>
             </a:fld>
             <a:endParaRPr lang="zh-CN" altLang="en-US"/>
           </a:p>
@@ -2095,7 +2100,7 @@
           <a:p>
             <a:fld id="{70AE151D-C9AB-4374-940E-6BC155C5A640}" type="datetimeFigureOut">
               <a:rPr lang="zh-CN" altLang="en-US" smtClean="0"/>
-              <a:t>2018/5/10</a:t>
+              <a:t>2018/5/15</a:t>
             </a:fld>
             <a:endParaRPr lang="zh-CN" altLang="en-US"/>
           </a:p>
@@ -2348,7 +2353,7 @@
           <a:p>
             <a:fld id="{70AE151D-C9AB-4374-940E-6BC155C5A640}" type="datetimeFigureOut">
               <a:rPr lang="zh-CN" altLang="en-US" smtClean="0"/>
-              <a:t>2018/5/10</a:t>
+              <a:t>2018/5/15</a:t>
             </a:fld>
             <a:endParaRPr lang="zh-CN" altLang="en-US"/>
           </a:p>
@@ -2561,7 +2566,7 @@
           <a:p>
             <a:fld id="{70AE151D-C9AB-4374-940E-6BC155C5A640}" type="datetimeFigureOut">
               <a:rPr lang="zh-CN" altLang="en-US" smtClean="0"/>
-              <a:t>2018/5/10</a:t>
+              <a:t>2018/5/15</a:t>
             </a:fld>
             <a:endParaRPr lang="zh-CN" altLang="en-US"/>
           </a:p>
@@ -4250,8 +4255,8 @@
         </p:blipFill>
         <p:spPr>
           <a:xfrm>
-            <a:off x="5025778" y="2777938"/>
-            <a:ext cx="2348856" cy="928883"/>
+            <a:off x="3157936" y="3004068"/>
+            <a:ext cx="2269338" cy="897437"/>
           </a:xfrm>
           <a:prstGeom prst="rect">
             <a:avLst/>
@@ -4274,7 +4279,7 @@
         </p:blipFill>
         <p:spPr>
           <a:xfrm>
-            <a:off x="5984989" y="5548368"/>
+            <a:off x="3708846" y="5108415"/>
             <a:ext cx="3118041" cy="862094"/>
           </a:xfrm>
           <a:prstGeom prst="rect">
@@ -4298,8 +4303,8 @@
         </p:blipFill>
         <p:spPr>
           <a:xfrm>
-            <a:off x="8123277" y="722296"/>
-            <a:ext cx="1266667" cy="1676190"/>
+            <a:off x="1201337" y="4831899"/>
+            <a:ext cx="902671" cy="1194512"/>
           </a:xfrm>
           <a:prstGeom prst="rect">
             <a:avLst/>
@@ -4322,8 +4327,8 @@
         </p:blipFill>
         <p:spPr>
           <a:xfrm>
-            <a:off x="9505178" y="679259"/>
-            <a:ext cx="1190476" cy="1685714"/>
+            <a:off x="2072818" y="4813846"/>
+            <a:ext cx="869643" cy="1231414"/>
           </a:xfrm>
           <a:prstGeom prst="rect">
             <a:avLst/>
@@ -4346,8 +4351,8 @@
         </p:blipFill>
         <p:spPr>
           <a:xfrm>
-            <a:off x="10820795" y="655482"/>
-            <a:ext cx="1200000" cy="1657143"/>
+            <a:off x="366447" y="4840582"/>
+            <a:ext cx="844847" cy="1166694"/>
           </a:xfrm>
           <a:prstGeom prst="rect">
             <a:avLst/>
@@ -4370,8 +4375,8 @@
         </p:blipFill>
         <p:spPr>
           <a:xfrm>
-            <a:off x="3226569" y="2805016"/>
-            <a:ext cx="741328" cy="872152"/>
+            <a:off x="1667644" y="2744619"/>
+            <a:ext cx="1108366" cy="1303962"/>
           </a:xfrm>
           <a:prstGeom prst="rect">
             <a:avLst/>
@@ -4418,8 +4423,8 @@
         </p:blipFill>
         <p:spPr>
           <a:xfrm>
-            <a:off x="3411677" y="3890229"/>
-            <a:ext cx="1619048" cy="1819048"/>
+            <a:off x="193789" y="2765489"/>
+            <a:ext cx="1091929" cy="1226814"/>
           </a:xfrm>
           <a:prstGeom prst="rect">
             <a:avLst/>
@@ -4442,7 +4447,7 @@
         </p:blipFill>
         <p:spPr>
           <a:xfrm>
-            <a:off x="7079154" y="4255118"/>
+            <a:off x="5713063" y="2759652"/>
             <a:ext cx="1214179" cy="1214179"/>
           </a:xfrm>
           <a:prstGeom prst="rect">
@@ -4466,30 +4471,23 @@
         </p:blipFill>
         <p:spPr>
           <a:xfrm>
-            <a:off x="8909940" y="3029665"/>
-            <a:ext cx="2380952" cy="800000"/>
+            <a:off x="7353688" y="3079321"/>
+            <a:ext cx="1919152" cy="644835"/>
           </a:xfrm>
           <a:prstGeom prst="roundRect">
             <a:avLst>
-              <a:gd name="adj" fmla="val 7337"/>
+              <a:gd name="adj" fmla="val 6285"/>
             </a:avLst>
           </a:prstGeom>
+          <a:solidFill>
+            <a:srgbClr val="FFFFFF">
+              <a:shade val="85000"/>
+            </a:srgbClr>
+          </a:solidFill>
           <a:ln>
             <a:noFill/>
           </a:ln>
           <a:effectLst/>
-          <a:scene3d>
-            <a:camera prst="orthographicFront"/>
-            <a:lightRig rig="contrasting" dir="t">
-              <a:rot lat="0" lon="0" rev="4200000"/>
-            </a:lightRig>
-          </a:scene3d>
-          <a:sp3d prstMaterial="plastic">
-            <a:bevelT w="381000" h="114300" prst="relaxedInset"/>
-            <a:contourClr>
-              <a:srgbClr val="969696"/>
-            </a:contourClr>
-          </a:sp3d>
         </p:spPr>
       </p:pic>
       <p:pic>
@@ -4508,8 +4506,8 @@
         </p:blipFill>
         <p:spPr>
           <a:xfrm>
-            <a:off x="5321155" y="4168389"/>
-            <a:ext cx="1327669" cy="1262729"/>
+            <a:off x="9812132" y="394734"/>
+            <a:ext cx="1410050" cy="1341081"/>
           </a:xfrm>
           <a:prstGeom prst="rect">
             <a:avLst/>
@@ -4556,7 +4554,7 @@
         </p:blipFill>
         <p:spPr>
           <a:xfrm>
-            <a:off x="9884739" y="5727391"/>
+            <a:off x="9864295" y="3033963"/>
             <a:ext cx="1872111" cy="789167"/>
           </a:xfrm>
           <a:prstGeom prst="rect">
@@ -4601,36 +4599,6 @@
           </a:p>
         </p:txBody>
       </p:sp>
-      <p:cxnSp>
-        <p:nvCxnSpPr>
-          <p:cNvPr id="33" name="直接连接符 32"/>
-          <p:cNvCxnSpPr/>
-          <p:nvPr/>
-        </p:nvCxnSpPr>
-        <p:spPr>
-          <a:xfrm>
-            <a:off x="0" y="529420"/>
-            <a:ext cx="12192000" cy="0"/>
-          </a:xfrm>
-          <a:prstGeom prst="line">
-            <a:avLst/>
-          </a:prstGeom>
-        </p:spPr>
-        <p:style>
-          <a:lnRef idx="1">
-            <a:schemeClr val="accent1"/>
-          </a:lnRef>
-          <a:fillRef idx="0">
-            <a:schemeClr val="accent1"/>
-          </a:fillRef>
-          <a:effectRef idx="0">
-            <a:schemeClr val="accent1"/>
-          </a:effectRef>
-          <a:fontRef idx="minor">
-            <a:schemeClr val="tx1"/>
-          </a:fontRef>
-        </p:style>
-      </p:cxnSp>
       <p:sp>
         <p:nvSpPr>
           <p:cNvPr id="34" name="文本框 33"/>
@@ -4705,96 +4673,6 @@
           </a:p>
         </p:txBody>
       </p:sp>
-      <p:cxnSp>
-        <p:nvCxnSpPr>
-          <p:cNvPr id="36" name="直接连接符 35"/>
-          <p:cNvCxnSpPr/>
-          <p:nvPr/>
-        </p:nvCxnSpPr>
-        <p:spPr>
-          <a:xfrm>
-            <a:off x="193789" y="1560391"/>
-            <a:ext cx="12192000" cy="0"/>
-          </a:xfrm>
-          <a:prstGeom prst="line">
-            <a:avLst/>
-          </a:prstGeom>
-        </p:spPr>
-        <p:style>
-          <a:lnRef idx="1">
-            <a:schemeClr val="accent1"/>
-          </a:lnRef>
-          <a:fillRef idx="0">
-            <a:schemeClr val="accent1"/>
-          </a:fillRef>
-          <a:effectRef idx="0">
-            <a:schemeClr val="accent1"/>
-          </a:effectRef>
-          <a:fontRef idx="minor">
-            <a:schemeClr val="tx1"/>
-          </a:fontRef>
-        </p:style>
-      </p:cxnSp>
-      <p:cxnSp>
-        <p:nvCxnSpPr>
-          <p:cNvPr id="37" name="直接连接符 36"/>
-          <p:cNvCxnSpPr/>
-          <p:nvPr/>
-        </p:nvCxnSpPr>
-        <p:spPr>
-          <a:xfrm>
-            <a:off x="97105" y="1678179"/>
-            <a:ext cx="12192000" cy="0"/>
-          </a:xfrm>
-          <a:prstGeom prst="line">
-            <a:avLst/>
-          </a:prstGeom>
-        </p:spPr>
-        <p:style>
-          <a:lnRef idx="1">
-            <a:schemeClr val="accent1"/>
-          </a:lnRef>
-          <a:fillRef idx="0">
-            <a:schemeClr val="accent1"/>
-          </a:fillRef>
-          <a:effectRef idx="0">
-            <a:schemeClr val="accent1"/>
-          </a:effectRef>
-          <a:fontRef idx="minor">
-            <a:schemeClr val="tx1"/>
-          </a:fontRef>
-        </p:style>
-      </p:cxnSp>
-      <p:cxnSp>
-        <p:nvCxnSpPr>
-          <p:cNvPr id="38" name="直接连接符 37"/>
-          <p:cNvCxnSpPr/>
-          <p:nvPr/>
-        </p:nvCxnSpPr>
-        <p:spPr>
-          <a:xfrm>
-            <a:off x="44225" y="1895896"/>
-            <a:ext cx="12192000" cy="0"/>
-          </a:xfrm>
-          <a:prstGeom prst="line">
-            <a:avLst/>
-          </a:prstGeom>
-        </p:spPr>
-        <p:style>
-          <a:lnRef idx="1">
-            <a:schemeClr val="accent1"/>
-          </a:lnRef>
-          <a:fillRef idx="0">
-            <a:schemeClr val="accent1"/>
-          </a:fillRef>
-          <a:effectRef idx="0">
-            <a:schemeClr val="accent1"/>
-          </a:effectRef>
-          <a:fontRef idx="minor">
-            <a:schemeClr val="tx1"/>
-          </a:fontRef>
-        </p:style>
-      </p:cxnSp>
       <p:sp>
         <p:nvSpPr>
           <p:cNvPr id="39" name="文本框 38"/>
@@ -4848,8 +4726,8 @@
         </p:blipFill>
         <p:spPr>
           <a:xfrm>
-            <a:off x="870657" y="2849748"/>
-            <a:ext cx="1095238" cy="1085714"/>
+            <a:off x="8313264" y="529420"/>
+            <a:ext cx="1039967" cy="1030924"/>
           </a:xfrm>
           <a:prstGeom prst="roundRect">
             <a:avLst>
@@ -4904,6 +4782,557 @@
           </a:p>
         </p:txBody>
       </p:sp>
+      <p:sp>
+        <p:nvSpPr>
+          <p:cNvPr id="30" name="文本框 29"/>
+          <p:cNvSpPr txBox="1"/>
+          <p:nvPr/>
+        </p:nvSpPr>
+        <p:spPr>
+          <a:xfrm>
+            <a:off x="8201926" y="1557081"/>
+            <a:ext cx="1297150" cy="461665"/>
+          </a:xfrm>
+          <a:prstGeom prst="rect">
+            <a:avLst/>
+          </a:prstGeom>
+          <a:noFill/>
+        </p:spPr>
+        <p:txBody>
+          <a:bodyPr wrap="none" rtlCol="0">
+            <a:spAutoFit/>
+          </a:bodyPr>
+          <a:lstStyle/>
+          <a:p>
+            <a:r>
+              <a:rPr lang="en-US" altLang="zh-CN" sz="2400" b="1" dirty="0" smtClean="0">
+                <a:latin typeface="Times New Roman" panose="02020603050405020304" pitchFamily="18" charset="0"/>
+                <a:ea typeface="Source Code Pro Black" panose="020B0809030403020204" pitchFamily="49" charset="0"/>
+                <a:cs typeface="Times New Roman" panose="02020603050405020304" pitchFamily="18" charset="0"/>
+              </a:rPr>
+              <a:t>Iconfont</a:t>
+            </a:r>
+            <a:endParaRPr lang="zh-CN" altLang="en-US" sz="2400" b="1" dirty="0">
+              <a:latin typeface="Times New Roman" panose="02020603050405020304" pitchFamily="18" charset="0"/>
+              <a:cs typeface="Times New Roman" panose="02020603050405020304" pitchFamily="18" charset="0"/>
+            </a:endParaRPr>
+          </a:p>
+        </p:txBody>
+      </p:sp>
+      <p:sp>
+        <p:nvSpPr>
+          <p:cNvPr id="45" name="文本框 44"/>
+          <p:cNvSpPr txBox="1"/>
+          <p:nvPr/>
+        </p:nvSpPr>
+        <p:spPr>
+          <a:xfrm>
+            <a:off x="193789" y="3892575"/>
+            <a:ext cx="1090363" cy="461665"/>
+          </a:xfrm>
+          <a:prstGeom prst="rect">
+            <a:avLst/>
+          </a:prstGeom>
+          <a:noFill/>
+        </p:spPr>
+        <p:txBody>
+          <a:bodyPr wrap="none" rtlCol="0">
+            <a:spAutoFit/>
+          </a:bodyPr>
+          <a:lstStyle/>
+          <a:p>
+            <a:r>
+              <a:rPr lang="en-US" altLang="zh-CN" sz="2400" b="1" dirty="0" smtClean="0">
+                <a:latin typeface="Times New Roman" panose="02020603050405020304" pitchFamily="18" charset="0"/>
+                <a:ea typeface="Source Code Pro Black" panose="020B0809030403020204" pitchFamily="49" charset="0"/>
+                <a:cs typeface="Times New Roman" panose="02020603050405020304" pitchFamily="18" charset="0"/>
+              </a:rPr>
+              <a:t>Mocha</a:t>
+            </a:r>
+            <a:endParaRPr lang="zh-CN" altLang="en-US" sz="2400" b="1" dirty="0">
+              <a:latin typeface="Times New Roman" panose="02020603050405020304" pitchFamily="18" charset="0"/>
+              <a:cs typeface="Times New Roman" panose="02020603050405020304" pitchFamily="18" charset="0"/>
+            </a:endParaRPr>
+          </a:p>
+        </p:txBody>
+      </p:sp>
+      <p:sp>
+        <p:nvSpPr>
+          <p:cNvPr id="46" name="文本框 45"/>
+          <p:cNvSpPr txBox="1"/>
+          <p:nvPr/>
+        </p:nvSpPr>
+        <p:spPr>
+          <a:xfrm>
+            <a:off x="1768427" y="3888351"/>
+            <a:ext cx="817853" cy="461665"/>
+          </a:xfrm>
+          <a:prstGeom prst="rect">
+            <a:avLst/>
+          </a:prstGeom>
+          <a:noFill/>
+        </p:spPr>
+        <p:txBody>
+          <a:bodyPr wrap="none" rtlCol="0">
+            <a:spAutoFit/>
+          </a:bodyPr>
+          <a:lstStyle/>
+          <a:p>
+            <a:r>
+              <a:rPr lang="en-US" altLang="zh-CN" sz="2400" b="1" dirty="0" smtClean="0">
+                <a:latin typeface="Times New Roman" panose="02020603050405020304" pitchFamily="18" charset="0"/>
+                <a:ea typeface="Source Code Pro Black" panose="020B0809030403020204" pitchFamily="49" charset="0"/>
+                <a:cs typeface="Times New Roman" panose="02020603050405020304" pitchFamily="18" charset="0"/>
+              </a:rPr>
+              <a:t>Chai</a:t>
+            </a:r>
+            <a:endParaRPr lang="zh-CN" altLang="en-US" sz="2400" b="1" dirty="0">
+              <a:latin typeface="Times New Roman" panose="02020603050405020304" pitchFamily="18" charset="0"/>
+              <a:cs typeface="Times New Roman" panose="02020603050405020304" pitchFamily="18" charset="0"/>
+            </a:endParaRPr>
+          </a:p>
+        </p:txBody>
+      </p:sp>
+      <p:sp>
+        <p:nvSpPr>
+          <p:cNvPr id="47" name="文本框 46"/>
+          <p:cNvSpPr txBox="1"/>
+          <p:nvPr/>
+        </p:nvSpPr>
+        <p:spPr>
+          <a:xfrm>
+            <a:off x="3758819" y="3888351"/>
+            <a:ext cx="936475" cy="461665"/>
+          </a:xfrm>
+          <a:prstGeom prst="rect">
+            <a:avLst/>
+          </a:prstGeom>
+          <a:noFill/>
+        </p:spPr>
+        <p:txBody>
+          <a:bodyPr wrap="none" rtlCol="0">
+            <a:spAutoFit/>
+          </a:bodyPr>
+          <a:lstStyle/>
+          <a:p>
+            <a:r>
+              <a:rPr lang="en-US" altLang="zh-CN" sz="2400" b="1" dirty="0" smtClean="0">
+                <a:latin typeface="Times New Roman" panose="02020603050405020304" pitchFamily="18" charset="0"/>
+                <a:ea typeface="Source Code Pro Black" panose="020B0809030403020204" pitchFamily="49" charset="0"/>
+                <a:cs typeface="Times New Roman" panose="02020603050405020304" pitchFamily="18" charset="0"/>
+              </a:rPr>
+              <a:t>Babel</a:t>
+            </a:r>
+            <a:endParaRPr lang="zh-CN" altLang="en-US" sz="2400" b="1" dirty="0">
+              <a:latin typeface="Times New Roman" panose="02020603050405020304" pitchFamily="18" charset="0"/>
+              <a:cs typeface="Times New Roman" panose="02020603050405020304" pitchFamily="18" charset="0"/>
+            </a:endParaRPr>
+          </a:p>
+        </p:txBody>
+      </p:sp>
+      <p:sp>
+        <p:nvSpPr>
+          <p:cNvPr id="48" name="文本框 47"/>
+          <p:cNvSpPr txBox="1"/>
+          <p:nvPr/>
+        </p:nvSpPr>
+        <p:spPr>
+          <a:xfrm>
+            <a:off x="5612583" y="3884854"/>
+            <a:ext cx="1417376" cy="461665"/>
+          </a:xfrm>
+          <a:prstGeom prst="rect">
+            <a:avLst/>
+          </a:prstGeom>
+          <a:noFill/>
+        </p:spPr>
+        <p:txBody>
+          <a:bodyPr wrap="none" rtlCol="0">
+            <a:spAutoFit/>
+          </a:bodyPr>
+          <a:lstStyle/>
+          <a:p>
+            <a:r>
+              <a:rPr lang="en-US" altLang="zh-CN" sz="2400" b="1" dirty="0" smtClean="0">
+                <a:latin typeface="Times New Roman" panose="02020603050405020304" pitchFamily="18" charset="0"/>
+                <a:ea typeface="Source Code Pro Black" panose="020B0809030403020204" pitchFamily="49" charset="0"/>
+                <a:cs typeface="Times New Roman" panose="02020603050405020304" pitchFamily="18" charset="0"/>
+              </a:rPr>
+              <a:t>Post-CSS</a:t>
+            </a:r>
+            <a:endParaRPr lang="zh-CN" altLang="en-US" sz="2400" b="1" dirty="0">
+              <a:latin typeface="Times New Roman" panose="02020603050405020304" pitchFamily="18" charset="0"/>
+              <a:cs typeface="Times New Roman" panose="02020603050405020304" pitchFamily="18" charset="0"/>
+            </a:endParaRPr>
+          </a:p>
+        </p:txBody>
+      </p:sp>
+      <p:sp>
+        <p:nvSpPr>
+          <p:cNvPr id="49" name="文本框 48"/>
+          <p:cNvSpPr txBox="1"/>
+          <p:nvPr/>
+        </p:nvSpPr>
+        <p:spPr>
+          <a:xfrm>
+            <a:off x="7699955" y="3879589"/>
+            <a:ext cx="1226618" cy="461665"/>
+          </a:xfrm>
+          <a:prstGeom prst="rect">
+            <a:avLst/>
+          </a:prstGeom>
+          <a:noFill/>
+        </p:spPr>
+        <p:txBody>
+          <a:bodyPr wrap="none" rtlCol="0">
+            <a:spAutoFit/>
+          </a:bodyPr>
+          <a:lstStyle/>
+          <a:p>
+            <a:r>
+              <a:rPr lang="en-US" altLang="zh-CN" sz="2400" b="1" dirty="0" smtClean="0">
+                <a:latin typeface="Times New Roman" panose="02020603050405020304" pitchFamily="18" charset="0"/>
+                <a:ea typeface="Source Code Pro Black" panose="020B0809030403020204" pitchFamily="49" charset="0"/>
+                <a:cs typeface="Times New Roman" panose="02020603050405020304" pitchFamily="18" charset="0"/>
+              </a:rPr>
+              <a:t>stylelint</a:t>
+            </a:r>
+            <a:endParaRPr lang="zh-CN" altLang="en-US" sz="2400" b="1" dirty="0">
+              <a:latin typeface="Times New Roman" panose="02020603050405020304" pitchFamily="18" charset="0"/>
+              <a:cs typeface="Times New Roman" panose="02020603050405020304" pitchFamily="18" charset="0"/>
+            </a:endParaRPr>
+          </a:p>
+        </p:txBody>
+      </p:sp>
+      <p:sp>
+        <p:nvSpPr>
+          <p:cNvPr id="50" name="文本框 49"/>
+          <p:cNvSpPr txBox="1"/>
+          <p:nvPr/>
+        </p:nvSpPr>
+        <p:spPr>
+          <a:xfrm>
+            <a:off x="10187041" y="3897063"/>
+            <a:ext cx="1226618" cy="461665"/>
+          </a:xfrm>
+          <a:prstGeom prst="rect">
+            <a:avLst/>
+          </a:prstGeom>
+          <a:noFill/>
+        </p:spPr>
+        <p:txBody>
+          <a:bodyPr wrap="none" rtlCol="0">
+            <a:spAutoFit/>
+          </a:bodyPr>
+          <a:lstStyle/>
+          <a:p>
+            <a:r>
+              <a:rPr lang="en-US" altLang="zh-CN" sz="2400" b="1" dirty="0" smtClean="0">
+                <a:latin typeface="Times New Roman" panose="02020603050405020304" pitchFamily="18" charset="0"/>
+                <a:ea typeface="Source Code Pro Black" panose="020B0809030403020204" pitchFamily="49" charset="0"/>
+                <a:cs typeface="Times New Roman" panose="02020603050405020304" pitchFamily="18" charset="0"/>
+              </a:rPr>
+              <a:t>stylelint</a:t>
+            </a:r>
+            <a:endParaRPr lang="zh-CN" altLang="en-US" sz="2400" b="1" dirty="0">
+              <a:latin typeface="Times New Roman" panose="02020603050405020304" pitchFamily="18" charset="0"/>
+              <a:cs typeface="Times New Roman" panose="02020603050405020304" pitchFamily="18" charset="0"/>
+            </a:endParaRPr>
+          </a:p>
+        </p:txBody>
+      </p:sp>
+      <p:sp>
+        <p:nvSpPr>
+          <p:cNvPr id="51" name="文本框 50"/>
+          <p:cNvSpPr txBox="1"/>
+          <p:nvPr/>
+        </p:nvSpPr>
+        <p:spPr>
+          <a:xfrm>
+            <a:off x="9540767" y="1568062"/>
+            <a:ext cx="1952779" cy="461665"/>
+          </a:xfrm>
+          <a:prstGeom prst="rect">
+            <a:avLst/>
+          </a:prstGeom>
+          <a:noFill/>
+        </p:spPr>
+        <p:txBody>
+          <a:bodyPr wrap="none" rtlCol="0">
+            <a:spAutoFit/>
+          </a:bodyPr>
+          <a:lstStyle/>
+          <a:p>
+            <a:r>
+              <a:rPr lang="en-US" altLang="zh-CN" sz="2400" b="1" dirty="0">
+                <a:latin typeface="Times New Roman" panose="02020603050405020304" pitchFamily="18" charset="0"/>
+                <a:ea typeface="Source Code Pro Black" panose="020B0809030403020204" pitchFamily="49" charset="0"/>
+                <a:cs typeface="Times New Roman" panose="02020603050405020304" pitchFamily="18" charset="0"/>
+              </a:rPr>
+              <a:t>normalize.css</a:t>
+            </a:r>
+            <a:endParaRPr lang="zh-CN" altLang="en-US" sz="2400" b="1" dirty="0">
+              <a:latin typeface="Times New Roman" panose="02020603050405020304" pitchFamily="18" charset="0"/>
+              <a:cs typeface="Times New Roman" panose="02020603050405020304" pitchFamily="18" charset="0"/>
+            </a:endParaRPr>
+          </a:p>
+        </p:txBody>
+      </p:sp>
+      <p:grpSp>
+        <p:nvGrpSpPr>
+          <p:cNvPr id="2" name="组合 1"/>
+          <p:cNvGrpSpPr/>
+          <p:nvPr/>
+        </p:nvGrpSpPr>
+        <p:grpSpPr>
+          <a:xfrm>
+            <a:off x="-78505" y="529420"/>
+            <a:ext cx="12464294" cy="3698660"/>
+            <a:chOff x="-78505" y="529420"/>
+            <a:chExt cx="12464294" cy="3698660"/>
+          </a:xfrm>
+        </p:grpSpPr>
+        <p:cxnSp>
+          <p:nvCxnSpPr>
+            <p:cNvPr id="52" name="直接连接符 51"/>
+            <p:cNvCxnSpPr/>
+            <p:nvPr/>
+          </p:nvCxnSpPr>
+          <p:spPr>
+            <a:xfrm>
+              <a:off x="0" y="529420"/>
+              <a:ext cx="12192000" cy="0"/>
+            </a:xfrm>
+            <a:prstGeom prst="line">
+              <a:avLst/>
+            </a:prstGeom>
+          </p:spPr>
+          <p:style>
+            <a:lnRef idx="1">
+              <a:schemeClr val="accent1"/>
+            </a:lnRef>
+            <a:fillRef idx="0">
+              <a:schemeClr val="accent1"/>
+            </a:fillRef>
+            <a:effectRef idx="0">
+              <a:schemeClr val="accent1"/>
+            </a:effectRef>
+            <a:fontRef idx="minor">
+              <a:schemeClr val="tx1"/>
+            </a:fontRef>
+          </p:style>
+        </p:cxnSp>
+        <p:cxnSp>
+          <p:nvCxnSpPr>
+            <p:cNvPr id="53" name="直接连接符 52"/>
+            <p:cNvCxnSpPr/>
+            <p:nvPr/>
+          </p:nvCxnSpPr>
+          <p:spPr>
+            <a:xfrm>
+              <a:off x="193789" y="1560391"/>
+              <a:ext cx="12192000" cy="0"/>
+            </a:xfrm>
+            <a:prstGeom prst="line">
+              <a:avLst/>
+            </a:prstGeom>
+          </p:spPr>
+          <p:style>
+            <a:lnRef idx="1">
+              <a:schemeClr val="accent1"/>
+            </a:lnRef>
+            <a:fillRef idx="0">
+              <a:schemeClr val="accent1"/>
+            </a:fillRef>
+            <a:effectRef idx="0">
+              <a:schemeClr val="accent1"/>
+            </a:effectRef>
+            <a:fontRef idx="minor">
+              <a:schemeClr val="tx1"/>
+            </a:fontRef>
+          </p:style>
+        </p:cxnSp>
+        <p:cxnSp>
+          <p:nvCxnSpPr>
+            <p:cNvPr id="54" name="直接连接符 53"/>
+            <p:cNvCxnSpPr/>
+            <p:nvPr/>
+          </p:nvCxnSpPr>
+          <p:spPr>
+            <a:xfrm>
+              <a:off x="97105" y="1678179"/>
+              <a:ext cx="12192000" cy="0"/>
+            </a:xfrm>
+            <a:prstGeom prst="line">
+              <a:avLst/>
+            </a:prstGeom>
+          </p:spPr>
+          <p:style>
+            <a:lnRef idx="1">
+              <a:schemeClr val="accent1"/>
+            </a:lnRef>
+            <a:fillRef idx="0">
+              <a:schemeClr val="accent1"/>
+            </a:fillRef>
+            <a:effectRef idx="0">
+              <a:schemeClr val="accent1"/>
+            </a:effectRef>
+            <a:fontRef idx="minor">
+              <a:schemeClr val="tx1"/>
+            </a:fontRef>
+          </p:style>
+        </p:cxnSp>
+        <p:cxnSp>
+          <p:nvCxnSpPr>
+            <p:cNvPr id="55" name="直接连接符 54"/>
+            <p:cNvCxnSpPr/>
+            <p:nvPr/>
+          </p:nvCxnSpPr>
+          <p:spPr>
+            <a:xfrm>
+              <a:off x="44225" y="1895896"/>
+              <a:ext cx="12192000" cy="0"/>
+            </a:xfrm>
+            <a:prstGeom prst="line">
+              <a:avLst/>
+            </a:prstGeom>
+          </p:spPr>
+          <p:style>
+            <a:lnRef idx="1">
+              <a:schemeClr val="accent1"/>
+            </a:lnRef>
+            <a:fillRef idx="0">
+              <a:schemeClr val="accent1"/>
+            </a:fillRef>
+            <a:effectRef idx="0">
+              <a:schemeClr val="accent1"/>
+            </a:effectRef>
+            <a:fontRef idx="minor">
+              <a:schemeClr val="tx1"/>
+            </a:fontRef>
+          </p:style>
+        </p:cxnSp>
+        <p:cxnSp>
+          <p:nvCxnSpPr>
+            <p:cNvPr id="56" name="直接连接符 55"/>
+            <p:cNvCxnSpPr/>
+            <p:nvPr/>
+          </p:nvCxnSpPr>
+          <p:spPr>
+            <a:xfrm>
+              <a:off x="-78505" y="2861604"/>
+              <a:ext cx="12192000" cy="0"/>
+            </a:xfrm>
+            <a:prstGeom prst="line">
+              <a:avLst/>
+            </a:prstGeom>
+          </p:spPr>
+          <p:style>
+            <a:lnRef idx="1">
+              <a:schemeClr val="accent1"/>
+            </a:lnRef>
+            <a:fillRef idx="0">
+              <a:schemeClr val="accent1"/>
+            </a:fillRef>
+            <a:effectRef idx="0">
+              <a:schemeClr val="accent1"/>
+            </a:effectRef>
+            <a:fontRef idx="minor">
+              <a:schemeClr val="tx1"/>
+            </a:fontRef>
+          </p:style>
+        </p:cxnSp>
+        <p:cxnSp>
+          <p:nvCxnSpPr>
+            <p:cNvPr id="57" name="直接连接符 56"/>
+            <p:cNvCxnSpPr/>
+            <p:nvPr/>
+          </p:nvCxnSpPr>
+          <p:spPr>
+            <a:xfrm>
+              <a:off x="115284" y="3892575"/>
+              <a:ext cx="12192000" cy="0"/>
+            </a:xfrm>
+            <a:prstGeom prst="line">
+              <a:avLst/>
+            </a:prstGeom>
+          </p:spPr>
+          <p:style>
+            <a:lnRef idx="1">
+              <a:schemeClr val="accent1"/>
+            </a:lnRef>
+            <a:fillRef idx="0">
+              <a:schemeClr val="accent1"/>
+            </a:fillRef>
+            <a:effectRef idx="0">
+              <a:schemeClr val="accent1"/>
+            </a:effectRef>
+            <a:fontRef idx="minor">
+              <a:schemeClr val="tx1"/>
+            </a:fontRef>
+          </p:style>
+        </p:cxnSp>
+        <p:cxnSp>
+          <p:nvCxnSpPr>
+            <p:cNvPr id="58" name="直接连接符 57"/>
+            <p:cNvCxnSpPr/>
+            <p:nvPr/>
+          </p:nvCxnSpPr>
+          <p:spPr>
+            <a:xfrm>
+              <a:off x="18600" y="4010363"/>
+              <a:ext cx="12192000" cy="0"/>
+            </a:xfrm>
+            <a:prstGeom prst="line">
+              <a:avLst/>
+            </a:prstGeom>
+          </p:spPr>
+          <p:style>
+            <a:lnRef idx="1">
+              <a:schemeClr val="accent1"/>
+            </a:lnRef>
+            <a:fillRef idx="0">
+              <a:schemeClr val="accent1"/>
+            </a:fillRef>
+            <a:effectRef idx="0">
+              <a:schemeClr val="accent1"/>
+            </a:effectRef>
+            <a:fontRef idx="minor">
+              <a:schemeClr val="tx1"/>
+            </a:fontRef>
+          </p:style>
+        </p:cxnSp>
+        <p:cxnSp>
+          <p:nvCxnSpPr>
+            <p:cNvPr id="59" name="直接连接符 58"/>
+            <p:cNvCxnSpPr/>
+            <p:nvPr/>
+          </p:nvCxnSpPr>
+          <p:spPr>
+            <a:xfrm>
+              <a:off x="-34280" y="4228080"/>
+              <a:ext cx="12192000" cy="0"/>
+            </a:xfrm>
+            <a:prstGeom prst="line">
+              <a:avLst/>
+            </a:prstGeom>
+          </p:spPr>
+          <p:style>
+            <a:lnRef idx="1">
+              <a:schemeClr val="accent1"/>
+            </a:lnRef>
+            <a:fillRef idx="0">
+              <a:schemeClr val="accent1"/>
+            </a:fillRef>
+            <a:effectRef idx="0">
+              <a:schemeClr val="accent1"/>
+            </a:effectRef>
+            <a:fontRef idx="minor">
+              <a:schemeClr val="tx1"/>
+            </a:fontRef>
+          </p:style>
+        </p:cxnSp>
+      </p:grpSp>
     </p:spTree>
     <p:extLst>
       <p:ext uri="{BB962C8B-B14F-4D97-AF65-F5344CB8AC3E}">

--- a/PPT.pptx
+++ b/PPT.pptx
@@ -8,6 +8,9 @@
     <p:sldId id="258" r:id="rId2"/>
     <p:sldId id="259" r:id="rId3"/>
     <p:sldId id="260" r:id="rId4"/>
+    <p:sldId id="261" r:id="rId5"/>
+    <p:sldId id="262" r:id="rId6"/>
+    <p:sldId id="263" r:id="rId7"/>
   </p:sldIdLst>
   <p:sldSz cx="12192000" cy="6858000"/>
   <p:notesSz cx="6858000" cy="9144000"/>
@@ -245,7 +248,7 @@
           <a:p>
             <a:fld id="{70AE151D-C9AB-4374-940E-6BC155C5A640}" type="datetimeFigureOut">
               <a:rPr lang="zh-CN" altLang="en-US" smtClean="0"/>
-              <a:t>2018/5/15</a:t>
+              <a:t>2018/5/20</a:t>
             </a:fld>
             <a:endParaRPr lang="zh-CN" altLang="en-US"/>
           </a:p>
@@ -415,7 +418,7 @@
           <a:p>
             <a:fld id="{70AE151D-C9AB-4374-940E-6BC155C5A640}" type="datetimeFigureOut">
               <a:rPr lang="zh-CN" altLang="en-US" smtClean="0"/>
-              <a:t>2018/5/15</a:t>
+              <a:t>2018/5/20</a:t>
             </a:fld>
             <a:endParaRPr lang="zh-CN" altLang="en-US"/>
           </a:p>
@@ -595,7 +598,7 @@
           <a:p>
             <a:fld id="{70AE151D-C9AB-4374-940E-6BC155C5A640}" type="datetimeFigureOut">
               <a:rPr lang="zh-CN" altLang="en-US" smtClean="0"/>
-              <a:t>2018/5/15</a:t>
+              <a:t>2018/5/20</a:t>
             </a:fld>
             <a:endParaRPr lang="zh-CN" altLang="en-US"/>
           </a:p>
@@ -765,7 +768,7 @@
           <a:p>
             <a:fld id="{70AE151D-C9AB-4374-940E-6BC155C5A640}" type="datetimeFigureOut">
               <a:rPr lang="zh-CN" altLang="en-US" smtClean="0"/>
-              <a:t>2018/5/15</a:t>
+              <a:t>2018/5/20</a:t>
             </a:fld>
             <a:endParaRPr lang="zh-CN" altLang="en-US"/>
           </a:p>
@@ -1011,7 +1014,7 @@
           <a:p>
             <a:fld id="{70AE151D-C9AB-4374-940E-6BC155C5A640}" type="datetimeFigureOut">
               <a:rPr lang="zh-CN" altLang="en-US" smtClean="0"/>
-              <a:t>2018/5/15</a:t>
+              <a:t>2018/5/20</a:t>
             </a:fld>
             <a:endParaRPr lang="zh-CN" altLang="en-US"/>
           </a:p>
@@ -1243,7 +1246,7 @@
           <a:p>
             <a:fld id="{70AE151D-C9AB-4374-940E-6BC155C5A640}" type="datetimeFigureOut">
               <a:rPr lang="zh-CN" altLang="en-US" smtClean="0"/>
-              <a:t>2018/5/15</a:t>
+              <a:t>2018/5/20</a:t>
             </a:fld>
             <a:endParaRPr lang="zh-CN" altLang="en-US"/>
           </a:p>
@@ -1610,7 +1613,7 @@
           <a:p>
             <a:fld id="{70AE151D-C9AB-4374-940E-6BC155C5A640}" type="datetimeFigureOut">
               <a:rPr lang="zh-CN" altLang="en-US" smtClean="0"/>
-              <a:t>2018/5/15</a:t>
+              <a:t>2018/5/20</a:t>
             </a:fld>
             <a:endParaRPr lang="zh-CN" altLang="en-US"/>
           </a:p>
@@ -1728,7 +1731,7 @@
           <a:p>
             <a:fld id="{70AE151D-C9AB-4374-940E-6BC155C5A640}" type="datetimeFigureOut">
               <a:rPr lang="zh-CN" altLang="en-US" smtClean="0"/>
-              <a:t>2018/5/15</a:t>
+              <a:t>2018/5/20</a:t>
             </a:fld>
             <a:endParaRPr lang="zh-CN" altLang="en-US"/>
           </a:p>
@@ -1823,7 +1826,7 @@
           <a:p>
             <a:fld id="{70AE151D-C9AB-4374-940E-6BC155C5A640}" type="datetimeFigureOut">
               <a:rPr lang="zh-CN" altLang="en-US" smtClean="0"/>
-              <a:t>2018/5/15</a:t>
+              <a:t>2018/5/20</a:t>
             </a:fld>
             <a:endParaRPr lang="zh-CN" altLang="en-US"/>
           </a:p>
@@ -2100,7 +2103,7 @@
           <a:p>
             <a:fld id="{70AE151D-C9AB-4374-940E-6BC155C5A640}" type="datetimeFigureOut">
               <a:rPr lang="zh-CN" altLang="en-US" smtClean="0"/>
-              <a:t>2018/5/15</a:t>
+              <a:t>2018/5/20</a:t>
             </a:fld>
             <a:endParaRPr lang="zh-CN" altLang="en-US"/>
           </a:p>
@@ -2353,7 +2356,7 @@
           <a:p>
             <a:fld id="{70AE151D-C9AB-4374-940E-6BC155C5A640}" type="datetimeFigureOut">
               <a:rPr lang="zh-CN" altLang="en-US" smtClean="0"/>
-              <a:t>2018/5/15</a:t>
+              <a:t>2018/5/20</a:t>
             </a:fld>
             <a:endParaRPr lang="zh-CN" altLang="en-US"/>
           </a:p>
@@ -2566,7 +2569,7 @@
           <a:p>
             <a:fld id="{70AE151D-C9AB-4374-940E-6BC155C5A640}" type="datetimeFigureOut">
               <a:rPr lang="zh-CN" altLang="en-US" smtClean="0"/>
-              <a:t>2018/5/15</a:t>
+              <a:t>2018/5/20</a:t>
             </a:fld>
             <a:endParaRPr lang="zh-CN" altLang="en-US"/>
           </a:p>
@@ -4122,78 +4125,6 @@
           <a:chExt cx="0" cy="0"/>
         </a:xfrm>
       </p:grpSpPr>
-      <p:pic>
-        <p:nvPicPr>
-          <p:cNvPr id="10" name="图片 9"/>
-          <p:cNvPicPr>
-            <a:picLocks noChangeAspect="1"/>
-          </p:cNvPicPr>
-          <p:nvPr/>
-        </p:nvPicPr>
-        <p:blipFill>
-          <a:blip r:embed="rId2"/>
-          <a:stretch>
-            <a:fillRect/>
-          </a:stretch>
-        </p:blipFill>
-        <p:spPr>
-          <a:xfrm>
-            <a:off x="163861" y="490178"/>
-            <a:ext cx="1192930" cy="1154551"/>
-          </a:xfrm>
-          <a:prstGeom prst="rect">
-            <a:avLst/>
-          </a:prstGeom>
-        </p:spPr>
-      </p:pic>
-      <p:pic>
-        <p:nvPicPr>
-          <p:cNvPr id="11" name="图片 10"/>
-          <p:cNvPicPr>
-            <a:picLocks noChangeAspect="1"/>
-          </p:cNvPicPr>
-          <p:nvPr/>
-        </p:nvPicPr>
-        <p:blipFill>
-          <a:blip r:embed="rId3"/>
-          <a:stretch>
-            <a:fillRect/>
-          </a:stretch>
-        </p:blipFill>
-        <p:spPr>
-          <a:xfrm>
-            <a:off x="1667644" y="562871"/>
-            <a:ext cx="1087354" cy="1006450"/>
-          </a:xfrm>
-          <a:prstGeom prst="rect">
-            <a:avLst/>
-          </a:prstGeom>
-        </p:spPr>
-      </p:pic>
-      <p:pic>
-        <p:nvPicPr>
-          <p:cNvPr id="12" name="图片 11"/>
-          <p:cNvPicPr>
-            <a:picLocks noChangeAspect="1"/>
-          </p:cNvPicPr>
-          <p:nvPr/>
-        </p:nvPicPr>
-        <p:blipFill>
-          <a:blip r:embed="rId4"/>
-          <a:stretch>
-            <a:fillRect/>
-          </a:stretch>
-        </p:blipFill>
-        <p:spPr>
-          <a:xfrm>
-            <a:off x="6595769" y="479338"/>
-            <a:ext cx="1386061" cy="1337973"/>
-          </a:xfrm>
-          <a:prstGeom prst="rect">
-            <a:avLst/>
-          </a:prstGeom>
-        </p:spPr>
-      </p:pic>
       <p:sp>
         <p:nvSpPr>
           <p:cNvPr id="15" name="矩形 14"/>
@@ -4241,30 +4172,6 @@
       </p:sp>
       <p:pic>
         <p:nvPicPr>
-          <p:cNvPr id="16" name="图片 15"/>
-          <p:cNvPicPr>
-            <a:picLocks noChangeAspect="1"/>
-          </p:cNvPicPr>
-          <p:nvPr/>
-        </p:nvPicPr>
-        <p:blipFill>
-          <a:blip r:embed="rId5"/>
-          <a:stretch>
-            <a:fillRect/>
-          </a:stretch>
-        </p:blipFill>
-        <p:spPr>
-          <a:xfrm>
-            <a:off x="3157936" y="3004068"/>
-            <a:ext cx="2269338" cy="897437"/>
-          </a:xfrm>
-          <a:prstGeom prst="rect">
-            <a:avLst/>
-          </a:prstGeom>
-        </p:spPr>
-      </p:pic>
-      <p:pic>
-        <p:nvPicPr>
           <p:cNvPr id="17" name="图片 16"/>
           <p:cNvPicPr>
             <a:picLocks noChangeAspect="1"/>
@@ -4272,15 +4179,15 @@
           <p:nvPr/>
         </p:nvPicPr>
         <p:blipFill>
-          <a:blip r:embed="rId6"/>
+          <a:blip r:embed="rId2"/>
           <a:stretch>
             <a:fillRect/>
           </a:stretch>
         </p:blipFill>
         <p:spPr>
           <a:xfrm>
-            <a:off x="3708846" y="5108415"/>
-            <a:ext cx="3118041" cy="862094"/>
+            <a:off x="1801447" y="2378220"/>
+            <a:ext cx="2859449" cy="790597"/>
           </a:xfrm>
           <a:prstGeom prst="rect">
             <a:avLst/>
@@ -4296,14 +4203,14 @@
           <p:nvPr/>
         </p:nvPicPr>
         <p:blipFill>
-          <a:blip r:embed="rId7"/>
+          <a:blip r:embed="rId3"/>
           <a:stretch>
             <a:fillRect/>
           </a:stretch>
         </p:blipFill>
         <p:spPr>
           <a:xfrm>
-            <a:off x="1201337" y="4831899"/>
+            <a:off x="2746912" y="3738556"/>
             <a:ext cx="902671" cy="1194512"/>
           </a:xfrm>
           <a:prstGeom prst="rect">
@@ -4320,14 +4227,14 @@
           <p:nvPr/>
         </p:nvPicPr>
         <p:blipFill>
-          <a:blip r:embed="rId8"/>
+          <a:blip r:embed="rId4"/>
           <a:stretch>
             <a:fillRect/>
           </a:stretch>
         </p:blipFill>
         <p:spPr>
           <a:xfrm>
-            <a:off x="2072818" y="4813846"/>
+            <a:off x="9119590" y="5408218"/>
             <a:ext cx="869643" cy="1231414"/>
           </a:xfrm>
           <a:prstGeom prst="rect">
@@ -4344,14 +4251,14 @@
           <p:nvPr/>
         </p:nvPicPr>
         <p:blipFill>
-          <a:blip r:embed="rId9"/>
+          <a:blip r:embed="rId5"/>
           <a:stretch>
             <a:fillRect/>
           </a:stretch>
         </p:blipFill>
         <p:spPr>
           <a:xfrm>
-            <a:off x="366447" y="4840582"/>
+            <a:off x="8490994" y="501454"/>
             <a:ext cx="844847" cy="1166694"/>
           </a:xfrm>
           <a:prstGeom prst="rect">
@@ -4359,980 +4266,1832 @@
           </a:prstGeom>
         </p:spPr>
       </p:pic>
-      <p:pic>
-        <p:nvPicPr>
-          <p:cNvPr id="21" name="图片 20"/>
-          <p:cNvPicPr>
-            <a:picLocks noChangeAspect="1"/>
-          </p:cNvPicPr>
-          <p:nvPr/>
-        </p:nvPicPr>
-        <p:blipFill>
-          <a:blip r:embed="rId10"/>
-          <a:stretch>
-            <a:fillRect/>
-          </a:stretch>
-        </p:blipFill>
-        <p:spPr>
-          <a:xfrm>
-            <a:off x="1667644" y="2744619"/>
-            <a:ext cx="1108366" cy="1303962"/>
-          </a:xfrm>
-          <a:prstGeom prst="rect">
-            <a:avLst/>
-          </a:prstGeom>
-        </p:spPr>
-      </p:pic>
-      <p:pic>
-        <p:nvPicPr>
-          <p:cNvPr id="22" name="图片 21"/>
-          <p:cNvPicPr>
-            <a:picLocks noChangeAspect="1"/>
-          </p:cNvPicPr>
-          <p:nvPr/>
-        </p:nvPicPr>
-        <p:blipFill>
-          <a:blip r:embed="rId11"/>
-          <a:stretch>
-            <a:fillRect/>
-          </a:stretch>
-        </p:blipFill>
-        <p:spPr>
-          <a:xfrm>
-            <a:off x="5148384" y="520089"/>
-            <a:ext cx="1205906" cy="1062888"/>
-          </a:xfrm>
-          <a:prstGeom prst="rect">
-            <a:avLst/>
-          </a:prstGeom>
-        </p:spPr>
-      </p:pic>
-      <p:pic>
-        <p:nvPicPr>
-          <p:cNvPr id="23" name="图片 22"/>
-          <p:cNvPicPr>
-            <a:picLocks noChangeAspect="1"/>
-          </p:cNvPicPr>
-          <p:nvPr/>
-        </p:nvPicPr>
-        <p:blipFill>
-          <a:blip r:embed="rId12"/>
-          <a:stretch>
-            <a:fillRect/>
-          </a:stretch>
-        </p:blipFill>
-        <p:spPr>
-          <a:xfrm>
-            <a:off x="193789" y="2765489"/>
-            <a:ext cx="1091929" cy="1226814"/>
-          </a:xfrm>
-          <a:prstGeom prst="rect">
-            <a:avLst/>
-          </a:prstGeom>
-        </p:spPr>
-      </p:pic>
-      <p:pic>
-        <p:nvPicPr>
-          <p:cNvPr id="24" name="图片 23"/>
-          <p:cNvPicPr>
-            <a:picLocks noChangeAspect="1"/>
-          </p:cNvPicPr>
-          <p:nvPr/>
-        </p:nvPicPr>
-        <p:blipFill>
-          <a:blip r:embed="rId13"/>
-          <a:stretch>
-            <a:fillRect/>
-          </a:stretch>
-        </p:blipFill>
-        <p:spPr>
-          <a:xfrm>
-            <a:off x="5713063" y="2759652"/>
-            <a:ext cx="1214179" cy="1214179"/>
-          </a:xfrm>
-          <a:prstGeom prst="rect">
-            <a:avLst/>
-          </a:prstGeom>
-        </p:spPr>
-      </p:pic>
-      <p:pic>
-        <p:nvPicPr>
-          <p:cNvPr id="26" name="图片 25"/>
-          <p:cNvPicPr>
-            <a:picLocks noChangeAspect="1"/>
-          </p:cNvPicPr>
-          <p:nvPr/>
-        </p:nvPicPr>
-        <p:blipFill>
-          <a:blip r:embed="rId14"/>
-          <a:stretch>
-            <a:fillRect/>
-          </a:stretch>
-        </p:blipFill>
-        <p:spPr>
-          <a:xfrm>
-            <a:off x="7353688" y="3079321"/>
-            <a:ext cx="1919152" cy="644835"/>
-          </a:xfrm>
-          <a:prstGeom prst="roundRect">
-            <a:avLst>
-              <a:gd name="adj" fmla="val 6285"/>
-            </a:avLst>
-          </a:prstGeom>
-          <a:solidFill>
-            <a:srgbClr val="FFFFFF">
-              <a:shade val="85000"/>
-            </a:srgbClr>
-          </a:solidFill>
-          <a:ln>
-            <a:noFill/>
-          </a:ln>
-          <a:effectLst/>
-        </p:spPr>
-      </p:pic>
-      <p:pic>
-        <p:nvPicPr>
-          <p:cNvPr id="27" name="图片 26"/>
-          <p:cNvPicPr>
-            <a:picLocks noChangeAspect="1"/>
-          </p:cNvPicPr>
-          <p:nvPr/>
-        </p:nvPicPr>
-        <p:blipFill>
-          <a:blip r:embed="rId15"/>
-          <a:stretch>
-            <a:fillRect/>
-          </a:stretch>
-        </p:blipFill>
-        <p:spPr>
-          <a:xfrm>
-            <a:off x="9812132" y="394734"/>
-            <a:ext cx="1410050" cy="1341081"/>
-          </a:xfrm>
-          <a:prstGeom prst="rect">
-            <a:avLst/>
-          </a:prstGeom>
-        </p:spPr>
-      </p:pic>
-      <p:pic>
-        <p:nvPicPr>
-          <p:cNvPr id="28" name="图片 27"/>
-          <p:cNvPicPr>
-            <a:picLocks noChangeAspect="1"/>
-          </p:cNvPicPr>
-          <p:nvPr/>
-        </p:nvPicPr>
-        <p:blipFill>
-          <a:blip r:embed="rId16"/>
-          <a:stretch>
-            <a:fillRect/>
-          </a:stretch>
-        </p:blipFill>
-        <p:spPr>
-          <a:xfrm>
-            <a:off x="2880138" y="449418"/>
-            <a:ext cx="1950805" cy="1188951"/>
-          </a:xfrm>
-          <a:prstGeom prst="rect">
-            <a:avLst/>
-          </a:prstGeom>
-        </p:spPr>
-      </p:pic>
-      <p:pic>
-        <p:nvPicPr>
-          <p:cNvPr id="29" name="图片 28"/>
-          <p:cNvPicPr>
-            <a:picLocks noChangeAspect="1"/>
-          </p:cNvPicPr>
-          <p:nvPr/>
-        </p:nvPicPr>
-        <p:blipFill>
-          <a:blip r:embed="rId17"/>
-          <a:stretch>
-            <a:fillRect/>
-          </a:stretch>
-        </p:blipFill>
-        <p:spPr>
-          <a:xfrm>
-            <a:off x="9864295" y="3033963"/>
-            <a:ext cx="1872111" cy="789167"/>
-          </a:xfrm>
-          <a:prstGeom prst="rect">
-            <a:avLst/>
-          </a:prstGeom>
-        </p:spPr>
-      </p:pic>
-      <p:sp>
-        <p:nvSpPr>
-          <p:cNvPr id="31" name="文本框 30"/>
-          <p:cNvSpPr txBox="1"/>
-          <p:nvPr/>
-        </p:nvSpPr>
-        <p:spPr>
-          <a:xfrm>
-            <a:off x="264862" y="1550756"/>
-            <a:ext cx="936475" cy="461665"/>
-          </a:xfrm>
-          <a:prstGeom prst="rect">
-            <a:avLst/>
-          </a:prstGeom>
-          <a:noFill/>
-        </p:spPr>
-        <p:txBody>
-          <a:bodyPr wrap="none" rtlCol="0">
-            <a:spAutoFit/>
-          </a:bodyPr>
-          <a:lstStyle/>
-          <a:p>
-            <a:r>
-              <a:rPr lang="en-US" altLang="zh-CN" sz="2400" b="1" dirty="0" smtClean="0">
-                <a:latin typeface="Times New Roman" panose="02020603050405020304" pitchFamily="18" charset="0"/>
-                <a:ea typeface="Source Code Pro Black" panose="020B0809030403020204" pitchFamily="49" charset="0"/>
-                <a:cs typeface="Times New Roman" panose="02020603050405020304" pitchFamily="18" charset="0"/>
-              </a:rPr>
-              <a:t>React</a:t>
-            </a:r>
-            <a:endParaRPr lang="zh-CN" altLang="en-US" sz="2400" b="1" dirty="0">
-              <a:latin typeface="Times New Roman" panose="02020603050405020304" pitchFamily="18" charset="0"/>
-              <a:cs typeface="Times New Roman" panose="02020603050405020304" pitchFamily="18" charset="0"/>
-            </a:endParaRPr>
-          </a:p>
-        </p:txBody>
-      </p:sp>
-      <p:sp>
-        <p:nvSpPr>
-          <p:cNvPr id="34" name="文本框 33"/>
-          <p:cNvSpPr txBox="1"/>
-          <p:nvPr/>
-        </p:nvSpPr>
-        <p:spPr>
-          <a:xfrm>
-            <a:off x="1659097" y="1549988"/>
-            <a:ext cx="1040670" cy="461665"/>
-          </a:xfrm>
-          <a:prstGeom prst="rect">
-            <a:avLst/>
-          </a:prstGeom>
-          <a:noFill/>
-        </p:spPr>
-        <p:txBody>
-          <a:bodyPr wrap="none" rtlCol="0">
-            <a:spAutoFit/>
-          </a:bodyPr>
-          <a:lstStyle/>
-          <a:p>
-            <a:r>
-              <a:rPr lang="en-US" altLang="zh-CN" sz="2400" b="1" dirty="0" smtClean="0">
-                <a:latin typeface="Times New Roman" panose="02020603050405020304" pitchFamily="18" charset="0"/>
-                <a:ea typeface="Source Code Pro Black" panose="020B0809030403020204" pitchFamily="49" charset="0"/>
-                <a:cs typeface="Times New Roman" panose="02020603050405020304" pitchFamily="18" charset="0"/>
-              </a:rPr>
-              <a:t>Redux</a:t>
-            </a:r>
-            <a:endParaRPr lang="zh-CN" altLang="en-US" sz="2400" b="1" dirty="0">
-              <a:latin typeface="Times New Roman" panose="02020603050405020304" pitchFamily="18" charset="0"/>
-              <a:cs typeface="Times New Roman" panose="02020603050405020304" pitchFamily="18" charset="0"/>
-            </a:endParaRPr>
-          </a:p>
-        </p:txBody>
-      </p:sp>
-      <p:sp>
-        <p:nvSpPr>
-          <p:cNvPr id="35" name="文本框 34"/>
-          <p:cNvSpPr txBox="1"/>
-          <p:nvPr/>
-        </p:nvSpPr>
-        <p:spPr>
-          <a:xfrm>
-            <a:off x="3052829" y="1551660"/>
-            <a:ext cx="1778115" cy="461665"/>
-          </a:xfrm>
-          <a:prstGeom prst="rect">
-            <a:avLst/>
-          </a:prstGeom>
-          <a:noFill/>
-        </p:spPr>
-        <p:txBody>
-          <a:bodyPr wrap="none" rtlCol="0">
-            <a:spAutoFit/>
-          </a:bodyPr>
-          <a:lstStyle/>
-          <a:p>
-            <a:r>
-              <a:rPr lang="en-US" altLang="zh-CN" sz="2400" b="1" dirty="0" smtClean="0">
-                <a:latin typeface="Times New Roman" panose="02020603050405020304" pitchFamily="18" charset="0"/>
-                <a:ea typeface="Source Code Pro Black" panose="020B0809030403020204" pitchFamily="49" charset="0"/>
-                <a:cs typeface="Times New Roman" panose="02020603050405020304" pitchFamily="18" charset="0"/>
-              </a:rPr>
-              <a:t>react-router</a:t>
-            </a:r>
-            <a:endParaRPr lang="zh-CN" altLang="en-US" sz="2400" b="1" dirty="0">
-              <a:latin typeface="Times New Roman" panose="02020603050405020304" pitchFamily="18" charset="0"/>
-              <a:cs typeface="Times New Roman" panose="02020603050405020304" pitchFamily="18" charset="0"/>
-            </a:endParaRPr>
-          </a:p>
-        </p:txBody>
-      </p:sp>
-      <p:sp>
-        <p:nvSpPr>
-          <p:cNvPr id="39" name="文本框 38"/>
-          <p:cNvSpPr txBox="1"/>
-          <p:nvPr/>
-        </p:nvSpPr>
-        <p:spPr>
-          <a:xfrm>
-            <a:off x="5267867" y="1550109"/>
-            <a:ext cx="954107" cy="461665"/>
-          </a:xfrm>
-          <a:prstGeom prst="rect">
-            <a:avLst/>
-          </a:prstGeom>
-          <a:noFill/>
-        </p:spPr>
-        <p:txBody>
-          <a:bodyPr wrap="none" rtlCol="0">
-            <a:spAutoFit/>
-          </a:bodyPr>
-          <a:lstStyle/>
-          <a:p>
-            <a:r>
-              <a:rPr lang="en-US" altLang="zh-CN" sz="2400" b="1" dirty="0" smtClean="0">
-                <a:latin typeface="Times New Roman" panose="02020603050405020304" pitchFamily="18" charset="0"/>
-                <a:ea typeface="Source Code Pro Black" panose="020B0809030403020204" pitchFamily="49" charset="0"/>
-                <a:cs typeface="Times New Roman" panose="02020603050405020304" pitchFamily="18" charset="0"/>
-              </a:rPr>
-              <a:t>Eslint</a:t>
-            </a:r>
-            <a:endParaRPr lang="zh-CN" altLang="en-US" sz="2400" b="1" dirty="0">
-              <a:latin typeface="Times New Roman" panose="02020603050405020304" pitchFamily="18" charset="0"/>
-              <a:cs typeface="Times New Roman" panose="02020603050405020304" pitchFamily="18" charset="0"/>
-            </a:endParaRPr>
-          </a:p>
-        </p:txBody>
-      </p:sp>
-      <p:pic>
-        <p:nvPicPr>
-          <p:cNvPr id="40" name="图片 39"/>
-          <p:cNvPicPr>
-            <a:picLocks noChangeAspect="1"/>
-          </p:cNvPicPr>
-          <p:nvPr/>
-        </p:nvPicPr>
-        <p:blipFill>
-          <a:blip r:embed="rId18"/>
-          <a:stretch>
-            <a:fillRect/>
-          </a:stretch>
-        </p:blipFill>
-        <p:spPr>
-          <a:xfrm>
-            <a:off x="8313264" y="529420"/>
-            <a:ext cx="1039967" cy="1030924"/>
-          </a:xfrm>
-          <a:prstGeom prst="roundRect">
-            <a:avLst>
-              <a:gd name="adj" fmla="val 5156"/>
-            </a:avLst>
-          </a:prstGeom>
-          <a:solidFill>
-            <a:srgbClr val="FFFFFF">
-              <a:shade val="85000"/>
-            </a:srgbClr>
-          </a:solidFill>
-          <a:ln>
-            <a:noFill/>
-          </a:ln>
-          <a:effectLst/>
-        </p:spPr>
-      </p:pic>
-      <p:sp>
-        <p:nvSpPr>
-          <p:cNvPr id="41" name="文本框 40"/>
-          <p:cNvSpPr txBox="1"/>
-          <p:nvPr/>
-        </p:nvSpPr>
-        <p:spPr>
-          <a:xfrm>
-            <a:off x="6580244" y="1560344"/>
-            <a:ext cx="1416413" cy="461665"/>
-          </a:xfrm>
-          <a:prstGeom prst="rect">
-            <a:avLst/>
-          </a:prstGeom>
-          <a:noFill/>
-        </p:spPr>
-        <p:txBody>
-          <a:bodyPr wrap="none" rtlCol="0">
-            <a:spAutoFit/>
-          </a:bodyPr>
-          <a:lstStyle/>
-          <a:p>
-            <a:r>
-              <a:rPr lang="en-US" altLang="zh-CN" sz="2400" b="1" dirty="0" smtClean="0">
-                <a:latin typeface="Times New Roman" panose="02020603050405020304" pitchFamily="18" charset="0"/>
-                <a:ea typeface="Source Code Pro Black" panose="020B0809030403020204" pitchFamily="49" charset="0"/>
-                <a:cs typeface="Times New Roman" panose="02020603050405020304" pitchFamily="18" charset="0"/>
-              </a:rPr>
-              <a:t>Webpack</a:t>
-            </a:r>
-            <a:endParaRPr lang="zh-CN" altLang="en-US" sz="2400" b="1" dirty="0">
-              <a:latin typeface="Times New Roman" panose="02020603050405020304" pitchFamily="18" charset="0"/>
-              <a:cs typeface="Times New Roman" panose="02020603050405020304" pitchFamily="18" charset="0"/>
-            </a:endParaRPr>
-          </a:p>
-        </p:txBody>
-      </p:sp>
-      <p:sp>
-        <p:nvSpPr>
-          <p:cNvPr id="30" name="文本框 29"/>
-          <p:cNvSpPr txBox="1"/>
-          <p:nvPr/>
-        </p:nvSpPr>
-        <p:spPr>
-          <a:xfrm>
-            <a:off x="8201926" y="1557081"/>
-            <a:ext cx="1297150" cy="461665"/>
-          </a:xfrm>
-          <a:prstGeom prst="rect">
-            <a:avLst/>
-          </a:prstGeom>
-          <a:noFill/>
-        </p:spPr>
-        <p:txBody>
-          <a:bodyPr wrap="none" rtlCol="0">
-            <a:spAutoFit/>
-          </a:bodyPr>
-          <a:lstStyle/>
-          <a:p>
-            <a:r>
-              <a:rPr lang="en-US" altLang="zh-CN" sz="2400" b="1" dirty="0" smtClean="0">
-                <a:latin typeface="Times New Roman" panose="02020603050405020304" pitchFamily="18" charset="0"/>
-                <a:ea typeface="Source Code Pro Black" panose="020B0809030403020204" pitchFamily="49" charset="0"/>
-                <a:cs typeface="Times New Roman" panose="02020603050405020304" pitchFamily="18" charset="0"/>
-              </a:rPr>
-              <a:t>Iconfont</a:t>
-            </a:r>
-            <a:endParaRPr lang="zh-CN" altLang="en-US" sz="2400" b="1" dirty="0">
-              <a:latin typeface="Times New Roman" panose="02020603050405020304" pitchFamily="18" charset="0"/>
-              <a:cs typeface="Times New Roman" panose="02020603050405020304" pitchFamily="18" charset="0"/>
-            </a:endParaRPr>
-          </a:p>
-        </p:txBody>
-      </p:sp>
-      <p:sp>
-        <p:nvSpPr>
-          <p:cNvPr id="45" name="文本框 44"/>
-          <p:cNvSpPr txBox="1"/>
-          <p:nvPr/>
-        </p:nvSpPr>
-        <p:spPr>
-          <a:xfrm>
-            <a:off x="193789" y="3892575"/>
-            <a:ext cx="1090363" cy="461665"/>
-          </a:xfrm>
-          <a:prstGeom prst="rect">
-            <a:avLst/>
-          </a:prstGeom>
-          <a:noFill/>
-        </p:spPr>
-        <p:txBody>
-          <a:bodyPr wrap="none" rtlCol="0">
-            <a:spAutoFit/>
-          </a:bodyPr>
-          <a:lstStyle/>
-          <a:p>
-            <a:r>
-              <a:rPr lang="en-US" altLang="zh-CN" sz="2400" b="1" dirty="0" smtClean="0">
-                <a:latin typeface="Times New Roman" panose="02020603050405020304" pitchFamily="18" charset="0"/>
-                <a:ea typeface="Source Code Pro Black" panose="020B0809030403020204" pitchFamily="49" charset="0"/>
-                <a:cs typeface="Times New Roman" panose="02020603050405020304" pitchFamily="18" charset="0"/>
-              </a:rPr>
-              <a:t>Mocha</a:t>
-            </a:r>
-            <a:endParaRPr lang="zh-CN" altLang="en-US" sz="2400" b="1" dirty="0">
-              <a:latin typeface="Times New Roman" panose="02020603050405020304" pitchFamily="18" charset="0"/>
-              <a:cs typeface="Times New Roman" panose="02020603050405020304" pitchFamily="18" charset="0"/>
-            </a:endParaRPr>
-          </a:p>
-        </p:txBody>
-      </p:sp>
-      <p:sp>
-        <p:nvSpPr>
-          <p:cNvPr id="46" name="文本框 45"/>
-          <p:cNvSpPr txBox="1"/>
-          <p:nvPr/>
-        </p:nvSpPr>
-        <p:spPr>
-          <a:xfrm>
-            <a:off x="1768427" y="3888351"/>
-            <a:ext cx="817853" cy="461665"/>
-          </a:xfrm>
-          <a:prstGeom prst="rect">
-            <a:avLst/>
-          </a:prstGeom>
-          <a:noFill/>
-        </p:spPr>
-        <p:txBody>
-          <a:bodyPr wrap="none" rtlCol="0">
-            <a:spAutoFit/>
-          </a:bodyPr>
-          <a:lstStyle/>
-          <a:p>
-            <a:r>
-              <a:rPr lang="en-US" altLang="zh-CN" sz="2400" b="1" dirty="0" smtClean="0">
-                <a:latin typeface="Times New Roman" panose="02020603050405020304" pitchFamily="18" charset="0"/>
-                <a:ea typeface="Source Code Pro Black" panose="020B0809030403020204" pitchFamily="49" charset="0"/>
-                <a:cs typeface="Times New Roman" panose="02020603050405020304" pitchFamily="18" charset="0"/>
-              </a:rPr>
-              <a:t>Chai</a:t>
-            </a:r>
-            <a:endParaRPr lang="zh-CN" altLang="en-US" sz="2400" b="1" dirty="0">
-              <a:latin typeface="Times New Roman" panose="02020603050405020304" pitchFamily="18" charset="0"/>
-              <a:cs typeface="Times New Roman" panose="02020603050405020304" pitchFamily="18" charset="0"/>
-            </a:endParaRPr>
-          </a:p>
-        </p:txBody>
-      </p:sp>
-      <p:sp>
-        <p:nvSpPr>
-          <p:cNvPr id="47" name="文本框 46"/>
-          <p:cNvSpPr txBox="1"/>
-          <p:nvPr/>
-        </p:nvSpPr>
-        <p:spPr>
-          <a:xfrm>
-            <a:off x="3758819" y="3888351"/>
-            <a:ext cx="936475" cy="461665"/>
-          </a:xfrm>
-          <a:prstGeom prst="rect">
-            <a:avLst/>
-          </a:prstGeom>
-          <a:noFill/>
-        </p:spPr>
-        <p:txBody>
-          <a:bodyPr wrap="none" rtlCol="0">
-            <a:spAutoFit/>
-          </a:bodyPr>
-          <a:lstStyle/>
-          <a:p>
-            <a:r>
-              <a:rPr lang="en-US" altLang="zh-CN" sz="2400" b="1" dirty="0" smtClean="0">
-                <a:latin typeface="Times New Roman" panose="02020603050405020304" pitchFamily="18" charset="0"/>
-                <a:ea typeface="Source Code Pro Black" panose="020B0809030403020204" pitchFamily="49" charset="0"/>
-                <a:cs typeface="Times New Roman" panose="02020603050405020304" pitchFamily="18" charset="0"/>
-              </a:rPr>
-              <a:t>Babel</a:t>
-            </a:r>
-            <a:endParaRPr lang="zh-CN" altLang="en-US" sz="2400" b="1" dirty="0">
-              <a:latin typeface="Times New Roman" panose="02020603050405020304" pitchFamily="18" charset="0"/>
-              <a:cs typeface="Times New Roman" panose="02020603050405020304" pitchFamily="18" charset="0"/>
-            </a:endParaRPr>
-          </a:p>
-        </p:txBody>
-      </p:sp>
-      <p:sp>
-        <p:nvSpPr>
-          <p:cNvPr id="48" name="文本框 47"/>
-          <p:cNvSpPr txBox="1"/>
-          <p:nvPr/>
-        </p:nvSpPr>
-        <p:spPr>
-          <a:xfrm>
-            <a:off x="5612583" y="3884854"/>
-            <a:ext cx="1417376" cy="461665"/>
-          </a:xfrm>
-          <a:prstGeom prst="rect">
-            <a:avLst/>
-          </a:prstGeom>
-          <a:noFill/>
-        </p:spPr>
-        <p:txBody>
-          <a:bodyPr wrap="none" rtlCol="0">
-            <a:spAutoFit/>
-          </a:bodyPr>
-          <a:lstStyle/>
-          <a:p>
-            <a:r>
-              <a:rPr lang="en-US" altLang="zh-CN" sz="2400" b="1" dirty="0" smtClean="0">
-                <a:latin typeface="Times New Roman" panose="02020603050405020304" pitchFamily="18" charset="0"/>
-                <a:ea typeface="Source Code Pro Black" panose="020B0809030403020204" pitchFamily="49" charset="0"/>
-                <a:cs typeface="Times New Roman" panose="02020603050405020304" pitchFamily="18" charset="0"/>
-              </a:rPr>
-              <a:t>Post-CSS</a:t>
-            </a:r>
-            <a:endParaRPr lang="zh-CN" altLang="en-US" sz="2400" b="1" dirty="0">
-              <a:latin typeface="Times New Roman" panose="02020603050405020304" pitchFamily="18" charset="0"/>
-              <a:cs typeface="Times New Roman" panose="02020603050405020304" pitchFamily="18" charset="0"/>
-            </a:endParaRPr>
-          </a:p>
-        </p:txBody>
-      </p:sp>
-      <p:sp>
-        <p:nvSpPr>
-          <p:cNvPr id="49" name="文本框 48"/>
-          <p:cNvSpPr txBox="1"/>
-          <p:nvPr/>
-        </p:nvSpPr>
-        <p:spPr>
-          <a:xfrm>
-            <a:off x="7699955" y="3879589"/>
-            <a:ext cx="1226618" cy="461665"/>
-          </a:xfrm>
-          <a:prstGeom prst="rect">
-            <a:avLst/>
-          </a:prstGeom>
-          <a:noFill/>
-        </p:spPr>
-        <p:txBody>
-          <a:bodyPr wrap="none" rtlCol="0">
-            <a:spAutoFit/>
-          </a:bodyPr>
-          <a:lstStyle/>
-          <a:p>
-            <a:r>
-              <a:rPr lang="en-US" altLang="zh-CN" sz="2400" b="1" dirty="0" smtClean="0">
-                <a:latin typeface="Times New Roman" panose="02020603050405020304" pitchFamily="18" charset="0"/>
-                <a:ea typeface="Source Code Pro Black" panose="020B0809030403020204" pitchFamily="49" charset="0"/>
-                <a:cs typeface="Times New Roman" panose="02020603050405020304" pitchFamily="18" charset="0"/>
-              </a:rPr>
-              <a:t>stylelint</a:t>
-            </a:r>
-            <a:endParaRPr lang="zh-CN" altLang="en-US" sz="2400" b="1" dirty="0">
-              <a:latin typeface="Times New Roman" panose="02020603050405020304" pitchFamily="18" charset="0"/>
-              <a:cs typeface="Times New Roman" panose="02020603050405020304" pitchFamily="18" charset="0"/>
-            </a:endParaRPr>
-          </a:p>
-        </p:txBody>
-      </p:sp>
-      <p:sp>
-        <p:nvSpPr>
-          <p:cNvPr id="50" name="文本框 49"/>
-          <p:cNvSpPr txBox="1"/>
-          <p:nvPr/>
-        </p:nvSpPr>
-        <p:spPr>
-          <a:xfrm>
-            <a:off x="10187041" y="3897063"/>
-            <a:ext cx="1226618" cy="461665"/>
-          </a:xfrm>
-          <a:prstGeom prst="rect">
-            <a:avLst/>
-          </a:prstGeom>
-          <a:noFill/>
-        </p:spPr>
-        <p:txBody>
-          <a:bodyPr wrap="none" rtlCol="0">
-            <a:spAutoFit/>
-          </a:bodyPr>
-          <a:lstStyle/>
-          <a:p>
-            <a:r>
-              <a:rPr lang="en-US" altLang="zh-CN" sz="2400" b="1" dirty="0" smtClean="0">
-                <a:latin typeface="Times New Roman" panose="02020603050405020304" pitchFamily="18" charset="0"/>
-                <a:ea typeface="Source Code Pro Black" panose="020B0809030403020204" pitchFamily="49" charset="0"/>
-                <a:cs typeface="Times New Roman" panose="02020603050405020304" pitchFamily="18" charset="0"/>
-              </a:rPr>
-              <a:t>stylelint</a:t>
-            </a:r>
-            <a:endParaRPr lang="zh-CN" altLang="en-US" sz="2400" b="1" dirty="0">
-              <a:latin typeface="Times New Roman" panose="02020603050405020304" pitchFamily="18" charset="0"/>
-              <a:cs typeface="Times New Roman" panose="02020603050405020304" pitchFamily="18" charset="0"/>
-            </a:endParaRPr>
-          </a:p>
-        </p:txBody>
-      </p:sp>
-      <p:sp>
-        <p:nvSpPr>
-          <p:cNvPr id="51" name="文本框 50"/>
-          <p:cNvSpPr txBox="1"/>
-          <p:nvPr/>
-        </p:nvSpPr>
-        <p:spPr>
-          <a:xfrm>
-            <a:off x="9540767" y="1568062"/>
-            <a:ext cx="1952779" cy="461665"/>
-          </a:xfrm>
-          <a:prstGeom prst="rect">
-            <a:avLst/>
-          </a:prstGeom>
-          <a:noFill/>
-        </p:spPr>
-        <p:txBody>
-          <a:bodyPr wrap="none" rtlCol="0">
-            <a:spAutoFit/>
-          </a:bodyPr>
-          <a:lstStyle/>
-          <a:p>
-            <a:r>
-              <a:rPr lang="en-US" altLang="zh-CN" sz="2400" b="1" dirty="0">
-                <a:latin typeface="Times New Roman" panose="02020603050405020304" pitchFamily="18" charset="0"/>
-                <a:ea typeface="Source Code Pro Black" panose="020B0809030403020204" pitchFamily="49" charset="0"/>
-                <a:cs typeface="Times New Roman" panose="02020603050405020304" pitchFamily="18" charset="0"/>
-              </a:rPr>
-              <a:t>normalize.css</a:t>
-            </a:r>
-            <a:endParaRPr lang="zh-CN" altLang="en-US" sz="2400" b="1" dirty="0">
-              <a:latin typeface="Times New Roman" panose="02020603050405020304" pitchFamily="18" charset="0"/>
-              <a:cs typeface="Times New Roman" panose="02020603050405020304" pitchFamily="18" charset="0"/>
-            </a:endParaRPr>
-          </a:p>
-        </p:txBody>
-      </p:sp>
       <p:grpSp>
         <p:nvGrpSpPr>
-          <p:cNvPr id="2" name="组合 1"/>
+          <p:cNvPr id="3" name="组合 2"/>
           <p:cNvGrpSpPr/>
           <p:nvPr/>
         </p:nvGrpSpPr>
         <p:grpSpPr>
           <a:xfrm>
-            <a:off x="-78505" y="529420"/>
-            <a:ext cx="12464294" cy="3698660"/>
-            <a:chOff x="-78505" y="529420"/>
-            <a:chExt cx="12464294" cy="3698660"/>
+            <a:off x="502469" y="3119687"/>
+            <a:ext cx="1192930" cy="1522243"/>
+            <a:chOff x="163861" y="490178"/>
+            <a:chExt cx="1192930" cy="1522243"/>
           </a:xfrm>
         </p:grpSpPr>
-        <p:cxnSp>
-          <p:nvCxnSpPr>
-            <p:cNvPr id="52" name="直接连接符 51"/>
-            <p:cNvCxnSpPr/>
+        <p:pic>
+          <p:nvPicPr>
+            <p:cNvPr id="10" name="图片 9"/>
+            <p:cNvPicPr>
+              <a:picLocks noChangeAspect="1"/>
+            </p:cNvPicPr>
             <p:nvPr/>
-          </p:nvCxnSpPr>
+          </p:nvPicPr>
+          <p:blipFill>
+            <a:blip r:embed="rId6"/>
+            <a:stretch>
+              <a:fillRect/>
+            </a:stretch>
+          </p:blipFill>
           <p:spPr>
             <a:xfrm>
-              <a:off x="0" y="529420"/>
-              <a:ext cx="12192000" cy="0"/>
+              <a:off x="163861" y="490178"/>
+              <a:ext cx="1192930" cy="1154551"/>
             </a:xfrm>
-            <a:prstGeom prst="line">
+            <a:prstGeom prst="rect">
               <a:avLst/>
             </a:prstGeom>
           </p:spPr>
-          <p:style>
-            <a:lnRef idx="1">
-              <a:schemeClr val="accent1"/>
-            </a:lnRef>
-            <a:fillRef idx="0">
-              <a:schemeClr val="accent1"/>
-            </a:fillRef>
-            <a:effectRef idx="0">
-              <a:schemeClr val="accent1"/>
-            </a:effectRef>
-            <a:fontRef idx="minor">
-              <a:schemeClr val="tx1"/>
-            </a:fontRef>
-          </p:style>
-        </p:cxnSp>
-        <p:cxnSp>
-          <p:nvCxnSpPr>
-            <p:cNvPr id="53" name="直接连接符 52"/>
-            <p:cNvCxnSpPr/>
+        </p:pic>
+        <p:sp>
+          <p:nvSpPr>
+            <p:cNvPr id="31" name="文本框 30"/>
+            <p:cNvSpPr txBox="1"/>
             <p:nvPr/>
-          </p:nvCxnSpPr>
+          </p:nvSpPr>
           <p:spPr>
             <a:xfrm>
-              <a:off x="193789" y="1560391"/>
-              <a:ext cx="12192000" cy="0"/>
+              <a:off x="264862" y="1550756"/>
+              <a:ext cx="936475" cy="461665"/>
             </a:xfrm>
-            <a:prstGeom prst="line">
+            <a:prstGeom prst="rect">
+              <a:avLst/>
+            </a:prstGeom>
+            <a:noFill/>
+          </p:spPr>
+          <p:txBody>
+            <a:bodyPr wrap="none" rtlCol="0">
+              <a:spAutoFit/>
+            </a:bodyPr>
+            <a:lstStyle/>
+            <a:p>
+              <a:r>
+                <a:rPr lang="en-US" altLang="zh-CN" sz="2400" b="1" dirty="0" smtClean="0">
+                  <a:latin typeface="Times New Roman" panose="02020603050405020304" pitchFamily="18" charset="0"/>
+                  <a:ea typeface="Source Code Pro Black" panose="020B0809030403020204" pitchFamily="49" charset="0"/>
+                  <a:cs typeface="Times New Roman" panose="02020603050405020304" pitchFamily="18" charset="0"/>
+                </a:rPr>
+                <a:t>React</a:t>
+              </a:r>
+              <a:endParaRPr lang="zh-CN" altLang="en-US" sz="2400" b="1" dirty="0">
+                <a:latin typeface="Times New Roman" panose="02020603050405020304" pitchFamily="18" charset="0"/>
+                <a:cs typeface="Times New Roman" panose="02020603050405020304" pitchFamily="18" charset="0"/>
+              </a:endParaRPr>
+            </a:p>
+          </p:txBody>
+        </p:sp>
+      </p:grpSp>
+      <p:grpSp>
+        <p:nvGrpSpPr>
+          <p:cNvPr id="4" name="组合 3"/>
+          <p:cNvGrpSpPr/>
+          <p:nvPr/>
+        </p:nvGrpSpPr>
+        <p:grpSpPr>
+          <a:xfrm>
+            <a:off x="4063239" y="5208269"/>
+            <a:ext cx="1095901" cy="1448782"/>
+            <a:chOff x="1659097" y="562871"/>
+            <a:chExt cx="1095901" cy="1448782"/>
+          </a:xfrm>
+        </p:grpSpPr>
+        <p:pic>
+          <p:nvPicPr>
+            <p:cNvPr id="11" name="图片 10"/>
+            <p:cNvPicPr>
+              <a:picLocks noChangeAspect="1"/>
+            </p:cNvPicPr>
+            <p:nvPr/>
+          </p:nvPicPr>
+          <p:blipFill>
+            <a:blip r:embed="rId7"/>
+            <a:stretch>
+              <a:fillRect/>
+            </a:stretch>
+          </p:blipFill>
+          <p:spPr>
+            <a:xfrm>
+              <a:off x="1667644" y="562871"/>
+              <a:ext cx="1087354" cy="1006450"/>
+            </a:xfrm>
+            <a:prstGeom prst="rect">
               <a:avLst/>
             </a:prstGeom>
           </p:spPr>
-          <p:style>
-            <a:lnRef idx="1">
-              <a:schemeClr val="accent1"/>
-            </a:lnRef>
-            <a:fillRef idx="0">
-              <a:schemeClr val="accent1"/>
-            </a:fillRef>
-            <a:effectRef idx="0">
-              <a:schemeClr val="accent1"/>
-            </a:effectRef>
-            <a:fontRef idx="minor">
-              <a:schemeClr val="tx1"/>
-            </a:fontRef>
-          </p:style>
-        </p:cxnSp>
-        <p:cxnSp>
-          <p:nvCxnSpPr>
-            <p:cNvPr id="54" name="直接连接符 53"/>
-            <p:cNvCxnSpPr/>
+        </p:pic>
+        <p:sp>
+          <p:nvSpPr>
+            <p:cNvPr id="34" name="文本框 33"/>
+            <p:cNvSpPr txBox="1"/>
             <p:nvPr/>
-          </p:nvCxnSpPr>
+          </p:nvSpPr>
           <p:spPr>
             <a:xfrm>
-              <a:off x="97105" y="1678179"/>
-              <a:ext cx="12192000" cy="0"/>
+              <a:off x="1659097" y="1549988"/>
+              <a:ext cx="1040670" cy="461665"/>
             </a:xfrm>
-            <a:prstGeom prst="line">
+            <a:prstGeom prst="rect">
+              <a:avLst/>
+            </a:prstGeom>
+            <a:noFill/>
+          </p:spPr>
+          <p:txBody>
+            <a:bodyPr wrap="none" rtlCol="0">
+              <a:spAutoFit/>
+            </a:bodyPr>
+            <a:lstStyle/>
+            <a:p>
+              <a:r>
+                <a:rPr lang="en-US" altLang="zh-CN" sz="2400" b="1" dirty="0" smtClean="0">
+                  <a:latin typeface="Times New Roman" panose="02020603050405020304" pitchFamily="18" charset="0"/>
+                  <a:ea typeface="Source Code Pro Black" panose="020B0809030403020204" pitchFamily="49" charset="0"/>
+                  <a:cs typeface="Times New Roman" panose="02020603050405020304" pitchFamily="18" charset="0"/>
+                </a:rPr>
+                <a:t>Redux</a:t>
+              </a:r>
+              <a:endParaRPr lang="zh-CN" altLang="en-US" sz="2400" b="1" dirty="0">
+                <a:latin typeface="Times New Roman" panose="02020603050405020304" pitchFamily="18" charset="0"/>
+                <a:cs typeface="Times New Roman" panose="02020603050405020304" pitchFamily="18" charset="0"/>
+              </a:endParaRPr>
+            </a:p>
+          </p:txBody>
+        </p:sp>
+      </p:grpSp>
+      <p:grpSp>
+        <p:nvGrpSpPr>
+          <p:cNvPr id="5" name="组合 4"/>
+          <p:cNvGrpSpPr/>
+          <p:nvPr/>
+        </p:nvGrpSpPr>
+        <p:grpSpPr>
+          <a:xfrm>
+            <a:off x="696371" y="5166784"/>
+            <a:ext cx="1950806" cy="1563907"/>
+            <a:chOff x="2880138" y="449418"/>
+            <a:chExt cx="1950806" cy="1563907"/>
+          </a:xfrm>
+        </p:grpSpPr>
+        <p:pic>
+          <p:nvPicPr>
+            <p:cNvPr id="28" name="图片 27"/>
+            <p:cNvPicPr>
+              <a:picLocks noChangeAspect="1"/>
+            </p:cNvPicPr>
+            <p:nvPr/>
+          </p:nvPicPr>
+          <p:blipFill>
+            <a:blip r:embed="rId8"/>
+            <a:stretch>
+              <a:fillRect/>
+            </a:stretch>
+          </p:blipFill>
+          <p:spPr>
+            <a:xfrm>
+              <a:off x="2880138" y="449418"/>
+              <a:ext cx="1950805" cy="1188951"/>
+            </a:xfrm>
+            <a:prstGeom prst="rect">
               <a:avLst/>
             </a:prstGeom>
           </p:spPr>
-          <p:style>
-            <a:lnRef idx="1">
-              <a:schemeClr val="accent1"/>
-            </a:lnRef>
-            <a:fillRef idx="0">
-              <a:schemeClr val="accent1"/>
-            </a:fillRef>
-            <a:effectRef idx="0">
-              <a:schemeClr val="accent1"/>
-            </a:effectRef>
-            <a:fontRef idx="minor">
-              <a:schemeClr val="tx1"/>
-            </a:fontRef>
-          </p:style>
-        </p:cxnSp>
-        <p:cxnSp>
-          <p:nvCxnSpPr>
-            <p:cNvPr id="55" name="直接连接符 54"/>
-            <p:cNvCxnSpPr/>
+        </p:pic>
+        <p:sp>
+          <p:nvSpPr>
+            <p:cNvPr id="35" name="文本框 34"/>
+            <p:cNvSpPr txBox="1"/>
             <p:nvPr/>
-          </p:nvCxnSpPr>
+          </p:nvSpPr>
           <p:spPr>
             <a:xfrm>
-              <a:off x="44225" y="1895896"/>
-              <a:ext cx="12192000" cy="0"/>
+              <a:off x="3052829" y="1551660"/>
+              <a:ext cx="1778115" cy="461665"/>
             </a:xfrm>
-            <a:prstGeom prst="line">
+            <a:prstGeom prst="rect">
+              <a:avLst/>
+            </a:prstGeom>
+            <a:noFill/>
+          </p:spPr>
+          <p:txBody>
+            <a:bodyPr wrap="none" rtlCol="0">
+              <a:spAutoFit/>
+            </a:bodyPr>
+            <a:lstStyle/>
+            <a:p>
+              <a:r>
+                <a:rPr lang="en-US" altLang="zh-CN" sz="2400" b="1" dirty="0" smtClean="0">
+                  <a:latin typeface="Times New Roman" panose="02020603050405020304" pitchFamily="18" charset="0"/>
+                  <a:ea typeface="Source Code Pro Black" panose="020B0809030403020204" pitchFamily="49" charset="0"/>
+                  <a:cs typeface="Times New Roman" panose="02020603050405020304" pitchFamily="18" charset="0"/>
+                </a:rPr>
+                <a:t>react-router</a:t>
+              </a:r>
+              <a:endParaRPr lang="zh-CN" altLang="en-US" sz="2400" b="1" dirty="0">
+                <a:latin typeface="Times New Roman" panose="02020603050405020304" pitchFamily="18" charset="0"/>
+                <a:cs typeface="Times New Roman" panose="02020603050405020304" pitchFamily="18" charset="0"/>
+              </a:endParaRPr>
+            </a:p>
+          </p:txBody>
+        </p:sp>
+      </p:grpSp>
+      <p:grpSp>
+        <p:nvGrpSpPr>
+          <p:cNvPr id="6" name="组合 5"/>
+          <p:cNvGrpSpPr/>
+          <p:nvPr/>
+        </p:nvGrpSpPr>
+        <p:grpSpPr>
+          <a:xfrm>
+            <a:off x="10715613" y="4293067"/>
+            <a:ext cx="1205906" cy="1491685"/>
+            <a:chOff x="5148384" y="520089"/>
+            <a:chExt cx="1205906" cy="1491685"/>
+          </a:xfrm>
+        </p:grpSpPr>
+        <p:pic>
+          <p:nvPicPr>
+            <p:cNvPr id="22" name="图片 21"/>
+            <p:cNvPicPr>
+              <a:picLocks noChangeAspect="1"/>
+            </p:cNvPicPr>
+            <p:nvPr/>
+          </p:nvPicPr>
+          <p:blipFill>
+            <a:blip r:embed="rId9"/>
+            <a:stretch>
+              <a:fillRect/>
+            </a:stretch>
+          </p:blipFill>
+          <p:spPr>
+            <a:xfrm>
+              <a:off x="5148384" y="520089"/>
+              <a:ext cx="1205906" cy="1062888"/>
+            </a:xfrm>
+            <a:prstGeom prst="rect">
               <a:avLst/>
             </a:prstGeom>
           </p:spPr>
-          <p:style>
-            <a:lnRef idx="1">
-              <a:schemeClr val="accent1"/>
-            </a:lnRef>
-            <a:fillRef idx="0">
-              <a:schemeClr val="accent1"/>
-            </a:fillRef>
-            <a:effectRef idx="0">
-              <a:schemeClr val="accent1"/>
-            </a:effectRef>
-            <a:fontRef idx="minor">
-              <a:schemeClr val="tx1"/>
-            </a:fontRef>
-          </p:style>
-        </p:cxnSp>
-        <p:cxnSp>
-          <p:nvCxnSpPr>
-            <p:cNvPr id="56" name="直接连接符 55"/>
-            <p:cNvCxnSpPr/>
+        </p:pic>
+        <p:sp>
+          <p:nvSpPr>
+            <p:cNvPr id="39" name="文本框 38"/>
+            <p:cNvSpPr txBox="1"/>
             <p:nvPr/>
-          </p:nvCxnSpPr>
+          </p:nvSpPr>
           <p:spPr>
             <a:xfrm>
-              <a:off x="-78505" y="2861604"/>
-              <a:ext cx="12192000" cy="0"/>
+              <a:off x="5267867" y="1550109"/>
+              <a:ext cx="954107" cy="461665"/>
             </a:xfrm>
-            <a:prstGeom prst="line">
+            <a:prstGeom prst="rect">
+              <a:avLst/>
+            </a:prstGeom>
+            <a:noFill/>
+          </p:spPr>
+          <p:txBody>
+            <a:bodyPr wrap="none" rtlCol="0">
+              <a:spAutoFit/>
+            </a:bodyPr>
+            <a:lstStyle/>
+            <a:p>
+              <a:r>
+                <a:rPr lang="en-US" altLang="zh-CN" sz="2400" b="1" dirty="0" smtClean="0">
+                  <a:latin typeface="Times New Roman" panose="02020603050405020304" pitchFamily="18" charset="0"/>
+                  <a:ea typeface="Source Code Pro Black" panose="020B0809030403020204" pitchFamily="49" charset="0"/>
+                  <a:cs typeface="Times New Roman" panose="02020603050405020304" pitchFamily="18" charset="0"/>
+                </a:rPr>
+                <a:t>Eslint</a:t>
+              </a:r>
+              <a:endParaRPr lang="zh-CN" altLang="en-US" sz="2400" b="1" dirty="0">
+                <a:latin typeface="Times New Roman" panose="02020603050405020304" pitchFamily="18" charset="0"/>
+                <a:cs typeface="Times New Roman" panose="02020603050405020304" pitchFamily="18" charset="0"/>
+              </a:endParaRPr>
+            </a:p>
+          </p:txBody>
+        </p:sp>
+      </p:grpSp>
+      <p:grpSp>
+        <p:nvGrpSpPr>
+          <p:cNvPr id="7" name="组合 6"/>
+          <p:cNvGrpSpPr/>
+          <p:nvPr/>
+        </p:nvGrpSpPr>
+        <p:grpSpPr>
+          <a:xfrm>
+            <a:off x="4628042" y="3474673"/>
+            <a:ext cx="1416413" cy="1542671"/>
+            <a:chOff x="6580244" y="479338"/>
+            <a:chExt cx="1416413" cy="1542671"/>
+          </a:xfrm>
+        </p:grpSpPr>
+        <p:pic>
+          <p:nvPicPr>
+            <p:cNvPr id="12" name="图片 11"/>
+            <p:cNvPicPr>
+              <a:picLocks noChangeAspect="1"/>
+            </p:cNvPicPr>
+            <p:nvPr/>
+          </p:nvPicPr>
+          <p:blipFill>
+            <a:blip r:embed="rId10"/>
+            <a:stretch>
+              <a:fillRect/>
+            </a:stretch>
+          </p:blipFill>
+          <p:spPr>
+            <a:xfrm>
+              <a:off x="6595769" y="479338"/>
+              <a:ext cx="1386061" cy="1337973"/>
+            </a:xfrm>
+            <a:prstGeom prst="rect">
               <a:avLst/>
             </a:prstGeom>
           </p:spPr>
-          <p:style>
-            <a:lnRef idx="1">
-              <a:schemeClr val="accent1"/>
-            </a:lnRef>
-            <a:fillRef idx="0">
-              <a:schemeClr val="accent1"/>
-            </a:fillRef>
-            <a:effectRef idx="0">
-              <a:schemeClr val="accent1"/>
-            </a:effectRef>
-            <a:fontRef idx="minor">
-              <a:schemeClr val="tx1"/>
-            </a:fontRef>
-          </p:style>
-        </p:cxnSp>
-        <p:cxnSp>
-          <p:nvCxnSpPr>
-            <p:cNvPr id="57" name="直接连接符 56"/>
-            <p:cNvCxnSpPr/>
+        </p:pic>
+        <p:sp>
+          <p:nvSpPr>
+            <p:cNvPr id="41" name="文本框 40"/>
+            <p:cNvSpPr txBox="1"/>
             <p:nvPr/>
-          </p:nvCxnSpPr>
+          </p:nvSpPr>
           <p:spPr>
             <a:xfrm>
-              <a:off x="115284" y="3892575"/>
-              <a:ext cx="12192000" cy="0"/>
+              <a:off x="6580244" y="1560344"/>
+              <a:ext cx="1416413" cy="461665"/>
             </a:xfrm>
-            <a:prstGeom prst="line">
+            <a:prstGeom prst="rect">
+              <a:avLst/>
+            </a:prstGeom>
+            <a:noFill/>
+          </p:spPr>
+          <p:txBody>
+            <a:bodyPr wrap="none" rtlCol="0">
+              <a:spAutoFit/>
+            </a:bodyPr>
+            <a:lstStyle/>
+            <a:p>
+              <a:r>
+                <a:rPr lang="en-US" altLang="zh-CN" sz="2400" b="1" dirty="0" smtClean="0">
+                  <a:latin typeface="Times New Roman" panose="02020603050405020304" pitchFamily="18" charset="0"/>
+                  <a:ea typeface="Source Code Pro Black" panose="020B0809030403020204" pitchFamily="49" charset="0"/>
+                  <a:cs typeface="Times New Roman" panose="02020603050405020304" pitchFamily="18" charset="0"/>
+                </a:rPr>
+                <a:t>Webpack</a:t>
+              </a:r>
+              <a:endParaRPr lang="zh-CN" altLang="en-US" sz="2400" b="1" dirty="0">
+                <a:latin typeface="Times New Roman" panose="02020603050405020304" pitchFamily="18" charset="0"/>
+                <a:cs typeface="Times New Roman" panose="02020603050405020304" pitchFamily="18" charset="0"/>
+              </a:endParaRPr>
+            </a:p>
+          </p:txBody>
+        </p:sp>
+      </p:grpSp>
+      <p:grpSp>
+        <p:nvGrpSpPr>
+          <p:cNvPr id="8" name="组合 7"/>
+          <p:cNvGrpSpPr/>
+          <p:nvPr/>
+        </p:nvGrpSpPr>
+        <p:grpSpPr>
+          <a:xfrm>
+            <a:off x="4989480" y="831661"/>
+            <a:ext cx="1297150" cy="1489326"/>
+            <a:chOff x="8201926" y="529420"/>
+            <a:chExt cx="1297150" cy="1489326"/>
+          </a:xfrm>
+        </p:grpSpPr>
+        <p:pic>
+          <p:nvPicPr>
+            <p:cNvPr id="40" name="图片 39"/>
+            <p:cNvPicPr>
+              <a:picLocks noChangeAspect="1"/>
+            </p:cNvPicPr>
+            <p:nvPr/>
+          </p:nvPicPr>
+          <p:blipFill>
+            <a:blip r:embed="rId11"/>
+            <a:stretch>
+              <a:fillRect/>
+            </a:stretch>
+          </p:blipFill>
+          <p:spPr>
+            <a:xfrm>
+              <a:off x="8313264" y="529420"/>
+              <a:ext cx="1039967" cy="1030924"/>
+            </a:xfrm>
+            <a:prstGeom prst="roundRect">
+              <a:avLst>
+                <a:gd name="adj" fmla="val 5156"/>
+              </a:avLst>
+            </a:prstGeom>
+            <a:solidFill>
+              <a:srgbClr val="FFFFFF">
+                <a:shade val="85000"/>
+              </a:srgbClr>
+            </a:solidFill>
+            <a:ln>
+              <a:noFill/>
+            </a:ln>
+            <a:effectLst/>
+          </p:spPr>
+        </p:pic>
+        <p:sp>
+          <p:nvSpPr>
+            <p:cNvPr id="30" name="文本框 29"/>
+            <p:cNvSpPr txBox="1"/>
+            <p:nvPr/>
+          </p:nvSpPr>
+          <p:spPr>
+            <a:xfrm>
+              <a:off x="8201926" y="1557081"/>
+              <a:ext cx="1297150" cy="461665"/>
+            </a:xfrm>
+            <a:prstGeom prst="rect">
+              <a:avLst/>
+            </a:prstGeom>
+            <a:noFill/>
+          </p:spPr>
+          <p:txBody>
+            <a:bodyPr wrap="none" rtlCol="0">
+              <a:spAutoFit/>
+            </a:bodyPr>
+            <a:lstStyle/>
+            <a:p>
+              <a:r>
+                <a:rPr lang="en-US" altLang="zh-CN" sz="2400" b="1" dirty="0" smtClean="0">
+                  <a:latin typeface="Times New Roman" panose="02020603050405020304" pitchFamily="18" charset="0"/>
+                  <a:ea typeface="Source Code Pro Black" panose="020B0809030403020204" pitchFamily="49" charset="0"/>
+                  <a:cs typeface="Times New Roman" panose="02020603050405020304" pitchFamily="18" charset="0"/>
+                </a:rPr>
+                <a:t>Iconfont</a:t>
+              </a:r>
+              <a:endParaRPr lang="zh-CN" altLang="en-US" sz="2400" b="1" dirty="0">
+                <a:latin typeface="Times New Roman" panose="02020603050405020304" pitchFamily="18" charset="0"/>
+                <a:cs typeface="Times New Roman" panose="02020603050405020304" pitchFamily="18" charset="0"/>
+              </a:endParaRPr>
+            </a:p>
+          </p:txBody>
+        </p:sp>
+      </p:grpSp>
+      <p:grpSp>
+        <p:nvGrpSpPr>
+          <p:cNvPr id="13" name="组合 12"/>
+          <p:cNvGrpSpPr/>
+          <p:nvPr/>
+        </p:nvGrpSpPr>
+        <p:grpSpPr>
+          <a:xfrm>
+            <a:off x="2602119" y="581667"/>
+            <a:ext cx="1091929" cy="1588751"/>
+            <a:chOff x="193789" y="2765489"/>
+            <a:chExt cx="1091929" cy="1588751"/>
+          </a:xfrm>
+        </p:grpSpPr>
+        <p:pic>
+          <p:nvPicPr>
+            <p:cNvPr id="23" name="图片 22"/>
+            <p:cNvPicPr>
+              <a:picLocks noChangeAspect="1"/>
+            </p:cNvPicPr>
+            <p:nvPr/>
+          </p:nvPicPr>
+          <p:blipFill>
+            <a:blip r:embed="rId12"/>
+            <a:stretch>
+              <a:fillRect/>
+            </a:stretch>
+          </p:blipFill>
+          <p:spPr>
+            <a:xfrm>
+              <a:off x="193789" y="2765489"/>
+              <a:ext cx="1091929" cy="1226814"/>
+            </a:xfrm>
+            <a:prstGeom prst="rect">
               <a:avLst/>
             </a:prstGeom>
           </p:spPr>
-          <p:style>
-            <a:lnRef idx="1">
-              <a:schemeClr val="accent1"/>
-            </a:lnRef>
-            <a:fillRef idx="0">
-              <a:schemeClr val="accent1"/>
-            </a:fillRef>
-            <a:effectRef idx="0">
-              <a:schemeClr val="accent1"/>
-            </a:effectRef>
-            <a:fontRef idx="minor">
-              <a:schemeClr val="tx1"/>
-            </a:fontRef>
-          </p:style>
-        </p:cxnSp>
-        <p:cxnSp>
-          <p:nvCxnSpPr>
-            <p:cNvPr id="58" name="直接连接符 57"/>
-            <p:cNvCxnSpPr/>
+        </p:pic>
+        <p:sp>
+          <p:nvSpPr>
+            <p:cNvPr id="45" name="文本框 44"/>
+            <p:cNvSpPr txBox="1"/>
             <p:nvPr/>
-          </p:nvCxnSpPr>
+          </p:nvSpPr>
           <p:spPr>
             <a:xfrm>
-              <a:off x="18600" y="4010363"/>
-              <a:ext cx="12192000" cy="0"/>
+              <a:off x="193789" y="3892575"/>
+              <a:ext cx="1090363" cy="461665"/>
             </a:xfrm>
-            <a:prstGeom prst="line">
+            <a:prstGeom prst="rect">
+              <a:avLst/>
+            </a:prstGeom>
+            <a:noFill/>
+          </p:spPr>
+          <p:txBody>
+            <a:bodyPr wrap="none" rtlCol="0">
+              <a:spAutoFit/>
+            </a:bodyPr>
+            <a:lstStyle/>
+            <a:p>
+              <a:r>
+                <a:rPr lang="en-US" altLang="zh-CN" sz="2400" b="1" dirty="0" smtClean="0">
+                  <a:latin typeface="Times New Roman" panose="02020603050405020304" pitchFamily="18" charset="0"/>
+                  <a:ea typeface="Source Code Pro Black" panose="020B0809030403020204" pitchFamily="49" charset="0"/>
+                  <a:cs typeface="Times New Roman" panose="02020603050405020304" pitchFamily="18" charset="0"/>
+                </a:rPr>
+                <a:t>Mocha</a:t>
+              </a:r>
+              <a:endParaRPr lang="zh-CN" altLang="en-US" sz="2400" b="1" dirty="0">
+                <a:latin typeface="Times New Roman" panose="02020603050405020304" pitchFamily="18" charset="0"/>
+                <a:cs typeface="Times New Roman" panose="02020603050405020304" pitchFamily="18" charset="0"/>
+              </a:endParaRPr>
+            </a:p>
+          </p:txBody>
+        </p:sp>
+      </p:grpSp>
+      <p:grpSp>
+        <p:nvGrpSpPr>
+          <p:cNvPr id="14" name="组合 13"/>
+          <p:cNvGrpSpPr/>
+          <p:nvPr/>
+        </p:nvGrpSpPr>
+        <p:grpSpPr>
+          <a:xfrm>
+            <a:off x="486864" y="581667"/>
+            <a:ext cx="1108366" cy="1614991"/>
+            <a:chOff x="1713201" y="2735025"/>
+            <a:chExt cx="1108366" cy="1614991"/>
+          </a:xfrm>
+        </p:grpSpPr>
+        <p:pic>
+          <p:nvPicPr>
+            <p:cNvPr id="21" name="图片 20"/>
+            <p:cNvPicPr>
+              <a:picLocks noChangeAspect="1"/>
+            </p:cNvPicPr>
+            <p:nvPr/>
+          </p:nvPicPr>
+          <p:blipFill>
+            <a:blip r:embed="rId13"/>
+            <a:stretch>
+              <a:fillRect/>
+            </a:stretch>
+          </p:blipFill>
+          <p:spPr>
+            <a:xfrm>
+              <a:off x="1713201" y="2735025"/>
+              <a:ext cx="1108366" cy="1303962"/>
+            </a:xfrm>
+            <a:prstGeom prst="rect">
               <a:avLst/>
             </a:prstGeom>
           </p:spPr>
-          <p:style>
-            <a:lnRef idx="1">
-              <a:schemeClr val="accent1"/>
-            </a:lnRef>
-            <a:fillRef idx="0">
-              <a:schemeClr val="accent1"/>
-            </a:fillRef>
-            <a:effectRef idx="0">
-              <a:schemeClr val="accent1"/>
-            </a:effectRef>
-            <a:fontRef idx="minor">
-              <a:schemeClr val="tx1"/>
-            </a:fontRef>
-          </p:style>
-        </p:cxnSp>
-        <p:cxnSp>
-          <p:nvCxnSpPr>
-            <p:cNvPr id="59" name="直接连接符 58"/>
-            <p:cNvCxnSpPr/>
+        </p:pic>
+        <p:sp>
+          <p:nvSpPr>
+            <p:cNvPr id="46" name="文本框 45"/>
+            <p:cNvSpPr txBox="1"/>
             <p:nvPr/>
-          </p:nvCxnSpPr>
+          </p:nvSpPr>
           <p:spPr>
             <a:xfrm>
-              <a:off x="-34280" y="4228080"/>
-              <a:ext cx="12192000" cy="0"/>
+              <a:off x="1803939" y="3888351"/>
+              <a:ext cx="817853" cy="461665"/>
             </a:xfrm>
-            <a:prstGeom prst="line">
+            <a:prstGeom prst="rect">
+              <a:avLst/>
+            </a:prstGeom>
+            <a:noFill/>
+          </p:spPr>
+          <p:txBody>
+            <a:bodyPr wrap="none" rtlCol="0">
+              <a:spAutoFit/>
+            </a:bodyPr>
+            <a:lstStyle/>
+            <a:p>
+              <a:r>
+                <a:rPr lang="en-US" altLang="zh-CN" sz="2400" b="1" dirty="0" smtClean="0">
+                  <a:latin typeface="Times New Roman" panose="02020603050405020304" pitchFamily="18" charset="0"/>
+                  <a:ea typeface="Source Code Pro Black" panose="020B0809030403020204" pitchFamily="49" charset="0"/>
+                  <a:cs typeface="Times New Roman" panose="02020603050405020304" pitchFamily="18" charset="0"/>
+                </a:rPr>
+                <a:t>Chai</a:t>
+              </a:r>
+              <a:endParaRPr lang="zh-CN" altLang="en-US" sz="2400" b="1" dirty="0">
+                <a:latin typeface="Times New Roman" panose="02020603050405020304" pitchFamily="18" charset="0"/>
+                <a:cs typeface="Times New Roman" panose="02020603050405020304" pitchFamily="18" charset="0"/>
+              </a:endParaRPr>
+            </a:p>
+          </p:txBody>
+        </p:sp>
+      </p:grpSp>
+      <p:grpSp>
+        <p:nvGrpSpPr>
+          <p:cNvPr id="25" name="组合 24"/>
+          <p:cNvGrpSpPr/>
+          <p:nvPr/>
+        </p:nvGrpSpPr>
+        <p:grpSpPr>
+          <a:xfrm>
+            <a:off x="6903582" y="3976618"/>
+            <a:ext cx="2269338" cy="1345948"/>
+            <a:chOff x="3157936" y="3004068"/>
+            <a:chExt cx="2269338" cy="1345948"/>
+          </a:xfrm>
+        </p:grpSpPr>
+        <p:pic>
+          <p:nvPicPr>
+            <p:cNvPr id="16" name="图片 15"/>
+            <p:cNvPicPr>
+              <a:picLocks noChangeAspect="1"/>
+            </p:cNvPicPr>
+            <p:nvPr/>
+          </p:nvPicPr>
+          <p:blipFill>
+            <a:blip r:embed="rId14"/>
+            <a:stretch>
+              <a:fillRect/>
+            </a:stretch>
+          </p:blipFill>
+          <p:spPr>
+            <a:xfrm>
+              <a:off x="3157936" y="3004068"/>
+              <a:ext cx="2269338" cy="897437"/>
+            </a:xfrm>
+            <a:prstGeom prst="rect">
               <a:avLst/>
             </a:prstGeom>
           </p:spPr>
-          <p:style>
-            <a:lnRef idx="1">
-              <a:schemeClr val="accent1"/>
-            </a:lnRef>
-            <a:fillRef idx="0">
-              <a:schemeClr val="accent1"/>
-            </a:fillRef>
-            <a:effectRef idx="0">
-              <a:schemeClr val="accent1"/>
-            </a:effectRef>
-            <a:fontRef idx="minor">
-              <a:schemeClr val="tx1"/>
-            </a:fontRef>
-          </p:style>
-        </p:cxnSp>
+        </p:pic>
+        <p:sp>
+          <p:nvSpPr>
+            <p:cNvPr id="47" name="文本框 46"/>
+            <p:cNvSpPr txBox="1"/>
+            <p:nvPr/>
+          </p:nvSpPr>
+          <p:spPr>
+            <a:xfrm>
+              <a:off x="3758819" y="3888351"/>
+              <a:ext cx="936475" cy="461665"/>
+            </a:xfrm>
+            <a:prstGeom prst="rect">
+              <a:avLst/>
+            </a:prstGeom>
+            <a:noFill/>
+          </p:spPr>
+          <p:txBody>
+            <a:bodyPr wrap="none" rtlCol="0">
+              <a:spAutoFit/>
+            </a:bodyPr>
+            <a:lstStyle/>
+            <a:p>
+              <a:r>
+                <a:rPr lang="en-US" altLang="zh-CN" sz="2400" b="1" dirty="0" smtClean="0">
+                  <a:latin typeface="Times New Roman" panose="02020603050405020304" pitchFamily="18" charset="0"/>
+                  <a:ea typeface="Source Code Pro Black" panose="020B0809030403020204" pitchFamily="49" charset="0"/>
+                  <a:cs typeface="Times New Roman" panose="02020603050405020304" pitchFamily="18" charset="0"/>
+                </a:rPr>
+                <a:t>Babel</a:t>
+              </a:r>
+              <a:endParaRPr lang="zh-CN" altLang="en-US" sz="2400" b="1" dirty="0">
+                <a:latin typeface="Times New Roman" panose="02020603050405020304" pitchFamily="18" charset="0"/>
+                <a:cs typeface="Times New Roman" panose="02020603050405020304" pitchFamily="18" charset="0"/>
+              </a:endParaRPr>
+            </a:p>
+          </p:txBody>
+        </p:sp>
       </p:grpSp>
+      <p:grpSp>
+        <p:nvGrpSpPr>
+          <p:cNvPr id="32" name="组合 31"/>
+          <p:cNvGrpSpPr/>
+          <p:nvPr/>
+        </p:nvGrpSpPr>
+        <p:grpSpPr>
+          <a:xfrm>
+            <a:off x="6740834" y="2011051"/>
+            <a:ext cx="1417376" cy="1586867"/>
+            <a:chOff x="5612583" y="2759652"/>
+            <a:chExt cx="1417376" cy="1586867"/>
+          </a:xfrm>
+        </p:grpSpPr>
+        <p:pic>
+          <p:nvPicPr>
+            <p:cNvPr id="24" name="图片 23"/>
+            <p:cNvPicPr>
+              <a:picLocks noChangeAspect="1"/>
+            </p:cNvPicPr>
+            <p:nvPr/>
+          </p:nvPicPr>
+          <p:blipFill>
+            <a:blip r:embed="rId15"/>
+            <a:stretch>
+              <a:fillRect/>
+            </a:stretch>
+          </p:blipFill>
+          <p:spPr>
+            <a:xfrm>
+              <a:off x="5713063" y="2759652"/>
+              <a:ext cx="1214179" cy="1214179"/>
+            </a:xfrm>
+            <a:prstGeom prst="rect">
+              <a:avLst/>
+            </a:prstGeom>
+          </p:spPr>
+        </p:pic>
+        <p:sp>
+          <p:nvSpPr>
+            <p:cNvPr id="48" name="文本框 47"/>
+            <p:cNvSpPr txBox="1"/>
+            <p:nvPr/>
+          </p:nvSpPr>
+          <p:spPr>
+            <a:xfrm>
+              <a:off x="5612583" y="3884854"/>
+              <a:ext cx="1417376" cy="461665"/>
+            </a:xfrm>
+            <a:prstGeom prst="rect">
+              <a:avLst/>
+            </a:prstGeom>
+            <a:noFill/>
+          </p:spPr>
+          <p:txBody>
+            <a:bodyPr wrap="none" rtlCol="0">
+              <a:spAutoFit/>
+            </a:bodyPr>
+            <a:lstStyle/>
+            <a:p>
+              <a:r>
+                <a:rPr lang="en-US" altLang="zh-CN" sz="2400" b="1" dirty="0" smtClean="0">
+                  <a:latin typeface="Times New Roman" panose="02020603050405020304" pitchFamily="18" charset="0"/>
+                  <a:ea typeface="Source Code Pro Black" panose="020B0809030403020204" pitchFamily="49" charset="0"/>
+                  <a:cs typeface="Times New Roman" panose="02020603050405020304" pitchFamily="18" charset="0"/>
+                </a:rPr>
+                <a:t>Post-CSS</a:t>
+              </a:r>
+              <a:endParaRPr lang="zh-CN" altLang="en-US" sz="2400" b="1" dirty="0">
+                <a:latin typeface="Times New Roman" panose="02020603050405020304" pitchFamily="18" charset="0"/>
+                <a:cs typeface="Times New Roman" panose="02020603050405020304" pitchFamily="18" charset="0"/>
+              </a:endParaRPr>
+            </a:p>
+          </p:txBody>
+        </p:sp>
+      </p:grpSp>
+      <p:grpSp>
+        <p:nvGrpSpPr>
+          <p:cNvPr id="33" name="组合 32"/>
+          <p:cNvGrpSpPr/>
+          <p:nvPr/>
+        </p:nvGrpSpPr>
+        <p:grpSpPr>
+          <a:xfrm>
+            <a:off x="9192140" y="2813206"/>
+            <a:ext cx="1919152" cy="1261933"/>
+            <a:chOff x="7353688" y="3079321"/>
+            <a:chExt cx="1919152" cy="1261933"/>
+          </a:xfrm>
+        </p:grpSpPr>
+        <p:pic>
+          <p:nvPicPr>
+            <p:cNvPr id="26" name="图片 25"/>
+            <p:cNvPicPr>
+              <a:picLocks noChangeAspect="1"/>
+            </p:cNvPicPr>
+            <p:nvPr/>
+          </p:nvPicPr>
+          <p:blipFill>
+            <a:blip r:embed="rId16"/>
+            <a:stretch>
+              <a:fillRect/>
+            </a:stretch>
+          </p:blipFill>
+          <p:spPr>
+            <a:xfrm>
+              <a:off x="7353688" y="3079321"/>
+              <a:ext cx="1919152" cy="644835"/>
+            </a:xfrm>
+            <a:prstGeom prst="roundRect">
+              <a:avLst>
+                <a:gd name="adj" fmla="val 6285"/>
+              </a:avLst>
+            </a:prstGeom>
+            <a:solidFill>
+              <a:srgbClr val="FFFFFF">
+                <a:shade val="85000"/>
+              </a:srgbClr>
+            </a:solidFill>
+            <a:ln>
+              <a:noFill/>
+            </a:ln>
+            <a:effectLst/>
+          </p:spPr>
+        </p:pic>
+        <p:sp>
+          <p:nvSpPr>
+            <p:cNvPr id="49" name="文本框 48"/>
+            <p:cNvSpPr txBox="1"/>
+            <p:nvPr/>
+          </p:nvSpPr>
+          <p:spPr>
+            <a:xfrm>
+              <a:off x="7699955" y="3879589"/>
+              <a:ext cx="1226618" cy="461665"/>
+            </a:xfrm>
+            <a:prstGeom prst="rect">
+              <a:avLst/>
+            </a:prstGeom>
+            <a:noFill/>
+          </p:spPr>
+          <p:txBody>
+            <a:bodyPr wrap="none" rtlCol="0">
+              <a:spAutoFit/>
+            </a:bodyPr>
+            <a:lstStyle/>
+            <a:p>
+              <a:r>
+                <a:rPr lang="en-US" altLang="zh-CN" sz="2400" b="1" dirty="0" smtClean="0">
+                  <a:latin typeface="Times New Roman" panose="02020603050405020304" pitchFamily="18" charset="0"/>
+                  <a:ea typeface="Source Code Pro Black" panose="020B0809030403020204" pitchFamily="49" charset="0"/>
+                  <a:cs typeface="Times New Roman" panose="02020603050405020304" pitchFamily="18" charset="0"/>
+                </a:rPr>
+                <a:t>stylelint</a:t>
+              </a:r>
+              <a:endParaRPr lang="zh-CN" altLang="en-US" sz="2400" b="1" dirty="0">
+                <a:latin typeface="Times New Roman" panose="02020603050405020304" pitchFamily="18" charset="0"/>
+                <a:cs typeface="Times New Roman" panose="02020603050405020304" pitchFamily="18" charset="0"/>
+              </a:endParaRPr>
+            </a:p>
+          </p:txBody>
+        </p:sp>
+      </p:grpSp>
+      <p:grpSp>
+        <p:nvGrpSpPr>
+          <p:cNvPr id="36" name="组合 35"/>
+          <p:cNvGrpSpPr/>
+          <p:nvPr/>
+        </p:nvGrpSpPr>
+        <p:grpSpPr>
+          <a:xfrm>
+            <a:off x="5831416" y="5388471"/>
+            <a:ext cx="1872111" cy="1324765"/>
+            <a:chOff x="9864295" y="3033963"/>
+            <a:chExt cx="1872111" cy="1324765"/>
+          </a:xfrm>
+        </p:grpSpPr>
+        <p:pic>
+          <p:nvPicPr>
+            <p:cNvPr id="29" name="图片 28"/>
+            <p:cNvPicPr>
+              <a:picLocks noChangeAspect="1"/>
+            </p:cNvPicPr>
+            <p:nvPr/>
+          </p:nvPicPr>
+          <p:blipFill>
+            <a:blip r:embed="rId17"/>
+            <a:stretch>
+              <a:fillRect/>
+            </a:stretch>
+          </p:blipFill>
+          <p:spPr>
+            <a:xfrm>
+              <a:off x="9864295" y="3033963"/>
+              <a:ext cx="1872111" cy="789167"/>
+            </a:xfrm>
+            <a:prstGeom prst="rect">
+              <a:avLst/>
+            </a:prstGeom>
+          </p:spPr>
+        </p:pic>
+        <p:sp>
+          <p:nvSpPr>
+            <p:cNvPr id="50" name="文本框 49"/>
+            <p:cNvSpPr txBox="1"/>
+            <p:nvPr/>
+          </p:nvSpPr>
+          <p:spPr>
+            <a:xfrm>
+              <a:off x="10187041" y="3897063"/>
+              <a:ext cx="1226618" cy="461665"/>
+            </a:xfrm>
+            <a:prstGeom prst="rect">
+              <a:avLst/>
+            </a:prstGeom>
+            <a:noFill/>
+          </p:spPr>
+          <p:txBody>
+            <a:bodyPr wrap="none" rtlCol="0">
+              <a:spAutoFit/>
+            </a:bodyPr>
+            <a:lstStyle/>
+            <a:p>
+              <a:r>
+                <a:rPr lang="en-US" altLang="zh-CN" sz="2400" b="1" dirty="0" smtClean="0">
+                  <a:latin typeface="Times New Roman" panose="02020603050405020304" pitchFamily="18" charset="0"/>
+                  <a:ea typeface="Source Code Pro Black" panose="020B0809030403020204" pitchFamily="49" charset="0"/>
+                  <a:cs typeface="Times New Roman" panose="02020603050405020304" pitchFamily="18" charset="0"/>
+                </a:rPr>
+                <a:t>stylelint</a:t>
+              </a:r>
+              <a:endParaRPr lang="zh-CN" altLang="en-US" sz="2400" b="1" dirty="0">
+                <a:latin typeface="Times New Roman" panose="02020603050405020304" pitchFamily="18" charset="0"/>
+                <a:cs typeface="Times New Roman" panose="02020603050405020304" pitchFamily="18" charset="0"/>
+              </a:endParaRPr>
+            </a:p>
+          </p:txBody>
+        </p:sp>
+      </p:grpSp>
+      <p:grpSp>
+        <p:nvGrpSpPr>
+          <p:cNvPr id="9" name="组合 8"/>
+          <p:cNvGrpSpPr/>
+          <p:nvPr/>
+        </p:nvGrpSpPr>
+        <p:grpSpPr>
+          <a:xfrm>
+            <a:off x="10173845" y="662630"/>
+            <a:ext cx="1952779" cy="1634993"/>
+            <a:chOff x="9540767" y="394734"/>
+            <a:chExt cx="1952779" cy="1634993"/>
+          </a:xfrm>
+        </p:grpSpPr>
+        <p:pic>
+          <p:nvPicPr>
+            <p:cNvPr id="27" name="图片 26"/>
+            <p:cNvPicPr>
+              <a:picLocks noChangeAspect="1"/>
+            </p:cNvPicPr>
+            <p:nvPr/>
+          </p:nvPicPr>
+          <p:blipFill>
+            <a:blip r:embed="rId18"/>
+            <a:stretch>
+              <a:fillRect/>
+            </a:stretch>
+          </p:blipFill>
+          <p:spPr>
+            <a:xfrm>
+              <a:off x="9812132" y="394734"/>
+              <a:ext cx="1410050" cy="1341081"/>
+            </a:xfrm>
+            <a:prstGeom prst="rect">
+              <a:avLst/>
+            </a:prstGeom>
+          </p:spPr>
+        </p:pic>
+        <p:sp>
+          <p:nvSpPr>
+            <p:cNvPr id="51" name="文本框 50"/>
+            <p:cNvSpPr txBox="1"/>
+            <p:nvPr/>
+          </p:nvSpPr>
+          <p:spPr>
+            <a:xfrm>
+              <a:off x="9540767" y="1568062"/>
+              <a:ext cx="1952779" cy="461665"/>
+            </a:xfrm>
+            <a:prstGeom prst="rect">
+              <a:avLst/>
+            </a:prstGeom>
+            <a:noFill/>
+          </p:spPr>
+          <p:txBody>
+            <a:bodyPr wrap="none" rtlCol="0">
+              <a:spAutoFit/>
+            </a:bodyPr>
+            <a:lstStyle/>
+            <a:p>
+              <a:r>
+                <a:rPr lang="en-US" altLang="zh-CN" sz="2400" b="1" dirty="0">
+                  <a:latin typeface="Times New Roman" panose="02020603050405020304" pitchFamily="18" charset="0"/>
+                  <a:ea typeface="Source Code Pro Black" panose="020B0809030403020204" pitchFamily="49" charset="0"/>
+                  <a:cs typeface="Times New Roman" panose="02020603050405020304" pitchFamily="18" charset="0"/>
+                </a:rPr>
+                <a:t>normalize.css</a:t>
+              </a:r>
+              <a:endParaRPr lang="zh-CN" altLang="en-US" sz="2400" b="1" dirty="0">
+                <a:latin typeface="Times New Roman" panose="02020603050405020304" pitchFamily="18" charset="0"/>
+                <a:cs typeface="Times New Roman" panose="02020603050405020304" pitchFamily="18" charset="0"/>
+              </a:endParaRPr>
+            </a:p>
+          </p:txBody>
+        </p:sp>
+      </p:grpSp>
+      <p:sp>
+        <p:nvSpPr>
+          <p:cNvPr id="37" name="右箭头 36"/>
+          <p:cNvSpPr/>
+          <p:nvPr/>
+        </p:nvSpPr>
+        <p:spPr>
+          <a:xfrm rot="13526967">
+            <a:off x="4363351" y="3317645"/>
+            <a:ext cx="546435" cy="150469"/>
+          </a:xfrm>
+          <a:prstGeom prst="rightArrow">
+            <a:avLst>
+              <a:gd name="adj1" fmla="val 41735"/>
+              <a:gd name="adj2" fmla="val 95461"/>
+            </a:avLst>
+          </a:prstGeom>
+          <a:solidFill>
+            <a:schemeClr val="bg1">
+              <a:lumMod val="50000"/>
+            </a:schemeClr>
+          </a:solidFill>
+          <a:ln>
+            <a:noFill/>
+          </a:ln>
+        </p:spPr>
+        <p:style>
+          <a:lnRef idx="2">
+            <a:schemeClr val="accent1">
+              <a:shade val="50000"/>
+            </a:schemeClr>
+          </a:lnRef>
+          <a:fillRef idx="1">
+            <a:schemeClr val="accent1"/>
+          </a:fillRef>
+          <a:effectRef idx="0">
+            <a:schemeClr val="accent1"/>
+          </a:effectRef>
+          <a:fontRef idx="minor">
+            <a:schemeClr val="lt1"/>
+          </a:fontRef>
+        </p:style>
+        <p:txBody>
+          <a:bodyPr rtlCol="0" anchor="ctr"/>
+          <a:lstStyle/>
+          <a:p>
+            <a:pPr algn="ctr"/>
+            <a:endParaRPr lang="zh-CN" altLang="en-US"/>
+          </a:p>
+        </p:txBody>
+      </p:sp>
+      <p:sp>
+        <p:nvSpPr>
+          <p:cNvPr id="60" name="右箭头 59"/>
+          <p:cNvSpPr/>
+          <p:nvPr/>
+        </p:nvSpPr>
+        <p:spPr>
+          <a:xfrm rot="5619724">
+            <a:off x="5182724" y="2808168"/>
+            <a:ext cx="546435" cy="150469"/>
+          </a:xfrm>
+          <a:prstGeom prst="rightArrow">
+            <a:avLst>
+              <a:gd name="adj1" fmla="val 41735"/>
+              <a:gd name="adj2" fmla="val 95461"/>
+            </a:avLst>
+          </a:prstGeom>
+          <a:solidFill>
+            <a:schemeClr val="bg1">
+              <a:lumMod val="50000"/>
+            </a:schemeClr>
+          </a:solidFill>
+          <a:ln>
+            <a:noFill/>
+          </a:ln>
+        </p:spPr>
+        <p:style>
+          <a:lnRef idx="2">
+            <a:schemeClr val="accent1">
+              <a:shade val="50000"/>
+            </a:schemeClr>
+          </a:lnRef>
+          <a:fillRef idx="1">
+            <a:schemeClr val="accent1"/>
+          </a:fillRef>
+          <a:effectRef idx="0">
+            <a:schemeClr val="accent1"/>
+          </a:effectRef>
+          <a:fontRef idx="minor">
+            <a:schemeClr val="lt1"/>
+          </a:fontRef>
+        </p:style>
+        <p:txBody>
+          <a:bodyPr rtlCol="0" anchor="ctr"/>
+          <a:lstStyle/>
+          <a:p>
+            <a:pPr algn="ctr"/>
+            <a:endParaRPr lang="zh-CN" altLang="en-US"/>
+          </a:p>
+        </p:txBody>
+      </p:sp>
+      <p:sp>
+        <p:nvSpPr>
+          <p:cNvPr id="61" name="右箭头 60"/>
+          <p:cNvSpPr/>
+          <p:nvPr/>
+        </p:nvSpPr>
+        <p:spPr>
+          <a:xfrm rot="11355970">
+            <a:off x="6116527" y="4126038"/>
+            <a:ext cx="546435" cy="150469"/>
+          </a:xfrm>
+          <a:prstGeom prst="rightArrow">
+            <a:avLst>
+              <a:gd name="adj1" fmla="val 41735"/>
+              <a:gd name="adj2" fmla="val 95461"/>
+            </a:avLst>
+          </a:prstGeom>
+          <a:solidFill>
+            <a:schemeClr val="bg1">
+              <a:lumMod val="50000"/>
+            </a:schemeClr>
+          </a:solidFill>
+          <a:ln>
+            <a:noFill/>
+          </a:ln>
+        </p:spPr>
+        <p:style>
+          <a:lnRef idx="2">
+            <a:schemeClr val="accent1">
+              <a:shade val="50000"/>
+            </a:schemeClr>
+          </a:lnRef>
+          <a:fillRef idx="1">
+            <a:schemeClr val="accent1"/>
+          </a:fillRef>
+          <a:effectRef idx="0">
+            <a:schemeClr val="accent1"/>
+          </a:effectRef>
+          <a:fontRef idx="minor">
+            <a:schemeClr val="lt1"/>
+          </a:fontRef>
+        </p:style>
+        <p:txBody>
+          <a:bodyPr rtlCol="0" anchor="ctr"/>
+          <a:lstStyle/>
+          <a:p>
+            <a:pPr algn="ctr"/>
+            <a:endParaRPr lang="zh-CN" altLang="en-US"/>
+          </a:p>
+        </p:txBody>
+      </p:sp>
+      <p:sp>
+        <p:nvSpPr>
+          <p:cNvPr id="62" name="右箭头 61"/>
+          <p:cNvSpPr/>
+          <p:nvPr/>
+        </p:nvSpPr>
+        <p:spPr>
+          <a:xfrm rot="8560718">
+            <a:off x="6072199" y="3344650"/>
+            <a:ext cx="546435" cy="150469"/>
+          </a:xfrm>
+          <a:prstGeom prst="rightArrow">
+            <a:avLst>
+              <a:gd name="adj1" fmla="val 41735"/>
+              <a:gd name="adj2" fmla="val 95461"/>
+            </a:avLst>
+          </a:prstGeom>
+          <a:solidFill>
+            <a:schemeClr val="bg1">
+              <a:lumMod val="50000"/>
+            </a:schemeClr>
+          </a:solidFill>
+          <a:ln>
+            <a:noFill/>
+          </a:ln>
+        </p:spPr>
+        <p:style>
+          <a:lnRef idx="2">
+            <a:schemeClr val="accent1">
+              <a:shade val="50000"/>
+            </a:schemeClr>
+          </a:lnRef>
+          <a:fillRef idx="1">
+            <a:schemeClr val="accent1"/>
+          </a:fillRef>
+          <a:effectRef idx="0">
+            <a:schemeClr val="accent1"/>
+          </a:effectRef>
+          <a:fontRef idx="minor">
+            <a:schemeClr val="lt1"/>
+          </a:fontRef>
+        </p:style>
+        <p:txBody>
+          <a:bodyPr rtlCol="0" anchor="ctr"/>
+          <a:lstStyle/>
+          <a:p>
+            <a:pPr algn="ctr"/>
+            <a:endParaRPr lang="zh-CN" altLang="en-US"/>
+          </a:p>
+        </p:txBody>
+      </p:sp>
+      <p:sp>
+        <p:nvSpPr>
+          <p:cNvPr id="63" name="右箭头 62"/>
+          <p:cNvSpPr/>
+          <p:nvPr/>
+        </p:nvSpPr>
+        <p:spPr>
+          <a:xfrm rot="8388471">
+            <a:off x="8048270" y="1864751"/>
+            <a:ext cx="546435" cy="150469"/>
+          </a:xfrm>
+          <a:prstGeom prst="rightArrow">
+            <a:avLst>
+              <a:gd name="adj1" fmla="val 41735"/>
+              <a:gd name="adj2" fmla="val 95461"/>
+            </a:avLst>
+          </a:prstGeom>
+          <a:solidFill>
+            <a:schemeClr val="bg1">
+              <a:lumMod val="50000"/>
+            </a:schemeClr>
+          </a:solidFill>
+          <a:ln>
+            <a:noFill/>
+          </a:ln>
+        </p:spPr>
+        <p:style>
+          <a:lnRef idx="2">
+            <a:schemeClr val="accent1">
+              <a:shade val="50000"/>
+            </a:schemeClr>
+          </a:lnRef>
+          <a:fillRef idx="1">
+            <a:schemeClr val="accent1"/>
+          </a:fillRef>
+          <a:effectRef idx="0">
+            <a:schemeClr val="accent1"/>
+          </a:effectRef>
+          <a:fontRef idx="minor">
+            <a:schemeClr val="lt1"/>
+          </a:fontRef>
+        </p:style>
+        <p:txBody>
+          <a:bodyPr rtlCol="0" anchor="ctr"/>
+          <a:lstStyle/>
+          <a:p>
+            <a:pPr algn="ctr"/>
+            <a:endParaRPr lang="zh-CN" altLang="en-US"/>
+          </a:p>
+        </p:txBody>
+      </p:sp>
+      <p:sp>
+        <p:nvSpPr>
+          <p:cNvPr id="64" name="右箭头 63"/>
+          <p:cNvSpPr/>
+          <p:nvPr/>
+        </p:nvSpPr>
+        <p:spPr>
+          <a:xfrm rot="14054809">
+            <a:off x="5970368" y="4832382"/>
+            <a:ext cx="546435" cy="150469"/>
+          </a:xfrm>
+          <a:prstGeom prst="rightArrow">
+            <a:avLst>
+              <a:gd name="adj1" fmla="val 41735"/>
+              <a:gd name="adj2" fmla="val 95461"/>
+            </a:avLst>
+          </a:prstGeom>
+          <a:solidFill>
+            <a:schemeClr val="bg1">
+              <a:lumMod val="50000"/>
+            </a:schemeClr>
+          </a:solidFill>
+          <a:ln>
+            <a:noFill/>
+          </a:ln>
+        </p:spPr>
+        <p:style>
+          <a:lnRef idx="2">
+            <a:schemeClr val="accent1">
+              <a:shade val="50000"/>
+            </a:schemeClr>
+          </a:lnRef>
+          <a:fillRef idx="1">
+            <a:schemeClr val="accent1"/>
+          </a:fillRef>
+          <a:effectRef idx="0">
+            <a:schemeClr val="accent1"/>
+          </a:effectRef>
+          <a:fontRef idx="minor">
+            <a:schemeClr val="lt1"/>
+          </a:fontRef>
+        </p:style>
+        <p:txBody>
+          <a:bodyPr rtlCol="0" anchor="ctr"/>
+          <a:lstStyle/>
+          <a:p>
+            <a:pPr algn="ctr"/>
+            <a:endParaRPr lang="zh-CN" altLang="en-US"/>
+          </a:p>
+        </p:txBody>
+      </p:sp>
+      <p:sp>
+        <p:nvSpPr>
+          <p:cNvPr id="65" name="右箭头 64"/>
+          <p:cNvSpPr/>
+          <p:nvPr/>
+        </p:nvSpPr>
+        <p:spPr>
+          <a:xfrm rot="18979670">
+            <a:off x="10099881" y="5378477"/>
+            <a:ext cx="546435" cy="150469"/>
+          </a:xfrm>
+          <a:prstGeom prst="rightArrow">
+            <a:avLst>
+              <a:gd name="adj1" fmla="val 41735"/>
+              <a:gd name="adj2" fmla="val 95461"/>
+            </a:avLst>
+          </a:prstGeom>
+          <a:solidFill>
+            <a:schemeClr val="bg1">
+              <a:lumMod val="50000"/>
+            </a:schemeClr>
+          </a:solidFill>
+          <a:ln>
+            <a:noFill/>
+          </a:ln>
+        </p:spPr>
+        <p:style>
+          <a:lnRef idx="2">
+            <a:schemeClr val="accent1">
+              <a:shade val="50000"/>
+            </a:schemeClr>
+          </a:lnRef>
+          <a:fillRef idx="1">
+            <a:schemeClr val="accent1"/>
+          </a:fillRef>
+          <a:effectRef idx="0">
+            <a:schemeClr val="accent1"/>
+          </a:effectRef>
+          <a:fontRef idx="minor">
+            <a:schemeClr val="lt1"/>
+          </a:fontRef>
+        </p:style>
+        <p:txBody>
+          <a:bodyPr rtlCol="0" anchor="ctr"/>
+          <a:lstStyle/>
+          <a:p>
+            <a:pPr algn="ctr"/>
+            <a:endParaRPr lang="zh-CN" altLang="en-US"/>
+          </a:p>
+        </p:txBody>
+      </p:sp>
+      <p:sp>
+        <p:nvSpPr>
+          <p:cNvPr id="66" name="右箭头 65"/>
+          <p:cNvSpPr/>
+          <p:nvPr/>
+        </p:nvSpPr>
+        <p:spPr>
+          <a:xfrm rot="13820681">
+            <a:off x="8779098" y="5066557"/>
+            <a:ext cx="546435" cy="150469"/>
+          </a:xfrm>
+          <a:prstGeom prst="rightArrow">
+            <a:avLst>
+              <a:gd name="adj1" fmla="val 41735"/>
+              <a:gd name="adj2" fmla="val 95461"/>
+            </a:avLst>
+          </a:prstGeom>
+          <a:solidFill>
+            <a:schemeClr val="bg1">
+              <a:lumMod val="50000"/>
+            </a:schemeClr>
+          </a:solidFill>
+          <a:ln>
+            <a:noFill/>
+          </a:ln>
+        </p:spPr>
+        <p:style>
+          <a:lnRef idx="2">
+            <a:schemeClr val="accent1">
+              <a:shade val="50000"/>
+            </a:schemeClr>
+          </a:lnRef>
+          <a:fillRef idx="1">
+            <a:schemeClr val="accent1"/>
+          </a:fillRef>
+          <a:effectRef idx="0">
+            <a:schemeClr val="accent1"/>
+          </a:effectRef>
+          <a:fontRef idx="minor">
+            <a:schemeClr val="lt1"/>
+          </a:fontRef>
+        </p:style>
+        <p:txBody>
+          <a:bodyPr rtlCol="0" anchor="ctr"/>
+          <a:lstStyle/>
+          <a:p>
+            <a:pPr algn="ctr"/>
+            <a:endParaRPr lang="zh-CN" altLang="en-US"/>
+          </a:p>
+        </p:txBody>
+      </p:sp>
+      <p:sp>
+        <p:nvSpPr>
+          <p:cNvPr id="67" name="右箭头 66"/>
+          <p:cNvSpPr/>
+          <p:nvPr/>
+        </p:nvSpPr>
+        <p:spPr>
+          <a:xfrm rot="11648778">
+            <a:off x="9617308" y="1136914"/>
+            <a:ext cx="546435" cy="150469"/>
+          </a:xfrm>
+          <a:prstGeom prst="rightArrow">
+            <a:avLst>
+              <a:gd name="adj1" fmla="val 41735"/>
+              <a:gd name="adj2" fmla="val 95461"/>
+            </a:avLst>
+          </a:prstGeom>
+          <a:solidFill>
+            <a:schemeClr val="bg1">
+              <a:lumMod val="50000"/>
+            </a:schemeClr>
+          </a:solidFill>
+          <a:ln>
+            <a:noFill/>
+          </a:ln>
+        </p:spPr>
+        <p:style>
+          <a:lnRef idx="2">
+            <a:schemeClr val="accent1">
+              <a:shade val="50000"/>
+            </a:schemeClr>
+          </a:lnRef>
+          <a:fillRef idx="1">
+            <a:schemeClr val="accent1"/>
+          </a:fillRef>
+          <a:effectRef idx="0">
+            <a:schemeClr val="accent1"/>
+          </a:effectRef>
+          <a:fontRef idx="minor">
+            <a:schemeClr val="lt1"/>
+          </a:fontRef>
+        </p:style>
+        <p:txBody>
+          <a:bodyPr rtlCol="0" anchor="ctr"/>
+          <a:lstStyle/>
+          <a:p>
+            <a:pPr algn="ctr"/>
+            <a:endParaRPr lang="zh-CN" altLang="en-US"/>
+          </a:p>
+        </p:txBody>
+      </p:sp>
+      <p:sp>
+        <p:nvSpPr>
+          <p:cNvPr id="68" name="右箭头 67"/>
+          <p:cNvSpPr/>
+          <p:nvPr/>
+        </p:nvSpPr>
+        <p:spPr>
+          <a:xfrm rot="3991499">
+            <a:off x="9253246" y="2096609"/>
+            <a:ext cx="546435" cy="150469"/>
+          </a:xfrm>
+          <a:prstGeom prst="rightArrow">
+            <a:avLst>
+              <a:gd name="adj1" fmla="val 41735"/>
+              <a:gd name="adj2" fmla="val 95461"/>
+            </a:avLst>
+          </a:prstGeom>
+          <a:solidFill>
+            <a:schemeClr val="bg1">
+              <a:lumMod val="50000"/>
+            </a:schemeClr>
+          </a:solidFill>
+          <a:ln>
+            <a:noFill/>
+          </a:ln>
+        </p:spPr>
+        <p:style>
+          <a:lnRef idx="2">
+            <a:schemeClr val="accent1">
+              <a:shade val="50000"/>
+            </a:schemeClr>
+          </a:lnRef>
+          <a:fillRef idx="1">
+            <a:schemeClr val="accent1"/>
+          </a:fillRef>
+          <a:effectRef idx="0">
+            <a:schemeClr val="accent1"/>
+          </a:effectRef>
+          <a:fontRef idx="minor">
+            <a:schemeClr val="lt1"/>
+          </a:fontRef>
+        </p:style>
+        <p:txBody>
+          <a:bodyPr rtlCol="0" anchor="ctr"/>
+          <a:lstStyle/>
+          <a:p>
+            <a:pPr algn="ctr"/>
+            <a:endParaRPr lang="zh-CN" altLang="en-US"/>
+          </a:p>
+        </p:txBody>
+      </p:sp>
+      <p:sp>
+        <p:nvSpPr>
+          <p:cNvPr id="69" name="右箭头 68"/>
+          <p:cNvSpPr/>
+          <p:nvPr/>
+        </p:nvSpPr>
+        <p:spPr>
+          <a:xfrm rot="14259909">
+            <a:off x="3678677" y="1926226"/>
+            <a:ext cx="546435" cy="150469"/>
+          </a:xfrm>
+          <a:prstGeom prst="rightArrow">
+            <a:avLst>
+              <a:gd name="adj1" fmla="val 41735"/>
+              <a:gd name="adj2" fmla="val 95461"/>
+            </a:avLst>
+          </a:prstGeom>
+          <a:solidFill>
+            <a:schemeClr val="bg1">
+              <a:lumMod val="50000"/>
+            </a:schemeClr>
+          </a:solidFill>
+          <a:ln>
+            <a:noFill/>
+          </a:ln>
+        </p:spPr>
+        <p:style>
+          <a:lnRef idx="2">
+            <a:schemeClr val="accent1">
+              <a:shade val="50000"/>
+            </a:schemeClr>
+          </a:lnRef>
+          <a:fillRef idx="1">
+            <a:schemeClr val="accent1"/>
+          </a:fillRef>
+          <a:effectRef idx="0">
+            <a:schemeClr val="accent1"/>
+          </a:effectRef>
+          <a:fontRef idx="minor">
+            <a:schemeClr val="lt1"/>
+          </a:fontRef>
+        </p:style>
+        <p:txBody>
+          <a:bodyPr rtlCol="0" anchor="ctr"/>
+          <a:lstStyle/>
+          <a:p>
+            <a:pPr algn="ctr"/>
+            <a:endParaRPr lang="zh-CN" altLang="en-US"/>
+          </a:p>
+        </p:txBody>
+      </p:sp>
+      <p:sp>
+        <p:nvSpPr>
+          <p:cNvPr id="70" name="右箭头 69"/>
+          <p:cNvSpPr/>
+          <p:nvPr/>
+        </p:nvSpPr>
+        <p:spPr>
+          <a:xfrm>
+            <a:off x="1784320" y="1125231"/>
+            <a:ext cx="546435" cy="150469"/>
+          </a:xfrm>
+          <a:prstGeom prst="rightArrow">
+            <a:avLst>
+              <a:gd name="adj1" fmla="val 41735"/>
+              <a:gd name="adj2" fmla="val 95461"/>
+            </a:avLst>
+          </a:prstGeom>
+          <a:solidFill>
+            <a:schemeClr val="bg1">
+              <a:lumMod val="50000"/>
+            </a:schemeClr>
+          </a:solidFill>
+          <a:ln>
+            <a:noFill/>
+          </a:ln>
+        </p:spPr>
+        <p:style>
+          <a:lnRef idx="2">
+            <a:schemeClr val="accent1">
+              <a:shade val="50000"/>
+            </a:schemeClr>
+          </a:lnRef>
+          <a:fillRef idx="1">
+            <a:schemeClr val="accent1"/>
+          </a:fillRef>
+          <a:effectRef idx="0">
+            <a:schemeClr val="accent1"/>
+          </a:effectRef>
+          <a:fontRef idx="minor">
+            <a:schemeClr val="lt1"/>
+          </a:fontRef>
+        </p:style>
+        <p:txBody>
+          <a:bodyPr rtlCol="0" anchor="ctr"/>
+          <a:lstStyle/>
+          <a:p>
+            <a:pPr algn="ctr"/>
+            <a:endParaRPr lang="zh-CN" altLang="en-US"/>
+          </a:p>
+        </p:txBody>
+      </p:sp>
+      <p:sp>
+        <p:nvSpPr>
+          <p:cNvPr id="71" name="右箭头 70"/>
+          <p:cNvSpPr/>
+          <p:nvPr/>
+        </p:nvSpPr>
+        <p:spPr>
+          <a:xfrm rot="21053427">
+            <a:off x="3905924" y="4100290"/>
+            <a:ext cx="546435" cy="150469"/>
+          </a:xfrm>
+          <a:prstGeom prst="rightArrow">
+            <a:avLst>
+              <a:gd name="adj1" fmla="val 41735"/>
+              <a:gd name="adj2" fmla="val 95461"/>
+            </a:avLst>
+          </a:prstGeom>
+          <a:solidFill>
+            <a:schemeClr val="bg1">
+              <a:lumMod val="50000"/>
+            </a:schemeClr>
+          </a:solidFill>
+          <a:ln>
+            <a:noFill/>
+          </a:ln>
+        </p:spPr>
+        <p:style>
+          <a:lnRef idx="2">
+            <a:schemeClr val="accent1">
+              <a:shade val="50000"/>
+            </a:schemeClr>
+          </a:lnRef>
+          <a:fillRef idx="1">
+            <a:schemeClr val="accent1"/>
+          </a:fillRef>
+          <a:effectRef idx="0">
+            <a:schemeClr val="accent1"/>
+          </a:effectRef>
+          <a:fontRef idx="minor">
+            <a:schemeClr val="lt1"/>
+          </a:fontRef>
+        </p:style>
+        <p:txBody>
+          <a:bodyPr rtlCol="0" anchor="ctr"/>
+          <a:lstStyle/>
+          <a:p>
+            <a:pPr algn="ctr"/>
+            <a:endParaRPr lang="zh-CN" altLang="en-US"/>
+          </a:p>
+        </p:txBody>
+      </p:sp>
+      <p:sp>
+        <p:nvSpPr>
+          <p:cNvPr id="72" name="右箭头 71"/>
+          <p:cNvSpPr/>
+          <p:nvPr/>
+        </p:nvSpPr>
+        <p:spPr>
+          <a:xfrm rot="1058446">
+            <a:off x="1972046" y="3982747"/>
+            <a:ext cx="546435" cy="150469"/>
+          </a:xfrm>
+          <a:prstGeom prst="rightArrow">
+            <a:avLst>
+              <a:gd name="adj1" fmla="val 41735"/>
+              <a:gd name="adj2" fmla="val 95461"/>
+            </a:avLst>
+          </a:prstGeom>
+          <a:solidFill>
+            <a:schemeClr val="bg1">
+              <a:lumMod val="50000"/>
+            </a:schemeClr>
+          </a:solidFill>
+          <a:ln>
+            <a:noFill/>
+          </a:ln>
+        </p:spPr>
+        <p:style>
+          <a:lnRef idx="2">
+            <a:schemeClr val="accent1">
+              <a:shade val="50000"/>
+            </a:schemeClr>
+          </a:lnRef>
+          <a:fillRef idx="1">
+            <a:schemeClr val="accent1"/>
+          </a:fillRef>
+          <a:effectRef idx="0">
+            <a:schemeClr val="accent1"/>
+          </a:effectRef>
+          <a:fontRef idx="minor">
+            <a:schemeClr val="lt1"/>
+          </a:fontRef>
+        </p:style>
+        <p:txBody>
+          <a:bodyPr rtlCol="0" anchor="ctr"/>
+          <a:lstStyle/>
+          <a:p>
+            <a:pPr algn="ctr"/>
+            <a:endParaRPr lang="zh-CN" altLang="en-US"/>
+          </a:p>
+        </p:txBody>
+      </p:sp>
+      <p:sp>
+        <p:nvSpPr>
+          <p:cNvPr id="73" name="右箭头 72"/>
+          <p:cNvSpPr/>
+          <p:nvPr/>
+        </p:nvSpPr>
+        <p:spPr>
+          <a:xfrm rot="18903279">
+            <a:off x="2170922" y="4978041"/>
+            <a:ext cx="546435" cy="150469"/>
+          </a:xfrm>
+          <a:prstGeom prst="rightArrow">
+            <a:avLst>
+              <a:gd name="adj1" fmla="val 41735"/>
+              <a:gd name="adj2" fmla="val 95461"/>
+            </a:avLst>
+          </a:prstGeom>
+          <a:solidFill>
+            <a:schemeClr val="bg1">
+              <a:lumMod val="50000"/>
+            </a:schemeClr>
+          </a:solidFill>
+          <a:ln>
+            <a:noFill/>
+          </a:ln>
+        </p:spPr>
+        <p:style>
+          <a:lnRef idx="2">
+            <a:schemeClr val="accent1">
+              <a:shade val="50000"/>
+            </a:schemeClr>
+          </a:lnRef>
+          <a:fillRef idx="1">
+            <a:schemeClr val="accent1"/>
+          </a:fillRef>
+          <a:effectRef idx="0">
+            <a:schemeClr val="accent1"/>
+          </a:effectRef>
+          <a:fontRef idx="minor">
+            <a:schemeClr val="lt1"/>
+          </a:fontRef>
+        </p:style>
+        <p:txBody>
+          <a:bodyPr rtlCol="0" anchor="ctr"/>
+          <a:lstStyle/>
+          <a:p>
+            <a:pPr algn="ctr"/>
+            <a:endParaRPr lang="zh-CN" altLang="en-US"/>
+          </a:p>
+        </p:txBody>
+      </p:sp>
+      <p:sp>
+        <p:nvSpPr>
+          <p:cNvPr id="74" name="右箭头 73"/>
+          <p:cNvSpPr/>
+          <p:nvPr/>
+        </p:nvSpPr>
+        <p:spPr>
+          <a:xfrm rot="13345919">
+            <a:off x="3630338" y="5016498"/>
+            <a:ext cx="546435" cy="150469"/>
+          </a:xfrm>
+          <a:prstGeom prst="rightArrow">
+            <a:avLst>
+              <a:gd name="adj1" fmla="val 41735"/>
+              <a:gd name="adj2" fmla="val 95461"/>
+            </a:avLst>
+          </a:prstGeom>
+          <a:solidFill>
+            <a:schemeClr val="bg1">
+              <a:lumMod val="50000"/>
+            </a:schemeClr>
+          </a:solidFill>
+          <a:ln>
+            <a:noFill/>
+          </a:ln>
+        </p:spPr>
+        <p:style>
+          <a:lnRef idx="2">
+            <a:schemeClr val="accent1">
+              <a:shade val="50000"/>
+            </a:schemeClr>
+          </a:lnRef>
+          <a:fillRef idx="1">
+            <a:schemeClr val="accent1"/>
+          </a:fillRef>
+          <a:effectRef idx="0">
+            <a:schemeClr val="accent1"/>
+          </a:effectRef>
+          <a:fontRef idx="minor">
+            <a:schemeClr val="lt1"/>
+          </a:fontRef>
+        </p:style>
+        <p:txBody>
+          <a:bodyPr rtlCol="0" anchor="ctr"/>
+          <a:lstStyle/>
+          <a:p>
+            <a:pPr algn="ctr"/>
+            <a:endParaRPr lang="zh-CN" altLang="en-US"/>
+          </a:p>
+        </p:txBody>
+      </p:sp>
     </p:spTree>
     <p:extLst>
       <p:ext uri="{BB962C8B-B14F-4D97-AF65-F5344CB8AC3E}">
@@ -5350,6 +6109,231 @@
       </p:par>
     </p:tnLst>
   </p:timing>
+</p:sld>
+</file>
+
+<file path=ppt/slides/slide4.xml><?xml version="1.0" encoding="utf-8"?>
+<p:sld xmlns:a="http://schemas.openxmlformats.org/drawingml/2006/main" xmlns:r="http://schemas.openxmlformats.org/officeDocument/2006/relationships" xmlns:p="http://schemas.openxmlformats.org/presentationml/2006/main">
+  <p:cSld>
+    <p:spTree>
+      <p:nvGrpSpPr>
+        <p:cNvPr id="1" name=""/>
+        <p:cNvGrpSpPr/>
+        <p:nvPr/>
+      </p:nvGrpSpPr>
+      <p:grpSpPr>
+        <a:xfrm>
+          <a:off x="0" y="0"/>
+          <a:ext cx="0" cy="0"/>
+          <a:chOff x="0" y="0"/>
+          <a:chExt cx="0" cy="0"/>
+        </a:xfrm>
+      </p:grpSpPr>
+      <p:sp>
+        <p:nvSpPr>
+          <p:cNvPr id="4" name="矩形 3"/>
+          <p:cNvSpPr/>
+          <p:nvPr/>
+        </p:nvSpPr>
+        <p:spPr>
+          <a:xfrm>
+            <a:off x="0" y="0"/>
+            <a:ext cx="12192000" cy="286327"/>
+          </a:xfrm>
+          <a:prstGeom prst="rect">
+            <a:avLst/>
+          </a:prstGeom>
+          <a:solidFill>
+            <a:schemeClr val="accent1">
+              <a:lumMod val="50000"/>
+            </a:schemeClr>
+          </a:solidFill>
+        </p:spPr>
+        <p:style>
+          <a:lnRef idx="2">
+            <a:schemeClr val="accent1">
+              <a:shade val="50000"/>
+            </a:schemeClr>
+          </a:lnRef>
+          <a:fillRef idx="1">
+            <a:schemeClr val="accent1"/>
+          </a:fillRef>
+          <a:effectRef idx="0">
+            <a:schemeClr val="accent1"/>
+          </a:effectRef>
+          <a:fontRef idx="minor">
+            <a:schemeClr val="lt1"/>
+          </a:fontRef>
+        </p:style>
+        <p:txBody>
+          <a:bodyPr rtlCol="0" anchor="ctr"/>
+          <a:lstStyle/>
+          <a:p>
+            <a:pPr algn="ctr"/>
+            <a:endParaRPr lang="zh-CN" altLang="en-US"/>
+          </a:p>
+        </p:txBody>
+      </p:sp>
+    </p:spTree>
+    <p:extLst>
+      <p:ext uri="{BB962C8B-B14F-4D97-AF65-F5344CB8AC3E}">
+        <p14:creationId xmlns:p14="http://schemas.microsoft.com/office/powerpoint/2010/main" val="1380105930"/>
+      </p:ext>
+    </p:extLst>
+  </p:cSld>
+  <p:clrMapOvr>
+    <a:masterClrMapping/>
+  </p:clrMapOvr>
+</p:sld>
+</file>
+
+<file path=ppt/slides/slide5.xml><?xml version="1.0" encoding="utf-8"?>
+<p:sld xmlns:a="http://schemas.openxmlformats.org/drawingml/2006/main" xmlns:r="http://schemas.openxmlformats.org/officeDocument/2006/relationships" xmlns:p="http://schemas.openxmlformats.org/presentationml/2006/main">
+  <p:cSld>
+    <p:spTree>
+      <p:nvGrpSpPr>
+        <p:cNvPr id="1" name=""/>
+        <p:cNvGrpSpPr/>
+        <p:nvPr/>
+      </p:nvGrpSpPr>
+      <p:grpSpPr>
+        <a:xfrm>
+          <a:off x="0" y="0"/>
+          <a:ext cx="0" cy="0"/>
+          <a:chOff x="0" y="0"/>
+          <a:chExt cx="0" cy="0"/>
+        </a:xfrm>
+      </p:grpSpPr>
+      <p:sp>
+        <p:nvSpPr>
+          <p:cNvPr id="4" name="矩形 3"/>
+          <p:cNvSpPr/>
+          <p:nvPr/>
+        </p:nvSpPr>
+        <p:spPr>
+          <a:xfrm>
+            <a:off x="0" y="0"/>
+            <a:ext cx="12192000" cy="286327"/>
+          </a:xfrm>
+          <a:prstGeom prst="rect">
+            <a:avLst/>
+          </a:prstGeom>
+          <a:solidFill>
+            <a:schemeClr val="accent1">
+              <a:lumMod val="50000"/>
+            </a:schemeClr>
+          </a:solidFill>
+        </p:spPr>
+        <p:style>
+          <a:lnRef idx="2">
+            <a:schemeClr val="accent1">
+              <a:shade val="50000"/>
+            </a:schemeClr>
+          </a:lnRef>
+          <a:fillRef idx="1">
+            <a:schemeClr val="accent1"/>
+          </a:fillRef>
+          <a:effectRef idx="0">
+            <a:schemeClr val="accent1"/>
+          </a:effectRef>
+          <a:fontRef idx="minor">
+            <a:schemeClr val="lt1"/>
+          </a:fontRef>
+        </p:style>
+        <p:txBody>
+          <a:bodyPr rtlCol="0" anchor="ctr"/>
+          <a:lstStyle/>
+          <a:p>
+            <a:pPr algn="ctr"/>
+            <a:endParaRPr lang="zh-CN" altLang="en-US"/>
+          </a:p>
+        </p:txBody>
+      </p:sp>
+    </p:spTree>
+    <p:extLst>
+      <p:ext uri="{BB962C8B-B14F-4D97-AF65-F5344CB8AC3E}">
+        <p14:creationId xmlns:p14="http://schemas.microsoft.com/office/powerpoint/2010/main" val="411636610"/>
+      </p:ext>
+    </p:extLst>
+  </p:cSld>
+  <p:clrMapOvr>
+    <a:masterClrMapping/>
+  </p:clrMapOvr>
+</p:sld>
+</file>
+
+<file path=ppt/slides/slide6.xml><?xml version="1.0" encoding="utf-8"?>
+<p:sld xmlns:a="http://schemas.openxmlformats.org/drawingml/2006/main" xmlns:r="http://schemas.openxmlformats.org/officeDocument/2006/relationships" xmlns:p="http://schemas.openxmlformats.org/presentationml/2006/main">
+  <p:cSld>
+    <p:spTree>
+      <p:nvGrpSpPr>
+        <p:cNvPr id="1" name=""/>
+        <p:cNvGrpSpPr/>
+        <p:nvPr/>
+      </p:nvGrpSpPr>
+      <p:grpSpPr>
+        <a:xfrm>
+          <a:off x="0" y="0"/>
+          <a:ext cx="0" cy="0"/>
+          <a:chOff x="0" y="0"/>
+          <a:chExt cx="0" cy="0"/>
+        </a:xfrm>
+      </p:grpSpPr>
+      <p:sp>
+        <p:nvSpPr>
+          <p:cNvPr id="4" name="矩形 3"/>
+          <p:cNvSpPr/>
+          <p:nvPr/>
+        </p:nvSpPr>
+        <p:spPr>
+          <a:xfrm>
+            <a:off x="0" y="0"/>
+            <a:ext cx="12192000" cy="286327"/>
+          </a:xfrm>
+          <a:prstGeom prst="rect">
+            <a:avLst/>
+          </a:prstGeom>
+          <a:solidFill>
+            <a:schemeClr val="accent1">
+              <a:lumMod val="50000"/>
+            </a:schemeClr>
+          </a:solidFill>
+        </p:spPr>
+        <p:style>
+          <a:lnRef idx="2">
+            <a:schemeClr val="accent1">
+              <a:shade val="50000"/>
+            </a:schemeClr>
+          </a:lnRef>
+          <a:fillRef idx="1">
+            <a:schemeClr val="accent1"/>
+          </a:fillRef>
+          <a:effectRef idx="0">
+            <a:schemeClr val="accent1"/>
+          </a:effectRef>
+          <a:fontRef idx="minor">
+            <a:schemeClr val="lt1"/>
+          </a:fontRef>
+        </p:style>
+        <p:txBody>
+          <a:bodyPr rtlCol="0" anchor="ctr"/>
+          <a:lstStyle/>
+          <a:p>
+            <a:pPr algn="ctr"/>
+            <a:endParaRPr lang="zh-CN" altLang="en-US"/>
+          </a:p>
+        </p:txBody>
+      </p:sp>
+    </p:spTree>
+    <p:extLst>
+      <p:ext uri="{BB962C8B-B14F-4D97-AF65-F5344CB8AC3E}">
+        <p14:creationId xmlns:p14="http://schemas.microsoft.com/office/powerpoint/2010/main" val="2188522596"/>
+      </p:ext>
+    </p:extLst>
+  </p:cSld>
+  <p:clrMapOvr>
+    <a:masterClrMapping/>
+  </p:clrMapOvr>
 </p:sld>
 </file>
 

--- a/PPT.pptx
+++ b/PPT.pptx
@@ -4,13 +4,20 @@
   <p:sldMasterIdLst>
     <p:sldMasterId id="2147483648" r:id="rId1"/>
   </p:sldMasterIdLst>
+  <p:notesMasterIdLst>
+    <p:notesMasterId r:id="rId12"/>
+  </p:notesMasterIdLst>
   <p:sldIdLst>
     <p:sldId id="258" r:id="rId2"/>
     <p:sldId id="259" r:id="rId3"/>
-    <p:sldId id="260" r:id="rId4"/>
-    <p:sldId id="261" r:id="rId5"/>
-    <p:sldId id="262" r:id="rId6"/>
-    <p:sldId id="263" r:id="rId7"/>
+    <p:sldId id="261" r:id="rId4"/>
+    <p:sldId id="264" r:id="rId5"/>
+    <p:sldId id="263" r:id="rId6"/>
+    <p:sldId id="265" r:id="rId7"/>
+    <p:sldId id="269" r:id="rId8"/>
+    <p:sldId id="266" r:id="rId9"/>
+    <p:sldId id="260" r:id="rId10"/>
+    <p:sldId id="268" r:id="rId11"/>
   </p:sldIdLst>
   <p:sldSz cx="12192000" cy="6858000"/>
   <p:notesSz cx="6858000" cy="9144000"/>
@@ -117,6 +124,440 @@
 </p:presentation>
 </file>
 
+<file path=ppt/notesMasters/notesMaster1.xml><?xml version="1.0" encoding="utf-8"?>
+<p:notesMaster xmlns:a="http://schemas.openxmlformats.org/drawingml/2006/main" xmlns:r="http://schemas.openxmlformats.org/officeDocument/2006/relationships" xmlns:p="http://schemas.openxmlformats.org/presentationml/2006/main">
+  <p:cSld>
+    <p:bg>
+      <p:bgRef idx="1001">
+        <a:schemeClr val="bg1"/>
+      </p:bgRef>
+    </p:bg>
+    <p:spTree>
+      <p:nvGrpSpPr>
+        <p:cNvPr id="1" name=""/>
+        <p:cNvGrpSpPr/>
+        <p:nvPr/>
+      </p:nvGrpSpPr>
+      <p:grpSpPr>
+        <a:xfrm>
+          <a:off x="0" y="0"/>
+          <a:ext cx="0" cy="0"/>
+          <a:chOff x="0" y="0"/>
+          <a:chExt cx="0" cy="0"/>
+        </a:xfrm>
+      </p:grpSpPr>
+      <p:sp>
+        <p:nvSpPr>
+          <p:cNvPr id="2" name="页眉占位符 1"/>
+          <p:cNvSpPr>
+            <a:spLocks noGrp="1"/>
+          </p:cNvSpPr>
+          <p:nvPr>
+            <p:ph type="hdr" sz="quarter"/>
+          </p:nvPr>
+        </p:nvSpPr>
+        <p:spPr>
+          <a:xfrm>
+            <a:off x="0" y="0"/>
+            <a:ext cx="2971800" cy="458788"/>
+          </a:xfrm>
+          <a:prstGeom prst="rect">
+            <a:avLst/>
+          </a:prstGeom>
+        </p:spPr>
+        <p:txBody>
+          <a:bodyPr vert="horz" lIns="91440" tIns="45720" rIns="91440" bIns="45720" rtlCol="0"/>
+          <a:lstStyle>
+            <a:lvl1pPr algn="l">
+              <a:defRPr sz="1200"/>
+            </a:lvl1pPr>
+          </a:lstStyle>
+          <a:p>
+            <a:endParaRPr lang="zh-CN" altLang="en-US"/>
+          </a:p>
+        </p:txBody>
+      </p:sp>
+      <p:sp>
+        <p:nvSpPr>
+          <p:cNvPr id="3" name="日期占位符 2"/>
+          <p:cNvSpPr>
+            <a:spLocks noGrp="1"/>
+          </p:cNvSpPr>
+          <p:nvPr>
+            <p:ph type="dt" idx="1"/>
+          </p:nvPr>
+        </p:nvSpPr>
+        <p:spPr>
+          <a:xfrm>
+            <a:off x="3884613" y="0"/>
+            <a:ext cx="2971800" cy="458788"/>
+          </a:xfrm>
+          <a:prstGeom prst="rect">
+            <a:avLst/>
+          </a:prstGeom>
+        </p:spPr>
+        <p:txBody>
+          <a:bodyPr vert="horz" lIns="91440" tIns="45720" rIns="91440" bIns="45720" rtlCol="0"/>
+          <a:lstStyle>
+            <a:lvl1pPr algn="r">
+              <a:defRPr sz="1200"/>
+            </a:lvl1pPr>
+          </a:lstStyle>
+          <a:p>
+            <a:fld id="{AC5060BB-1B6A-4FD0-8F5C-07E8C0BA94F6}" type="datetimeFigureOut">
+              <a:rPr lang="zh-CN" altLang="en-US" smtClean="0"/>
+              <a:t>2018/5/21</a:t>
+            </a:fld>
+            <a:endParaRPr lang="zh-CN" altLang="en-US"/>
+          </a:p>
+        </p:txBody>
+      </p:sp>
+      <p:sp>
+        <p:nvSpPr>
+          <p:cNvPr id="4" name="幻灯片图像占位符 3"/>
+          <p:cNvSpPr>
+            <a:spLocks noGrp="1" noRot="1" noChangeAspect="1"/>
+          </p:cNvSpPr>
+          <p:nvPr>
+            <p:ph type="sldImg" idx="2"/>
+          </p:nvPr>
+        </p:nvSpPr>
+        <p:spPr>
+          <a:xfrm>
+            <a:off x="685800" y="1143000"/>
+            <a:ext cx="5486400" cy="3086100"/>
+          </a:xfrm>
+          <a:prstGeom prst="rect">
+            <a:avLst/>
+          </a:prstGeom>
+          <a:noFill/>
+          <a:ln w="12700">
+            <a:solidFill>
+              <a:prstClr val="black"/>
+            </a:solidFill>
+          </a:ln>
+        </p:spPr>
+        <p:txBody>
+          <a:bodyPr vert="horz" lIns="91440" tIns="45720" rIns="91440" bIns="45720" rtlCol="0" anchor="ctr"/>
+          <a:lstStyle/>
+          <a:p>
+            <a:endParaRPr lang="zh-CN" altLang="en-US"/>
+          </a:p>
+        </p:txBody>
+      </p:sp>
+      <p:sp>
+        <p:nvSpPr>
+          <p:cNvPr id="5" name="备注占位符 4"/>
+          <p:cNvSpPr>
+            <a:spLocks noGrp="1"/>
+          </p:cNvSpPr>
+          <p:nvPr>
+            <p:ph type="body" sz="quarter" idx="3"/>
+          </p:nvPr>
+        </p:nvSpPr>
+        <p:spPr>
+          <a:xfrm>
+            <a:off x="685800" y="4400550"/>
+            <a:ext cx="5486400" cy="3600450"/>
+          </a:xfrm>
+          <a:prstGeom prst="rect">
+            <a:avLst/>
+          </a:prstGeom>
+        </p:spPr>
+        <p:txBody>
+          <a:bodyPr vert="horz" lIns="91440" tIns="45720" rIns="91440" bIns="45720" rtlCol="0"/>
+          <a:lstStyle/>
+          <a:p>
+            <a:pPr lvl="0"/>
+            <a:r>
+              <a:rPr lang="zh-CN" altLang="en-US" smtClean="0"/>
+              <a:t>编辑母版文本样式</a:t>
+            </a:r>
+          </a:p>
+          <a:p>
+            <a:pPr lvl="1"/>
+            <a:r>
+              <a:rPr lang="zh-CN" altLang="en-US" smtClean="0"/>
+              <a:t>第二级</a:t>
+            </a:r>
+          </a:p>
+          <a:p>
+            <a:pPr lvl="2"/>
+            <a:r>
+              <a:rPr lang="zh-CN" altLang="en-US" smtClean="0"/>
+              <a:t>第三级</a:t>
+            </a:r>
+          </a:p>
+          <a:p>
+            <a:pPr lvl="3"/>
+            <a:r>
+              <a:rPr lang="zh-CN" altLang="en-US" smtClean="0"/>
+              <a:t>第四级</a:t>
+            </a:r>
+          </a:p>
+          <a:p>
+            <a:pPr lvl="4"/>
+            <a:r>
+              <a:rPr lang="zh-CN" altLang="en-US" smtClean="0"/>
+              <a:t>第五级</a:t>
+            </a:r>
+            <a:endParaRPr lang="zh-CN" altLang="en-US"/>
+          </a:p>
+        </p:txBody>
+      </p:sp>
+      <p:sp>
+        <p:nvSpPr>
+          <p:cNvPr id="6" name="页脚占位符 5"/>
+          <p:cNvSpPr>
+            <a:spLocks noGrp="1"/>
+          </p:cNvSpPr>
+          <p:nvPr>
+            <p:ph type="ftr" sz="quarter" idx="4"/>
+          </p:nvPr>
+        </p:nvSpPr>
+        <p:spPr>
+          <a:xfrm>
+            <a:off x="0" y="8685213"/>
+            <a:ext cx="2971800" cy="458787"/>
+          </a:xfrm>
+          <a:prstGeom prst="rect">
+            <a:avLst/>
+          </a:prstGeom>
+        </p:spPr>
+        <p:txBody>
+          <a:bodyPr vert="horz" lIns="91440" tIns="45720" rIns="91440" bIns="45720" rtlCol="0" anchor="b"/>
+          <a:lstStyle>
+            <a:lvl1pPr algn="l">
+              <a:defRPr sz="1200"/>
+            </a:lvl1pPr>
+          </a:lstStyle>
+          <a:p>
+            <a:endParaRPr lang="zh-CN" altLang="en-US"/>
+          </a:p>
+        </p:txBody>
+      </p:sp>
+      <p:sp>
+        <p:nvSpPr>
+          <p:cNvPr id="7" name="灯片编号占位符 6"/>
+          <p:cNvSpPr>
+            <a:spLocks noGrp="1"/>
+          </p:cNvSpPr>
+          <p:nvPr>
+            <p:ph type="sldNum" sz="quarter" idx="5"/>
+          </p:nvPr>
+        </p:nvSpPr>
+        <p:spPr>
+          <a:xfrm>
+            <a:off x="3884613" y="8685213"/>
+            <a:ext cx="2971800" cy="458787"/>
+          </a:xfrm>
+          <a:prstGeom prst="rect">
+            <a:avLst/>
+          </a:prstGeom>
+        </p:spPr>
+        <p:txBody>
+          <a:bodyPr vert="horz" lIns="91440" tIns="45720" rIns="91440" bIns="45720" rtlCol="0" anchor="b"/>
+          <a:lstStyle>
+            <a:lvl1pPr algn="r">
+              <a:defRPr sz="1200"/>
+            </a:lvl1pPr>
+          </a:lstStyle>
+          <a:p>
+            <a:fld id="{293B01BB-8563-4E3F-9A74-09C1CE874CEA}" type="slidenum">
+              <a:rPr lang="zh-CN" altLang="en-US" smtClean="0"/>
+              <a:t>‹#›</a:t>
+            </a:fld>
+            <a:endParaRPr lang="zh-CN" altLang="en-US"/>
+          </a:p>
+        </p:txBody>
+      </p:sp>
+    </p:spTree>
+    <p:extLst>
+      <p:ext uri="{BB962C8B-B14F-4D97-AF65-F5344CB8AC3E}">
+        <p14:creationId xmlns:p14="http://schemas.microsoft.com/office/powerpoint/2010/main" val="2359032603"/>
+      </p:ext>
+    </p:extLst>
+  </p:cSld>
+  <p:clrMap bg1="lt1" tx1="dk1" bg2="lt2" tx2="dk2" accent1="accent1" accent2="accent2" accent3="accent3" accent4="accent4" accent5="accent5" accent6="accent6" hlink="hlink" folHlink="folHlink"/>
+  <p:notesStyle>
+    <a:lvl1pPr marL="0" algn="l" defTabSz="914400" rtl="0" eaLnBrk="1" latinLnBrk="0" hangingPunct="1">
+      <a:defRPr sz="1200" kern="1200">
+        <a:solidFill>
+          <a:schemeClr val="tx1"/>
+        </a:solidFill>
+        <a:latin typeface="+mn-lt"/>
+        <a:ea typeface="+mn-ea"/>
+        <a:cs typeface="+mn-cs"/>
+      </a:defRPr>
+    </a:lvl1pPr>
+    <a:lvl2pPr marL="457200" algn="l" defTabSz="914400" rtl="0" eaLnBrk="1" latinLnBrk="0" hangingPunct="1">
+      <a:defRPr sz="1200" kern="1200">
+        <a:solidFill>
+          <a:schemeClr val="tx1"/>
+        </a:solidFill>
+        <a:latin typeface="+mn-lt"/>
+        <a:ea typeface="+mn-ea"/>
+        <a:cs typeface="+mn-cs"/>
+      </a:defRPr>
+    </a:lvl2pPr>
+    <a:lvl3pPr marL="914400" algn="l" defTabSz="914400" rtl="0" eaLnBrk="1" latinLnBrk="0" hangingPunct="1">
+      <a:defRPr sz="1200" kern="1200">
+        <a:solidFill>
+          <a:schemeClr val="tx1"/>
+        </a:solidFill>
+        <a:latin typeface="+mn-lt"/>
+        <a:ea typeface="+mn-ea"/>
+        <a:cs typeface="+mn-cs"/>
+      </a:defRPr>
+    </a:lvl3pPr>
+    <a:lvl4pPr marL="1371600" algn="l" defTabSz="914400" rtl="0" eaLnBrk="1" latinLnBrk="0" hangingPunct="1">
+      <a:defRPr sz="1200" kern="1200">
+        <a:solidFill>
+          <a:schemeClr val="tx1"/>
+        </a:solidFill>
+        <a:latin typeface="+mn-lt"/>
+        <a:ea typeface="+mn-ea"/>
+        <a:cs typeface="+mn-cs"/>
+      </a:defRPr>
+    </a:lvl4pPr>
+    <a:lvl5pPr marL="1828800" algn="l" defTabSz="914400" rtl="0" eaLnBrk="1" latinLnBrk="0" hangingPunct="1">
+      <a:defRPr sz="1200" kern="1200">
+        <a:solidFill>
+          <a:schemeClr val="tx1"/>
+        </a:solidFill>
+        <a:latin typeface="+mn-lt"/>
+        <a:ea typeface="+mn-ea"/>
+        <a:cs typeface="+mn-cs"/>
+      </a:defRPr>
+    </a:lvl5pPr>
+    <a:lvl6pPr marL="2286000" algn="l" defTabSz="914400" rtl="0" eaLnBrk="1" latinLnBrk="0" hangingPunct="1">
+      <a:defRPr sz="1200" kern="1200">
+        <a:solidFill>
+          <a:schemeClr val="tx1"/>
+        </a:solidFill>
+        <a:latin typeface="+mn-lt"/>
+        <a:ea typeface="+mn-ea"/>
+        <a:cs typeface="+mn-cs"/>
+      </a:defRPr>
+    </a:lvl6pPr>
+    <a:lvl7pPr marL="2743200" algn="l" defTabSz="914400" rtl="0" eaLnBrk="1" latinLnBrk="0" hangingPunct="1">
+      <a:defRPr sz="1200" kern="1200">
+        <a:solidFill>
+          <a:schemeClr val="tx1"/>
+        </a:solidFill>
+        <a:latin typeface="+mn-lt"/>
+        <a:ea typeface="+mn-ea"/>
+        <a:cs typeface="+mn-cs"/>
+      </a:defRPr>
+    </a:lvl7pPr>
+    <a:lvl8pPr marL="3200400" algn="l" defTabSz="914400" rtl="0" eaLnBrk="1" latinLnBrk="0" hangingPunct="1">
+      <a:defRPr sz="1200" kern="1200">
+        <a:solidFill>
+          <a:schemeClr val="tx1"/>
+        </a:solidFill>
+        <a:latin typeface="+mn-lt"/>
+        <a:ea typeface="+mn-ea"/>
+        <a:cs typeface="+mn-cs"/>
+      </a:defRPr>
+    </a:lvl8pPr>
+    <a:lvl9pPr marL="3657600" algn="l" defTabSz="914400" rtl="0" eaLnBrk="1" latinLnBrk="0" hangingPunct="1">
+      <a:defRPr sz="1200" kern="1200">
+        <a:solidFill>
+          <a:schemeClr val="tx1"/>
+        </a:solidFill>
+        <a:latin typeface="+mn-lt"/>
+        <a:ea typeface="+mn-ea"/>
+        <a:cs typeface="+mn-cs"/>
+      </a:defRPr>
+    </a:lvl9pPr>
+  </p:notesStyle>
+</p:notesMaster>
+</file>
+
+<file path=ppt/notesSlides/notesSlide1.xml><?xml version="1.0" encoding="utf-8"?>
+<p:notes xmlns:a="http://schemas.openxmlformats.org/drawingml/2006/main" xmlns:r="http://schemas.openxmlformats.org/officeDocument/2006/relationships" xmlns:p="http://schemas.openxmlformats.org/presentationml/2006/main">
+  <p:cSld>
+    <p:spTree>
+      <p:nvGrpSpPr>
+        <p:cNvPr id="1" name=""/>
+        <p:cNvGrpSpPr/>
+        <p:nvPr/>
+      </p:nvGrpSpPr>
+      <p:grpSpPr>
+        <a:xfrm>
+          <a:off x="0" y="0"/>
+          <a:ext cx="0" cy="0"/>
+          <a:chOff x="0" y="0"/>
+          <a:chExt cx="0" cy="0"/>
+        </a:xfrm>
+      </p:grpSpPr>
+      <p:sp>
+        <p:nvSpPr>
+          <p:cNvPr id="2" name="幻灯片图像占位符 1"/>
+          <p:cNvSpPr>
+            <a:spLocks noGrp="1" noRot="1" noChangeAspect="1"/>
+          </p:cNvSpPr>
+          <p:nvPr>
+            <p:ph type="sldImg"/>
+          </p:nvPr>
+        </p:nvSpPr>
+        <p:spPr/>
+      </p:sp>
+      <p:sp>
+        <p:nvSpPr>
+          <p:cNvPr id="3" name="备注占位符 2"/>
+          <p:cNvSpPr>
+            <a:spLocks noGrp="1"/>
+          </p:cNvSpPr>
+          <p:nvPr>
+            <p:ph type="body" idx="1"/>
+          </p:nvPr>
+        </p:nvSpPr>
+        <p:spPr/>
+        <p:txBody>
+          <a:bodyPr/>
+          <a:lstStyle/>
+          <a:p>
+            <a:endParaRPr lang="zh-CN" altLang="en-US" dirty="0"/>
+          </a:p>
+        </p:txBody>
+      </p:sp>
+      <p:sp>
+        <p:nvSpPr>
+          <p:cNvPr id="4" name="灯片编号占位符 3"/>
+          <p:cNvSpPr>
+            <a:spLocks noGrp="1"/>
+          </p:cNvSpPr>
+          <p:nvPr>
+            <p:ph type="sldNum" sz="quarter" idx="10"/>
+          </p:nvPr>
+        </p:nvSpPr>
+        <p:spPr/>
+        <p:txBody>
+          <a:bodyPr/>
+          <a:lstStyle/>
+          <a:p>
+            <a:fld id="{293B01BB-8563-4E3F-9A74-09C1CE874CEA}" type="slidenum">
+              <a:rPr lang="zh-CN" altLang="en-US" smtClean="0"/>
+              <a:t>6</a:t>
+            </a:fld>
+            <a:endParaRPr lang="zh-CN" altLang="en-US"/>
+          </a:p>
+        </p:txBody>
+      </p:sp>
+    </p:spTree>
+    <p:extLst>
+      <p:ext uri="{BB962C8B-B14F-4D97-AF65-F5344CB8AC3E}">
+        <p14:creationId xmlns:p14="http://schemas.microsoft.com/office/powerpoint/2010/main" val="3751026593"/>
+      </p:ext>
+    </p:extLst>
+  </p:cSld>
+  <p:clrMapOvr>
+    <a:masterClrMapping/>
+  </p:clrMapOvr>
+</p:notes>
+</file>
+
 <file path=ppt/slideLayouts/slideLayout1.xml><?xml version="1.0" encoding="utf-8"?>
 <p:sldLayout xmlns:a="http://schemas.openxmlformats.org/drawingml/2006/main" xmlns:r="http://schemas.openxmlformats.org/officeDocument/2006/relationships" xmlns:p="http://schemas.openxmlformats.org/presentationml/2006/main" type="title" preserve="1">
   <p:cSld name="标题幻灯片">
@@ -248,7 +689,7 @@
           <a:p>
             <a:fld id="{70AE151D-C9AB-4374-940E-6BC155C5A640}" type="datetimeFigureOut">
               <a:rPr lang="zh-CN" altLang="en-US" smtClean="0"/>
-              <a:t>2018/5/20</a:t>
+              <a:t>2018/5/21</a:t>
             </a:fld>
             <a:endParaRPr lang="zh-CN" altLang="en-US"/>
           </a:p>
@@ -418,7 +859,7 @@
           <a:p>
             <a:fld id="{70AE151D-C9AB-4374-940E-6BC155C5A640}" type="datetimeFigureOut">
               <a:rPr lang="zh-CN" altLang="en-US" smtClean="0"/>
-              <a:t>2018/5/20</a:t>
+              <a:t>2018/5/21</a:t>
             </a:fld>
             <a:endParaRPr lang="zh-CN" altLang="en-US"/>
           </a:p>
@@ -598,7 +1039,7 @@
           <a:p>
             <a:fld id="{70AE151D-C9AB-4374-940E-6BC155C5A640}" type="datetimeFigureOut">
               <a:rPr lang="zh-CN" altLang="en-US" smtClean="0"/>
-              <a:t>2018/5/20</a:t>
+              <a:t>2018/5/21</a:t>
             </a:fld>
             <a:endParaRPr lang="zh-CN" altLang="en-US"/>
           </a:p>
@@ -768,7 +1209,7 @@
           <a:p>
             <a:fld id="{70AE151D-C9AB-4374-940E-6BC155C5A640}" type="datetimeFigureOut">
               <a:rPr lang="zh-CN" altLang="en-US" smtClean="0"/>
-              <a:t>2018/5/20</a:t>
+              <a:t>2018/5/21</a:t>
             </a:fld>
             <a:endParaRPr lang="zh-CN" altLang="en-US"/>
           </a:p>
@@ -1014,7 +1455,7 @@
           <a:p>
             <a:fld id="{70AE151D-C9AB-4374-940E-6BC155C5A640}" type="datetimeFigureOut">
               <a:rPr lang="zh-CN" altLang="en-US" smtClean="0"/>
-              <a:t>2018/5/20</a:t>
+              <a:t>2018/5/21</a:t>
             </a:fld>
             <a:endParaRPr lang="zh-CN" altLang="en-US"/>
           </a:p>
@@ -1246,7 +1687,7 @@
           <a:p>
             <a:fld id="{70AE151D-C9AB-4374-940E-6BC155C5A640}" type="datetimeFigureOut">
               <a:rPr lang="zh-CN" altLang="en-US" smtClean="0"/>
-              <a:t>2018/5/20</a:t>
+              <a:t>2018/5/21</a:t>
             </a:fld>
             <a:endParaRPr lang="zh-CN" altLang="en-US"/>
           </a:p>
@@ -1613,7 +2054,7 @@
           <a:p>
             <a:fld id="{70AE151D-C9AB-4374-940E-6BC155C5A640}" type="datetimeFigureOut">
               <a:rPr lang="zh-CN" altLang="en-US" smtClean="0"/>
-              <a:t>2018/5/20</a:t>
+              <a:t>2018/5/21</a:t>
             </a:fld>
             <a:endParaRPr lang="zh-CN" altLang="en-US"/>
           </a:p>
@@ -1731,7 +2172,7 @@
           <a:p>
             <a:fld id="{70AE151D-C9AB-4374-940E-6BC155C5A640}" type="datetimeFigureOut">
               <a:rPr lang="zh-CN" altLang="en-US" smtClean="0"/>
-              <a:t>2018/5/20</a:t>
+              <a:t>2018/5/21</a:t>
             </a:fld>
             <a:endParaRPr lang="zh-CN" altLang="en-US"/>
           </a:p>
@@ -1826,7 +2267,7 @@
           <a:p>
             <a:fld id="{70AE151D-C9AB-4374-940E-6BC155C5A640}" type="datetimeFigureOut">
               <a:rPr lang="zh-CN" altLang="en-US" smtClean="0"/>
-              <a:t>2018/5/20</a:t>
+              <a:t>2018/5/21</a:t>
             </a:fld>
             <a:endParaRPr lang="zh-CN" altLang="en-US"/>
           </a:p>
@@ -2103,7 +2544,7 @@
           <a:p>
             <a:fld id="{70AE151D-C9AB-4374-940E-6BC155C5A640}" type="datetimeFigureOut">
               <a:rPr lang="zh-CN" altLang="en-US" smtClean="0"/>
-              <a:t>2018/5/20</a:t>
+              <a:t>2018/5/21</a:t>
             </a:fld>
             <a:endParaRPr lang="zh-CN" altLang="en-US"/>
           </a:p>
@@ -2356,7 +2797,7 @@
           <a:p>
             <a:fld id="{70AE151D-C9AB-4374-940E-6BC155C5A640}" type="datetimeFigureOut">
               <a:rPr lang="zh-CN" altLang="en-US" smtClean="0"/>
-              <a:t>2018/5/20</a:t>
+              <a:t>2018/5/21</a:t>
             </a:fld>
             <a:endParaRPr lang="zh-CN" altLang="en-US"/>
           </a:p>
@@ -2569,7 +3010,7 @@
           <a:p>
             <a:fld id="{70AE151D-C9AB-4374-940E-6BC155C5A640}" type="datetimeFigureOut">
               <a:rPr lang="zh-CN" altLang="en-US" smtClean="0"/>
-              <a:t>2018/5/20</a:t>
+              <a:t>2018/5/21</a:t>
             </a:fld>
             <a:endParaRPr lang="zh-CN" altLang="en-US"/>
           </a:p>
@@ -3084,6 +3525,215 @@
 </p:sld>
 </file>
 
+<file path=ppt/slides/slide10.xml><?xml version="1.0" encoding="utf-8"?>
+<p:sld xmlns:a="http://schemas.openxmlformats.org/drawingml/2006/main" xmlns:r="http://schemas.openxmlformats.org/officeDocument/2006/relationships" xmlns:p="http://schemas.openxmlformats.org/presentationml/2006/main">
+  <p:cSld>
+    <p:spTree>
+      <p:nvGrpSpPr>
+        <p:cNvPr id="1" name=""/>
+        <p:cNvGrpSpPr/>
+        <p:nvPr/>
+      </p:nvGrpSpPr>
+      <p:grpSpPr>
+        <a:xfrm>
+          <a:off x="0" y="0"/>
+          <a:ext cx="0" cy="0"/>
+          <a:chOff x="0" y="0"/>
+          <a:chExt cx="0" cy="0"/>
+        </a:xfrm>
+      </p:grpSpPr>
+      <p:sp>
+        <p:nvSpPr>
+          <p:cNvPr id="4" name="矩形 3"/>
+          <p:cNvSpPr/>
+          <p:nvPr/>
+        </p:nvSpPr>
+        <p:spPr>
+          <a:xfrm>
+            <a:off x="0" y="0"/>
+            <a:ext cx="12192000" cy="6858000"/>
+          </a:xfrm>
+          <a:prstGeom prst="rect">
+            <a:avLst/>
+          </a:prstGeom>
+          <a:solidFill>
+            <a:srgbClr val="0070C0"/>
+          </a:solidFill>
+        </p:spPr>
+        <p:style>
+          <a:lnRef idx="2">
+            <a:schemeClr val="accent1">
+              <a:shade val="50000"/>
+            </a:schemeClr>
+          </a:lnRef>
+          <a:fillRef idx="1">
+            <a:schemeClr val="accent1"/>
+          </a:fillRef>
+          <a:effectRef idx="0">
+            <a:schemeClr val="accent1"/>
+          </a:effectRef>
+          <a:fontRef idx="minor">
+            <a:schemeClr val="lt1"/>
+          </a:fontRef>
+        </p:style>
+        <p:txBody>
+          <a:bodyPr rtlCol="0" anchor="ctr"/>
+          <a:lstStyle/>
+          <a:p>
+            <a:pPr algn="ctr"/>
+            <a:endParaRPr lang="zh-CN" altLang="en-US" dirty="0"/>
+          </a:p>
+        </p:txBody>
+      </p:sp>
+      <p:sp>
+        <p:nvSpPr>
+          <p:cNvPr id="2" name="文本框 1"/>
+          <p:cNvSpPr txBox="1"/>
+          <p:nvPr/>
+        </p:nvSpPr>
+        <p:spPr>
+          <a:xfrm>
+            <a:off x="1997476" y="1371301"/>
+            <a:ext cx="3203121" cy="3323987"/>
+          </a:xfrm>
+          <a:prstGeom prst="rect">
+            <a:avLst/>
+          </a:prstGeom>
+          <a:noFill/>
+        </p:spPr>
+        <p:txBody>
+          <a:bodyPr wrap="none" rtlCol="0">
+            <a:spAutoFit/>
+          </a:bodyPr>
+          <a:lstStyle/>
+          <a:p>
+            <a:r>
+              <a:rPr lang="en-US" altLang="zh-CN" sz="21000" dirty="0" smtClean="0">
+                <a:solidFill>
+                  <a:schemeClr val="bg1"/>
+                </a:solidFill>
+                <a:latin typeface="Bahnschrift SemiBold" panose="020B0502040204020203" pitchFamily="34" charset="0"/>
+              </a:rPr>
+              <a:t>04</a:t>
+            </a:r>
+            <a:endParaRPr lang="zh-CN" altLang="en-US" sz="21000" dirty="0">
+              <a:solidFill>
+                <a:schemeClr val="bg1"/>
+              </a:solidFill>
+              <a:latin typeface="Bahnschrift SemiBold" panose="020B0502040204020203" pitchFamily="34" charset="0"/>
+            </a:endParaRPr>
+          </a:p>
+        </p:txBody>
+      </p:sp>
+      <p:sp>
+        <p:nvSpPr>
+          <p:cNvPr id="6" name="文本框 5"/>
+          <p:cNvSpPr txBox="1"/>
+          <p:nvPr/>
+        </p:nvSpPr>
+        <p:spPr>
+          <a:xfrm>
+            <a:off x="5070231" y="2012308"/>
+            <a:ext cx="4288353" cy="1323439"/>
+          </a:xfrm>
+          <a:prstGeom prst="rect">
+            <a:avLst/>
+          </a:prstGeom>
+          <a:noFill/>
+        </p:spPr>
+        <p:txBody>
+          <a:bodyPr wrap="none" rtlCol="0">
+            <a:spAutoFit/>
+          </a:bodyPr>
+          <a:lstStyle/>
+          <a:p>
+            <a:r>
+              <a:rPr lang="zh-CN" altLang="en-US" sz="8000" b="1" dirty="0" smtClean="0">
+                <a:solidFill>
+                  <a:schemeClr val="bg1"/>
+                </a:solidFill>
+                <a:latin typeface="微软雅黑" panose="020B0503020204020204" pitchFamily="34" charset="-122"/>
+                <a:ea typeface="微软雅黑" panose="020B0503020204020204" pitchFamily="34" charset="-122"/>
+              </a:rPr>
+              <a:t>效果评估</a:t>
+            </a:r>
+            <a:endParaRPr lang="zh-CN" altLang="en-US" sz="8000" b="1" dirty="0">
+              <a:solidFill>
+                <a:schemeClr val="bg1"/>
+              </a:solidFill>
+              <a:latin typeface="微软雅黑" panose="020B0503020204020204" pitchFamily="34" charset="-122"/>
+              <a:ea typeface="微软雅黑" panose="020B0503020204020204" pitchFamily="34" charset="-122"/>
+            </a:endParaRPr>
+          </a:p>
+        </p:txBody>
+      </p:sp>
+      <p:sp>
+        <p:nvSpPr>
+          <p:cNvPr id="7" name="文本框 6"/>
+          <p:cNvSpPr txBox="1"/>
+          <p:nvPr/>
+        </p:nvSpPr>
+        <p:spPr>
+          <a:xfrm>
+            <a:off x="5070231" y="3428999"/>
+            <a:ext cx="4144790" cy="700576"/>
+          </a:xfrm>
+          <a:prstGeom prst="rect">
+            <a:avLst/>
+          </a:prstGeom>
+          <a:noFill/>
+        </p:spPr>
+        <p:txBody>
+          <a:bodyPr wrap="square" rtlCol="0">
+            <a:spAutoFit/>
+          </a:bodyPr>
+          <a:lstStyle/>
+          <a:p>
+            <a:pPr>
+              <a:lnSpc>
+                <a:spcPct val="150000"/>
+              </a:lnSpc>
+            </a:pPr>
+            <a:r>
+              <a:rPr lang="zh-CN" altLang="zh-CN" sz="1400" b="1" dirty="0">
+                <a:solidFill>
+                  <a:schemeClr val="bg1"/>
+                </a:solidFill>
+                <a:latin typeface="微软雅黑" panose="020B0503020204020204" pitchFamily="34" charset="-122"/>
+                <a:ea typeface="微软雅黑" panose="020B0503020204020204" pitchFamily="34" charset="-122"/>
+              </a:rPr>
+              <a:t>前端开发技术的发展时间相对较短，但是发展速度却非常快，并且技术的迭代也十分迅速</a:t>
+            </a:r>
+            <a:endParaRPr lang="zh-CN" altLang="en-US" sz="1400" b="1" dirty="0">
+              <a:solidFill>
+                <a:schemeClr val="bg1"/>
+              </a:solidFill>
+              <a:latin typeface="微软雅黑" panose="020B0503020204020204" pitchFamily="34" charset="-122"/>
+              <a:ea typeface="微软雅黑" panose="020B0503020204020204" pitchFamily="34" charset="-122"/>
+            </a:endParaRPr>
+          </a:p>
+        </p:txBody>
+      </p:sp>
+    </p:spTree>
+    <p:extLst>
+      <p:ext uri="{BB962C8B-B14F-4D97-AF65-F5344CB8AC3E}">
+        <p14:creationId xmlns:p14="http://schemas.microsoft.com/office/powerpoint/2010/main" val="431706673"/>
+      </p:ext>
+    </p:extLst>
+  </p:cSld>
+  <p:clrMapOvr>
+    <a:masterClrMapping/>
+  </p:clrMapOvr>
+  <p:timing>
+    <p:tnLst>
+      <p:par>
+        <p:cTn id="1" dur="indefinite" restart="never" nodeType="tmRoot"/>
+      </p:par>
+    </p:tnLst>
+  </p:timing>
+</p:sld>
+</file>
+
 <file path=ppt/slides/slide2.xml><?xml version="1.0" encoding="utf-8"?>
 <p:sld xmlns:a="http://schemas.openxmlformats.org/drawingml/2006/main" xmlns:r="http://schemas.openxmlformats.org/officeDocument/2006/relationships" xmlns:p="http://schemas.openxmlformats.org/presentationml/2006/main">
   <p:cSld>
@@ -3155,9 +3805,9 @@
         <p:grpSpPr>
           <a:xfrm>
             <a:off x="0" y="1156434"/>
-            <a:ext cx="12515274" cy="2272145"/>
+            <a:ext cx="12192000" cy="2272145"/>
             <a:chOff x="0" y="1496290"/>
-            <a:chExt cx="12515274" cy="2272145"/>
+            <a:chExt cx="12192000" cy="2272145"/>
           </a:xfrm>
         </p:grpSpPr>
         <p:grpSp>
@@ -3312,8 +3962,8 @@
           </p:nvSpPr>
           <p:spPr>
             <a:xfrm>
-              <a:off x="4516583" y="2243433"/>
-              <a:ext cx="7998691" cy="954107"/>
+              <a:off x="4068397" y="2086494"/>
+              <a:ext cx="7998691" cy="1077218"/>
             </a:xfrm>
             <a:prstGeom prst="rect">
               <a:avLst/>
@@ -3327,7 +3977,7 @@
             <a:lstStyle/>
             <a:p>
               <a:r>
-                <a:rPr lang="zh-CN" altLang="en-US" sz="2800" b="1" dirty="0">
+                <a:rPr lang="zh-CN" altLang="en-US" sz="3200" b="1" dirty="0">
                   <a:solidFill>
                     <a:schemeClr val="bg1"/>
                   </a:solidFill>
@@ -3337,7 +3987,7 @@
                 <a:t>基于 </a:t>
               </a:r>
               <a:r>
-                <a:rPr lang="en-US" altLang="zh-CN" sz="2800" b="1" dirty="0" smtClean="0">
+                <a:rPr lang="en-US" altLang="zh-CN" sz="3200" b="1" dirty="0" smtClean="0">
                   <a:solidFill>
                     <a:schemeClr val="bg1"/>
                   </a:solidFill>
@@ -3348,7 +3998,7 @@
                 <a:t>REACT</a:t>
               </a:r>
               <a:r>
-                <a:rPr lang="zh-CN" altLang="en-US" sz="2800" b="1" dirty="0" smtClean="0">
+                <a:rPr lang="zh-CN" altLang="en-US" sz="3200" b="1" dirty="0" smtClean="0">
                   <a:solidFill>
                     <a:schemeClr val="bg1"/>
                   </a:solidFill>
@@ -3359,7 +4009,7 @@
                 <a:t>， </a:t>
               </a:r>
               <a:r>
-                <a:rPr lang="en-US" altLang="zh-CN" sz="2800" b="1" dirty="0" smtClean="0">
+                <a:rPr lang="en-US" altLang="zh-CN" sz="3200" b="1" dirty="0" smtClean="0">
                   <a:solidFill>
                     <a:schemeClr val="bg1"/>
                   </a:solidFill>
@@ -3370,7 +4020,7 @@
                 <a:t>REDUX </a:t>
               </a:r>
               <a:r>
-                <a:rPr lang="zh-CN" altLang="en-US" sz="2800" b="1" dirty="0" smtClean="0">
+                <a:rPr lang="zh-CN" altLang="en-US" sz="3200" b="1" dirty="0" smtClean="0">
                   <a:solidFill>
                     <a:schemeClr val="bg1"/>
                   </a:solidFill>
@@ -3381,7 +4031,7 @@
                 <a:t>和 </a:t>
               </a:r>
               <a:r>
-                <a:rPr lang="en-US" altLang="zh-CN" sz="2800" b="1" dirty="0" smtClean="0">
+                <a:rPr lang="en-US" altLang="zh-CN" sz="3200" b="1" dirty="0" smtClean="0">
                   <a:solidFill>
                     <a:schemeClr val="bg1"/>
                   </a:solidFill>
@@ -3392,7 +4042,7 @@
                 <a:t>WEBPACK </a:t>
               </a:r>
               <a:r>
-                <a:rPr lang="zh-CN" altLang="en-US" sz="2800" b="1" dirty="0" smtClean="0">
+                <a:rPr lang="zh-CN" altLang="en-US" sz="3200" b="1" dirty="0" smtClean="0">
                   <a:solidFill>
                     <a:schemeClr val="bg1"/>
                   </a:solidFill>
@@ -3401,7 +4051,7 @@
                 </a:rPr>
                 <a:t>的</a:t>
               </a:r>
-              <a:endParaRPr lang="en-US" altLang="zh-CN" sz="2800" b="1" dirty="0">
+              <a:endParaRPr lang="en-US" altLang="zh-CN" sz="3200" b="1" dirty="0">
                 <a:solidFill>
                   <a:schemeClr val="bg1"/>
                 </a:solidFill>
@@ -3411,7 +4061,7 @@
             </a:p>
             <a:p>
               <a:r>
-                <a:rPr lang="zh-CN" altLang="en-US" sz="2800" b="1" dirty="0" smtClean="0">
+                <a:rPr lang="zh-CN" altLang="en-US" sz="3200" b="1" dirty="0" smtClean="0">
                   <a:solidFill>
                     <a:schemeClr val="bg1"/>
                   </a:solidFill>
@@ -3421,7 +4071,7 @@
                 <a:t>前</a:t>
               </a:r>
               <a:r>
-                <a:rPr lang="zh-CN" altLang="en-US" sz="2800" b="1" dirty="0">
+                <a:rPr lang="zh-CN" altLang="en-US" sz="3200" b="1" dirty="0">
                   <a:solidFill>
                     <a:schemeClr val="bg1"/>
                   </a:solidFill>
@@ -4127,6 +4777,2640 @@
       </p:grpSpPr>
       <p:sp>
         <p:nvSpPr>
+          <p:cNvPr id="4" name="矩形 3"/>
+          <p:cNvSpPr/>
+          <p:nvPr/>
+        </p:nvSpPr>
+        <p:spPr>
+          <a:xfrm>
+            <a:off x="0" y="0"/>
+            <a:ext cx="12192000" cy="6858000"/>
+          </a:xfrm>
+          <a:prstGeom prst="rect">
+            <a:avLst/>
+          </a:prstGeom>
+          <a:solidFill>
+            <a:srgbClr val="0070C0"/>
+          </a:solidFill>
+        </p:spPr>
+        <p:style>
+          <a:lnRef idx="2">
+            <a:schemeClr val="accent1">
+              <a:shade val="50000"/>
+            </a:schemeClr>
+          </a:lnRef>
+          <a:fillRef idx="1">
+            <a:schemeClr val="accent1"/>
+          </a:fillRef>
+          <a:effectRef idx="0">
+            <a:schemeClr val="accent1"/>
+          </a:effectRef>
+          <a:fontRef idx="minor">
+            <a:schemeClr val="lt1"/>
+          </a:fontRef>
+        </p:style>
+        <p:txBody>
+          <a:bodyPr rtlCol="0" anchor="ctr"/>
+          <a:lstStyle/>
+          <a:p>
+            <a:pPr algn="ctr"/>
+            <a:endParaRPr lang="zh-CN" altLang="en-US" dirty="0"/>
+          </a:p>
+        </p:txBody>
+      </p:sp>
+      <p:grpSp>
+        <p:nvGrpSpPr>
+          <p:cNvPr id="33" name="组合 32"/>
+          <p:cNvGrpSpPr/>
+          <p:nvPr/>
+        </p:nvGrpSpPr>
+        <p:grpSpPr>
+          <a:xfrm>
+            <a:off x="1734037" y="1991541"/>
+            <a:ext cx="2646878" cy="2044833"/>
+            <a:chOff x="1734037" y="1169504"/>
+            <a:chExt cx="2646878" cy="2044833"/>
+          </a:xfrm>
+        </p:grpSpPr>
+        <p:sp>
+          <p:nvSpPr>
+            <p:cNvPr id="6" name="文本框 5"/>
+            <p:cNvSpPr txBox="1"/>
+            <p:nvPr/>
+          </p:nvSpPr>
+          <p:spPr>
+            <a:xfrm>
+              <a:off x="1734037" y="1169504"/>
+              <a:ext cx="2646878" cy="1569660"/>
+            </a:xfrm>
+            <a:prstGeom prst="rect">
+              <a:avLst/>
+            </a:prstGeom>
+            <a:noFill/>
+          </p:spPr>
+          <p:txBody>
+            <a:bodyPr wrap="none" rtlCol="0">
+              <a:spAutoFit/>
+            </a:bodyPr>
+            <a:lstStyle/>
+            <a:p>
+              <a:r>
+                <a:rPr lang="zh-CN" altLang="en-US" sz="9600" b="1" dirty="0" smtClean="0">
+                  <a:solidFill>
+                    <a:schemeClr val="bg1"/>
+                  </a:solidFill>
+                  <a:latin typeface="微软雅黑" panose="020B0503020204020204" pitchFamily="34" charset="-122"/>
+                  <a:ea typeface="微软雅黑" panose="020B0503020204020204" pitchFamily="34" charset="-122"/>
+                </a:rPr>
+                <a:t>目录</a:t>
+              </a:r>
+              <a:endParaRPr lang="zh-CN" altLang="en-US" sz="9600" b="1" dirty="0">
+                <a:solidFill>
+                  <a:schemeClr val="bg1"/>
+                </a:solidFill>
+                <a:latin typeface="微软雅黑" panose="020B0503020204020204" pitchFamily="34" charset="-122"/>
+                <a:ea typeface="微软雅黑" panose="020B0503020204020204" pitchFamily="34" charset="-122"/>
+              </a:endParaRPr>
+            </a:p>
+          </p:txBody>
+        </p:sp>
+        <p:sp>
+          <p:nvSpPr>
+            <p:cNvPr id="8" name="文本框 7"/>
+            <p:cNvSpPr txBox="1"/>
+            <p:nvPr/>
+          </p:nvSpPr>
+          <p:spPr>
+            <a:xfrm>
+              <a:off x="1811196" y="2629562"/>
+              <a:ext cx="2492560" cy="584775"/>
+            </a:xfrm>
+            <a:prstGeom prst="rect">
+              <a:avLst/>
+            </a:prstGeom>
+            <a:noFill/>
+          </p:spPr>
+          <p:txBody>
+            <a:bodyPr wrap="square" rtlCol="0">
+              <a:spAutoFit/>
+            </a:bodyPr>
+            <a:lstStyle/>
+            <a:p>
+              <a:r>
+                <a:rPr lang="en-US" altLang="zh-CN" sz="3200" b="1" dirty="0" smtClean="0">
+                  <a:solidFill>
+                    <a:schemeClr val="bg1"/>
+                  </a:solidFill>
+                  <a:latin typeface="微软雅黑" panose="020B0503020204020204" pitchFamily="34" charset="-122"/>
+                  <a:ea typeface="微软雅黑" panose="020B0503020204020204" pitchFamily="34" charset="-122"/>
+                </a:rPr>
+                <a:t>CONTENTS</a:t>
+              </a:r>
+              <a:endParaRPr lang="zh-CN" altLang="en-US" sz="3200" b="1" dirty="0">
+                <a:solidFill>
+                  <a:schemeClr val="bg1"/>
+                </a:solidFill>
+                <a:latin typeface="微软雅黑" panose="020B0503020204020204" pitchFamily="34" charset="-122"/>
+                <a:ea typeface="微软雅黑" panose="020B0503020204020204" pitchFamily="34" charset="-122"/>
+              </a:endParaRPr>
+            </a:p>
+          </p:txBody>
+        </p:sp>
+      </p:grpSp>
+      <p:grpSp>
+        <p:nvGrpSpPr>
+          <p:cNvPr id="14" name="组合 13"/>
+          <p:cNvGrpSpPr/>
+          <p:nvPr/>
+        </p:nvGrpSpPr>
+        <p:grpSpPr>
+          <a:xfrm>
+            <a:off x="5851864" y="1367161"/>
+            <a:ext cx="4446232" cy="733339"/>
+            <a:chOff x="5851864" y="1402673"/>
+            <a:chExt cx="4446232" cy="733339"/>
+          </a:xfrm>
+        </p:grpSpPr>
+        <p:grpSp>
+          <p:nvGrpSpPr>
+            <p:cNvPr id="11" name="组合 10"/>
+            <p:cNvGrpSpPr/>
+            <p:nvPr/>
+          </p:nvGrpSpPr>
+          <p:grpSpPr>
+            <a:xfrm>
+              <a:off x="5851864" y="1441597"/>
+              <a:ext cx="633518" cy="649189"/>
+              <a:chOff x="5344357" y="1873188"/>
+              <a:chExt cx="488272" cy="500350"/>
+            </a:xfrm>
+          </p:grpSpPr>
+          <p:sp>
+            <p:nvSpPr>
+              <p:cNvPr id="9" name="椭圆 8"/>
+              <p:cNvSpPr/>
+              <p:nvPr/>
+            </p:nvSpPr>
+            <p:spPr>
+              <a:xfrm>
+                <a:off x="5344357" y="1873188"/>
+                <a:ext cx="488272" cy="488272"/>
+              </a:xfrm>
+              <a:prstGeom prst="ellipse">
+                <a:avLst/>
+              </a:prstGeom>
+              <a:solidFill>
+                <a:schemeClr val="bg1"/>
+              </a:solidFill>
+              <a:ln>
+                <a:noFill/>
+              </a:ln>
+            </p:spPr>
+            <p:style>
+              <a:lnRef idx="2">
+                <a:schemeClr val="accent1">
+                  <a:shade val="50000"/>
+                </a:schemeClr>
+              </a:lnRef>
+              <a:fillRef idx="1">
+                <a:schemeClr val="accent1"/>
+              </a:fillRef>
+              <a:effectRef idx="0">
+                <a:schemeClr val="accent1"/>
+              </a:effectRef>
+              <a:fontRef idx="minor">
+                <a:schemeClr val="lt1"/>
+              </a:fontRef>
+            </p:style>
+            <p:txBody>
+              <a:bodyPr rtlCol="0" anchor="ctr"/>
+              <a:lstStyle/>
+              <a:p>
+                <a:pPr algn="ctr"/>
+                <a:endParaRPr lang="zh-CN" altLang="en-US"/>
+              </a:p>
+            </p:txBody>
+          </p:sp>
+          <p:sp>
+            <p:nvSpPr>
+              <p:cNvPr id="10" name="文本框 9"/>
+              <p:cNvSpPr txBox="1"/>
+              <p:nvPr/>
+            </p:nvSpPr>
+            <p:spPr>
+              <a:xfrm>
+                <a:off x="5407238" y="1875391"/>
+                <a:ext cx="310719" cy="498147"/>
+              </a:xfrm>
+              <a:prstGeom prst="rect">
+                <a:avLst/>
+              </a:prstGeom>
+              <a:noFill/>
+            </p:spPr>
+            <p:txBody>
+              <a:bodyPr wrap="square" rtlCol="0">
+                <a:spAutoFit/>
+              </a:bodyPr>
+              <a:lstStyle/>
+              <a:p>
+                <a:r>
+                  <a:rPr lang="en-US" altLang="zh-CN" sz="3600" b="1" dirty="0" smtClean="0">
+                    <a:solidFill>
+                      <a:srgbClr val="0070C0"/>
+                    </a:solidFill>
+                    <a:latin typeface="微软雅黑" panose="020B0503020204020204" pitchFamily="34" charset="-122"/>
+                    <a:ea typeface="微软雅黑" panose="020B0503020204020204" pitchFamily="34" charset="-122"/>
+                  </a:rPr>
+                  <a:t>1</a:t>
+                </a:r>
+                <a:endParaRPr lang="zh-CN" altLang="en-US" sz="3600" b="1" dirty="0">
+                  <a:solidFill>
+                    <a:srgbClr val="0070C0"/>
+                  </a:solidFill>
+                  <a:latin typeface="微软雅黑" panose="020B0503020204020204" pitchFamily="34" charset="-122"/>
+                  <a:ea typeface="微软雅黑" panose="020B0503020204020204" pitchFamily="34" charset="-122"/>
+                </a:endParaRPr>
+              </a:p>
+            </p:txBody>
+          </p:sp>
+        </p:grpSp>
+        <p:sp>
+          <p:nvSpPr>
+            <p:cNvPr id="12" name="文本框 11"/>
+            <p:cNvSpPr txBox="1"/>
+            <p:nvPr/>
+          </p:nvSpPr>
+          <p:spPr>
+            <a:xfrm>
+              <a:off x="6622741" y="1402673"/>
+              <a:ext cx="3071674" cy="523220"/>
+            </a:xfrm>
+            <a:prstGeom prst="rect">
+              <a:avLst/>
+            </a:prstGeom>
+            <a:noFill/>
+          </p:spPr>
+          <p:txBody>
+            <a:bodyPr wrap="square" rtlCol="0">
+              <a:spAutoFit/>
+            </a:bodyPr>
+            <a:lstStyle/>
+            <a:p>
+              <a:r>
+                <a:rPr lang="zh-CN" altLang="en-US" sz="2800" b="1" dirty="0" smtClean="0">
+                  <a:solidFill>
+                    <a:schemeClr val="bg1"/>
+                  </a:solidFill>
+                  <a:latin typeface="微软雅黑" panose="020B0503020204020204" pitchFamily="34" charset="-122"/>
+                  <a:ea typeface="微软雅黑" panose="020B0503020204020204" pitchFamily="34" charset="-122"/>
+                </a:rPr>
+                <a:t>选题背景</a:t>
+              </a:r>
+              <a:endParaRPr lang="zh-CN" altLang="en-US" sz="2800" b="1" dirty="0">
+                <a:solidFill>
+                  <a:schemeClr val="bg1"/>
+                </a:solidFill>
+                <a:latin typeface="微软雅黑" panose="020B0503020204020204" pitchFamily="34" charset="-122"/>
+                <a:ea typeface="微软雅黑" panose="020B0503020204020204" pitchFamily="34" charset="-122"/>
+              </a:endParaRPr>
+            </a:p>
+          </p:txBody>
+        </p:sp>
+        <p:sp>
+          <p:nvSpPr>
+            <p:cNvPr id="13" name="文本框 12"/>
+            <p:cNvSpPr txBox="1"/>
+            <p:nvPr/>
+          </p:nvSpPr>
+          <p:spPr>
+            <a:xfrm>
+              <a:off x="6631619" y="1828235"/>
+              <a:ext cx="3666477" cy="307777"/>
+            </a:xfrm>
+            <a:prstGeom prst="rect">
+              <a:avLst/>
+            </a:prstGeom>
+            <a:noFill/>
+          </p:spPr>
+          <p:txBody>
+            <a:bodyPr wrap="square" rtlCol="0">
+              <a:spAutoFit/>
+            </a:bodyPr>
+            <a:lstStyle/>
+            <a:p>
+              <a:r>
+                <a:rPr lang="en-US" altLang="zh-CN" sz="1400" b="1" dirty="0">
+                  <a:solidFill>
+                    <a:schemeClr val="bg1"/>
+                  </a:solidFill>
+                  <a:latin typeface="微软雅黑" panose="020B0503020204020204" pitchFamily="34" charset="-122"/>
+                  <a:ea typeface="微软雅黑" panose="020B0503020204020204" pitchFamily="34" charset="-122"/>
+                </a:rPr>
+                <a:t>background of selected topic</a:t>
+              </a:r>
+              <a:endParaRPr lang="zh-CN" altLang="en-US" sz="1400" b="1" dirty="0">
+                <a:solidFill>
+                  <a:schemeClr val="bg1"/>
+                </a:solidFill>
+                <a:latin typeface="微软雅黑" panose="020B0503020204020204" pitchFamily="34" charset="-122"/>
+                <a:ea typeface="微软雅黑" panose="020B0503020204020204" pitchFamily="34" charset="-122"/>
+              </a:endParaRPr>
+            </a:p>
+          </p:txBody>
+        </p:sp>
+      </p:grpSp>
+      <p:grpSp>
+        <p:nvGrpSpPr>
+          <p:cNvPr id="15" name="组合 14"/>
+          <p:cNvGrpSpPr/>
+          <p:nvPr/>
+        </p:nvGrpSpPr>
+        <p:grpSpPr>
+          <a:xfrm>
+            <a:off x="5851864" y="2477554"/>
+            <a:ext cx="4446232" cy="733339"/>
+            <a:chOff x="5851864" y="1402673"/>
+            <a:chExt cx="4446232" cy="733339"/>
+          </a:xfrm>
+        </p:grpSpPr>
+        <p:grpSp>
+          <p:nvGrpSpPr>
+            <p:cNvPr id="16" name="组合 15"/>
+            <p:cNvGrpSpPr/>
+            <p:nvPr/>
+          </p:nvGrpSpPr>
+          <p:grpSpPr>
+            <a:xfrm>
+              <a:off x="5851864" y="1441597"/>
+              <a:ext cx="633518" cy="649189"/>
+              <a:chOff x="5344357" y="1873188"/>
+              <a:chExt cx="488272" cy="500350"/>
+            </a:xfrm>
+          </p:grpSpPr>
+          <p:sp>
+            <p:nvSpPr>
+              <p:cNvPr id="19" name="椭圆 18"/>
+              <p:cNvSpPr/>
+              <p:nvPr/>
+            </p:nvSpPr>
+            <p:spPr>
+              <a:xfrm>
+                <a:off x="5344357" y="1873188"/>
+                <a:ext cx="488272" cy="488272"/>
+              </a:xfrm>
+              <a:prstGeom prst="ellipse">
+                <a:avLst/>
+              </a:prstGeom>
+              <a:solidFill>
+                <a:schemeClr val="bg1"/>
+              </a:solidFill>
+              <a:ln>
+                <a:noFill/>
+              </a:ln>
+            </p:spPr>
+            <p:style>
+              <a:lnRef idx="2">
+                <a:schemeClr val="accent1">
+                  <a:shade val="50000"/>
+                </a:schemeClr>
+              </a:lnRef>
+              <a:fillRef idx="1">
+                <a:schemeClr val="accent1"/>
+              </a:fillRef>
+              <a:effectRef idx="0">
+                <a:schemeClr val="accent1"/>
+              </a:effectRef>
+              <a:fontRef idx="minor">
+                <a:schemeClr val="lt1"/>
+              </a:fontRef>
+            </p:style>
+            <p:txBody>
+              <a:bodyPr rtlCol="0" anchor="ctr"/>
+              <a:lstStyle/>
+              <a:p>
+                <a:pPr algn="ctr"/>
+                <a:endParaRPr lang="zh-CN" altLang="en-US"/>
+              </a:p>
+            </p:txBody>
+          </p:sp>
+          <p:sp>
+            <p:nvSpPr>
+              <p:cNvPr id="20" name="文本框 19"/>
+              <p:cNvSpPr txBox="1"/>
+              <p:nvPr/>
+            </p:nvSpPr>
+            <p:spPr>
+              <a:xfrm>
+                <a:off x="5407238" y="1875391"/>
+                <a:ext cx="310719" cy="498147"/>
+              </a:xfrm>
+              <a:prstGeom prst="rect">
+                <a:avLst/>
+              </a:prstGeom>
+              <a:noFill/>
+            </p:spPr>
+            <p:txBody>
+              <a:bodyPr wrap="square" rtlCol="0">
+                <a:spAutoFit/>
+              </a:bodyPr>
+              <a:lstStyle/>
+              <a:p>
+                <a:r>
+                  <a:rPr lang="en-US" altLang="zh-CN" sz="3600" b="1" dirty="0">
+                    <a:solidFill>
+                      <a:srgbClr val="0070C0"/>
+                    </a:solidFill>
+                    <a:latin typeface="微软雅黑" panose="020B0503020204020204" pitchFamily="34" charset="-122"/>
+                    <a:ea typeface="微软雅黑" panose="020B0503020204020204" pitchFamily="34" charset="-122"/>
+                  </a:rPr>
+                  <a:t>2</a:t>
+                </a:r>
+                <a:endParaRPr lang="zh-CN" altLang="en-US" sz="3600" b="1" dirty="0">
+                  <a:solidFill>
+                    <a:srgbClr val="0070C0"/>
+                  </a:solidFill>
+                  <a:latin typeface="微软雅黑" panose="020B0503020204020204" pitchFamily="34" charset="-122"/>
+                  <a:ea typeface="微软雅黑" panose="020B0503020204020204" pitchFamily="34" charset="-122"/>
+                </a:endParaRPr>
+              </a:p>
+            </p:txBody>
+          </p:sp>
+        </p:grpSp>
+        <p:sp>
+          <p:nvSpPr>
+            <p:cNvPr id="17" name="文本框 16"/>
+            <p:cNvSpPr txBox="1"/>
+            <p:nvPr/>
+          </p:nvSpPr>
+          <p:spPr>
+            <a:xfrm>
+              <a:off x="6622741" y="1402673"/>
+              <a:ext cx="3071674" cy="523220"/>
+            </a:xfrm>
+            <a:prstGeom prst="rect">
+              <a:avLst/>
+            </a:prstGeom>
+            <a:noFill/>
+          </p:spPr>
+          <p:txBody>
+            <a:bodyPr wrap="square" rtlCol="0">
+              <a:spAutoFit/>
+            </a:bodyPr>
+            <a:lstStyle/>
+            <a:p>
+              <a:r>
+                <a:rPr lang="zh-CN" altLang="en-US" sz="2800" b="1" dirty="0" smtClean="0">
+                  <a:solidFill>
+                    <a:schemeClr val="bg1"/>
+                  </a:solidFill>
+                  <a:latin typeface="微软雅黑" panose="020B0503020204020204" pitchFamily="34" charset="-122"/>
+                  <a:ea typeface="微软雅黑" panose="020B0503020204020204" pitchFamily="34" charset="-122"/>
+                </a:rPr>
+                <a:t>相关技术</a:t>
+              </a:r>
+              <a:endParaRPr lang="zh-CN" altLang="en-US" sz="2800" b="1" dirty="0">
+                <a:solidFill>
+                  <a:schemeClr val="bg1"/>
+                </a:solidFill>
+                <a:latin typeface="微软雅黑" panose="020B0503020204020204" pitchFamily="34" charset="-122"/>
+                <a:ea typeface="微软雅黑" panose="020B0503020204020204" pitchFamily="34" charset="-122"/>
+              </a:endParaRPr>
+            </a:p>
+          </p:txBody>
+        </p:sp>
+        <p:sp>
+          <p:nvSpPr>
+            <p:cNvPr id="18" name="文本框 17"/>
+            <p:cNvSpPr txBox="1"/>
+            <p:nvPr/>
+          </p:nvSpPr>
+          <p:spPr>
+            <a:xfrm>
+              <a:off x="6631619" y="1828235"/>
+              <a:ext cx="3666477" cy="307777"/>
+            </a:xfrm>
+            <a:prstGeom prst="rect">
+              <a:avLst/>
+            </a:prstGeom>
+            <a:noFill/>
+          </p:spPr>
+          <p:txBody>
+            <a:bodyPr wrap="square" rtlCol="0">
+              <a:spAutoFit/>
+            </a:bodyPr>
+            <a:lstStyle/>
+            <a:p>
+              <a:r>
+                <a:rPr lang="en-US" altLang="zh-CN" sz="1400" b="1" dirty="0">
+                  <a:solidFill>
+                    <a:schemeClr val="bg1"/>
+                  </a:solidFill>
+                  <a:latin typeface="微软雅黑" panose="020B0503020204020204" pitchFamily="34" charset="-122"/>
+                  <a:ea typeface="微软雅黑" panose="020B0503020204020204" pitchFamily="34" charset="-122"/>
+                </a:rPr>
+                <a:t>Related technologies</a:t>
+              </a:r>
+              <a:endParaRPr lang="zh-CN" altLang="en-US" sz="1400" b="1" dirty="0">
+                <a:solidFill>
+                  <a:schemeClr val="bg1"/>
+                </a:solidFill>
+                <a:latin typeface="微软雅黑" panose="020B0503020204020204" pitchFamily="34" charset="-122"/>
+                <a:ea typeface="微软雅黑" panose="020B0503020204020204" pitchFamily="34" charset="-122"/>
+              </a:endParaRPr>
+            </a:p>
+          </p:txBody>
+        </p:sp>
+      </p:grpSp>
+      <p:grpSp>
+        <p:nvGrpSpPr>
+          <p:cNvPr id="21" name="组合 20"/>
+          <p:cNvGrpSpPr/>
+          <p:nvPr/>
+        </p:nvGrpSpPr>
+        <p:grpSpPr>
+          <a:xfrm>
+            <a:off x="5851864" y="3652729"/>
+            <a:ext cx="4446232" cy="733339"/>
+            <a:chOff x="5851864" y="1402673"/>
+            <a:chExt cx="4446232" cy="733339"/>
+          </a:xfrm>
+        </p:grpSpPr>
+        <p:grpSp>
+          <p:nvGrpSpPr>
+            <p:cNvPr id="22" name="组合 21"/>
+            <p:cNvGrpSpPr/>
+            <p:nvPr/>
+          </p:nvGrpSpPr>
+          <p:grpSpPr>
+            <a:xfrm>
+              <a:off x="5851864" y="1441597"/>
+              <a:ext cx="633518" cy="649189"/>
+              <a:chOff x="5344357" y="1873188"/>
+              <a:chExt cx="488272" cy="500350"/>
+            </a:xfrm>
+          </p:grpSpPr>
+          <p:sp>
+            <p:nvSpPr>
+              <p:cNvPr id="25" name="椭圆 24"/>
+              <p:cNvSpPr/>
+              <p:nvPr/>
+            </p:nvSpPr>
+            <p:spPr>
+              <a:xfrm>
+                <a:off x="5344357" y="1873188"/>
+                <a:ext cx="488272" cy="488272"/>
+              </a:xfrm>
+              <a:prstGeom prst="ellipse">
+                <a:avLst/>
+              </a:prstGeom>
+              <a:solidFill>
+                <a:schemeClr val="bg1"/>
+              </a:solidFill>
+              <a:ln>
+                <a:noFill/>
+              </a:ln>
+            </p:spPr>
+            <p:style>
+              <a:lnRef idx="2">
+                <a:schemeClr val="accent1">
+                  <a:shade val="50000"/>
+                </a:schemeClr>
+              </a:lnRef>
+              <a:fillRef idx="1">
+                <a:schemeClr val="accent1"/>
+              </a:fillRef>
+              <a:effectRef idx="0">
+                <a:schemeClr val="accent1"/>
+              </a:effectRef>
+              <a:fontRef idx="minor">
+                <a:schemeClr val="lt1"/>
+              </a:fontRef>
+            </p:style>
+            <p:txBody>
+              <a:bodyPr rtlCol="0" anchor="ctr"/>
+              <a:lstStyle/>
+              <a:p>
+                <a:pPr algn="ctr"/>
+                <a:endParaRPr lang="zh-CN" altLang="en-US"/>
+              </a:p>
+            </p:txBody>
+          </p:sp>
+          <p:sp>
+            <p:nvSpPr>
+              <p:cNvPr id="26" name="文本框 25"/>
+              <p:cNvSpPr txBox="1"/>
+              <p:nvPr/>
+            </p:nvSpPr>
+            <p:spPr>
+              <a:xfrm>
+                <a:off x="5407238" y="1875391"/>
+                <a:ext cx="310719" cy="498147"/>
+              </a:xfrm>
+              <a:prstGeom prst="rect">
+                <a:avLst/>
+              </a:prstGeom>
+              <a:noFill/>
+            </p:spPr>
+            <p:txBody>
+              <a:bodyPr wrap="square" rtlCol="0">
+                <a:spAutoFit/>
+              </a:bodyPr>
+              <a:lstStyle/>
+              <a:p>
+                <a:r>
+                  <a:rPr lang="en-US" altLang="zh-CN" sz="3600" b="1" dirty="0">
+                    <a:solidFill>
+                      <a:srgbClr val="0070C0"/>
+                    </a:solidFill>
+                    <a:latin typeface="微软雅黑" panose="020B0503020204020204" pitchFamily="34" charset="-122"/>
+                    <a:ea typeface="微软雅黑" panose="020B0503020204020204" pitchFamily="34" charset="-122"/>
+                  </a:rPr>
+                  <a:t>3</a:t>
+                </a:r>
+                <a:endParaRPr lang="zh-CN" altLang="en-US" sz="3600" b="1" dirty="0">
+                  <a:solidFill>
+                    <a:srgbClr val="0070C0"/>
+                  </a:solidFill>
+                  <a:latin typeface="微软雅黑" panose="020B0503020204020204" pitchFamily="34" charset="-122"/>
+                  <a:ea typeface="微软雅黑" panose="020B0503020204020204" pitchFamily="34" charset="-122"/>
+                </a:endParaRPr>
+              </a:p>
+            </p:txBody>
+          </p:sp>
+        </p:grpSp>
+        <p:sp>
+          <p:nvSpPr>
+            <p:cNvPr id="23" name="文本框 22"/>
+            <p:cNvSpPr txBox="1"/>
+            <p:nvPr/>
+          </p:nvSpPr>
+          <p:spPr>
+            <a:xfrm>
+              <a:off x="6622741" y="1402673"/>
+              <a:ext cx="3071674" cy="523220"/>
+            </a:xfrm>
+            <a:prstGeom prst="rect">
+              <a:avLst/>
+            </a:prstGeom>
+            <a:noFill/>
+          </p:spPr>
+          <p:txBody>
+            <a:bodyPr wrap="square" rtlCol="0">
+              <a:spAutoFit/>
+            </a:bodyPr>
+            <a:lstStyle/>
+            <a:p>
+              <a:r>
+                <a:rPr lang="zh-CN" altLang="en-US" sz="2800" b="1" dirty="0" smtClean="0">
+                  <a:solidFill>
+                    <a:schemeClr val="bg1"/>
+                  </a:solidFill>
+                  <a:latin typeface="微软雅黑" panose="020B0503020204020204" pitchFamily="34" charset="-122"/>
+                  <a:ea typeface="微软雅黑" panose="020B0503020204020204" pitchFamily="34" charset="-122"/>
+                </a:rPr>
+                <a:t>设计及实现</a:t>
+              </a:r>
+              <a:endParaRPr lang="zh-CN" altLang="en-US" sz="2800" b="1" dirty="0">
+                <a:solidFill>
+                  <a:schemeClr val="bg1"/>
+                </a:solidFill>
+                <a:latin typeface="微软雅黑" panose="020B0503020204020204" pitchFamily="34" charset="-122"/>
+                <a:ea typeface="微软雅黑" panose="020B0503020204020204" pitchFamily="34" charset="-122"/>
+              </a:endParaRPr>
+            </a:p>
+          </p:txBody>
+        </p:sp>
+        <p:sp>
+          <p:nvSpPr>
+            <p:cNvPr id="24" name="文本框 23"/>
+            <p:cNvSpPr txBox="1"/>
+            <p:nvPr/>
+          </p:nvSpPr>
+          <p:spPr>
+            <a:xfrm>
+              <a:off x="6631619" y="1828235"/>
+              <a:ext cx="3666477" cy="307777"/>
+            </a:xfrm>
+            <a:prstGeom prst="rect">
+              <a:avLst/>
+            </a:prstGeom>
+            <a:noFill/>
+          </p:spPr>
+          <p:txBody>
+            <a:bodyPr wrap="square" rtlCol="0">
+              <a:spAutoFit/>
+            </a:bodyPr>
+            <a:lstStyle/>
+            <a:p>
+              <a:r>
+                <a:rPr lang="en-US" altLang="zh-CN" sz="1400" b="1" dirty="0">
+                  <a:solidFill>
+                    <a:schemeClr val="bg1"/>
+                  </a:solidFill>
+                  <a:latin typeface="微软雅黑" panose="020B0503020204020204" pitchFamily="34" charset="-122"/>
+                  <a:ea typeface="微软雅黑" panose="020B0503020204020204" pitchFamily="34" charset="-122"/>
+                </a:rPr>
+                <a:t>Design &amp;</a:t>
+              </a:r>
+              <a:r>
+                <a:rPr lang="en-US" altLang="zh-CN" sz="1400" b="1" dirty="0" smtClean="0">
+                  <a:solidFill>
+                    <a:schemeClr val="bg1"/>
+                  </a:solidFill>
+                  <a:latin typeface="微软雅黑" panose="020B0503020204020204" pitchFamily="34" charset="-122"/>
+                  <a:ea typeface="微软雅黑" panose="020B0503020204020204" pitchFamily="34" charset="-122"/>
+                </a:rPr>
+                <a:t> </a:t>
+              </a:r>
+              <a:r>
+                <a:rPr lang="en-US" altLang="zh-CN" sz="1400" b="1" dirty="0">
+                  <a:solidFill>
+                    <a:schemeClr val="bg1"/>
+                  </a:solidFill>
+                  <a:latin typeface="微软雅黑" panose="020B0503020204020204" pitchFamily="34" charset="-122"/>
+                  <a:ea typeface="微软雅黑" panose="020B0503020204020204" pitchFamily="34" charset="-122"/>
+                </a:rPr>
+                <a:t>implementation</a:t>
+              </a:r>
+              <a:endParaRPr lang="zh-CN" altLang="en-US" sz="1400" b="1" dirty="0">
+                <a:solidFill>
+                  <a:schemeClr val="bg1"/>
+                </a:solidFill>
+                <a:latin typeface="微软雅黑" panose="020B0503020204020204" pitchFamily="34" charset="-122"/>
+                <a:ea typeface="微软雅黑" panose="020B0503020204020204" pitchFamily="34" charset="-122"/>
+              </a:endParaRPr>
+            </a:p>
+          </p:txBody>
+        </p:sp>
+      </p:grpSp>
+      <p:grpSp>
+        <p:nvGrpSpPr>
+          <p:cNvPr id="27" name="组合 26"/>
+          <p:cNvGrpSpPr/>
+          <p:nvPr/>
+        </p:nvGrpSpPr>
+        <p:grpSpPr>
+          <a:xfrm>
+            <a:off x="5851864" y="4886796"/>
+            <a:ext cx="4446232" cy="733339"/>
+            <a:chOff x="5851864" y="1402673"/>
+            <a:chExt cx="4446232" cy="733339"/>
+          </a:xfrm>
+        </p:grpSpPr>
+        <p:grpSp>
+          <p:nvGrpSpPr>
+            <p:cNvPr id="28" name="组合 27"/>
+            <p:cNvGrpSpPr/>
+            <p:nvPr/>
+          </p:nvGrpSpPr>
+          <p:grpSpPr>
+            <a:xfrm>
+              <a:off x="5851864" y="1441597"/>
+              <a:ext cx="633518" cy="649189"/>
+              <a:chOff x="5344357" y="1873188"/>
+              <a:chExt cx="488272" cy="500350"/>
+            </a:xfrm>
+          </p:grpSpPr>
+          <p:sp>
+            <p:nvSpPr>
+              <p:cNvPr id="31" name="椭圆 30"/>
+              <p:cNvSpPr/>
+              <p:nvPr/>
+            </p:nvSpPr>
+            <p:spPr>
+              <a:xfrm>
+                <a:off x="5344357" y="1873188"/>
+                <a:ext cx="488272" cy="488272"/>
+              </a:xfrm>
+              <a:prstGeom prst="ellipse">
+                <a:avLst/>
+              </a:prstGeom>
+              <a:solidFill>
+                <a:schemeClr val="bg1"/>
+              </a:solidFill>
+              <a:ln>
+                <a:noFill/>
+              </a:ln>
+            </p:spPr>
+            <p:style>
+              <a:lnRef idx="2">
+                <a:schemeClr val="accent1">
+                  <a:shade val="50000"/>
+                </a:schemeClr>
+              </a:lnRef>
+              <a:fillRef idx="1">
+                <a:schemeClr val="accent1"/>
+              </a:fillRef>
+              <a:effectRef idx="0">
+                <a:schemeClr val="accent1"/>
+              </a:effectRef>
+              <a:fontRef idx="minor">
+                <a:schemeClr val="lt1"/>
+              </a:fontRef>
+            </p:style>
+            <p:txBody>
+              <a:bodyPr rtlCol="0" anchor="ctr"/>
+              <a:lstStyle/>
+              <a:p>
+                <a:pPr algn="ctr"/>
+                <a:endParaRPr lang="zh-CN" altLang="en-US"/>
+              </a:p>
+            </p:txBody>
+          </p:sp>
+          <p:sp>
+            <p:nvSpPr>
+              <p:cNvPr id="32" name="文本框 31"/>
+              <p:cNvSpPr txBox="1"/>
+              <p:nvPr/>
+            </p:nvSpPr>
+            <p:spPr>
+              <a:xfrm>
+                <a:off x="5407238" y="1875391"/>
+                <a:ext cx="310719" cy="498147"/>
+              </a:xfrm>
+              <a:prstGeom prst="rect">
+                <a:avLst/>
+              </a:prstGeom>
+              <a:noFill/>
+            </p:spPr>
+            <p:txBody>
+              <a:bodyPr wrap="square" rtlCol="0">
+                <a:spAutoFit/>
+              </a:bodyPr>
+              <a:lstStyle/>
+              <a:p>
+                <a:r>
+                  <a:rPr lang="en-US" altLang="zh-CN" sz="3600" b="1" dirty="0">
+                    <a:solidFill>
+                      <a:srgbClr val="0070C0"/>
+                    </a:solidFill>
+                    <a:latin typeface="微软雅黑" panose="020B0503020204020204" pitchFamily="34" charset="-122"/>
+                    <a:ea typeface="微软雅黑" panose="020B0503020204020204" pitchFamily="34" charset="-122"/>
+                  </a:rPr>
+                  <a:t>4</a:t>
+                </a:r>
+                <a:endParaRPr lang="zh-CN" altLang="en-US" sz="3600" b="1" dirty="0">
+                  <a:solidFill>
+                    <a:srgbClr val="0070C0"/>
+                  </a:solidFill>
+                  <a:latin typeface="微软雅黑" panose="020B0503020204020204" pitchFamily="34" charset="-122"/>
+                  <a:ea typeface="微软雅黑" panose="020B0503020204020204" pitchFamily="34" charset="-122"/>
+                </a:endParaRPr>
+              </a:p>
+            </p:txBody>
+          </p:sp>
+        </p:grpSp>
+        <p:sp>
+          <p:nvSpPr>
+            <p:cNvPr id="29" name="文本框 28"/>
+            <p:cNvSpPr txBox="1"/>
+            <p:nvPr/>
+          </p:nvSpPr>
+          <p:spPr>
+            <a:xfrm>
+              <a:off x="6622741" y="1402673"/>
+              <a:ext cx="3071674" cy="523220"/>
+            </a:xfrm>
+            <a:prstGeom prst="rect">
+              <a:avLst/>
+            </a:prstGeom>
+            <a:noFill/>
+          </p:spPr>
+          <p:txBody>
+            <a:bodyPr wrap="square" rtlCol="0">
+              <a:spAutoFit/>
+            </a:bodyPr>
+            <a:lstStyle/>
+            <a:p>
+              <a:r>
+                <a:rPr lang="zh-CN" altLang="en-US" sz="2800" b="1" dirty="0" smtClean="0">
+                  <a:solidFill>
+                    <a:schemeClr val="bg1"/>
+                  </a:solidFill>
+                  <a:latin typeface="微软雅黑" panose="020B0503020204020204" pitchFamily="34" charset="-122"/>
+                  <a:ea typeface="微软雅黑" panose="020B0503020204020204" pitchFamily="34" charset="-122"/>
+                </a:rPr>
+                <a:t>效果评估</a:t>
+              </a:r>
+              <a:endParaRPr lang="zh-CN" altLang="en-US" sz="2800" b="1" dirty="0">
+                <a:solidFill>
+                  <a:schemeClr val="bg1"/>
+                </a:solidFill>
+                <a:latin typeface="微软雅黑" panose="020B0503020204020204" pitchFamily="34" charset="-122"/>
+                <a:ea typeface="微软雅黑" panose="020B0503020204020204" pitchFamily="34" charset="-122"/>
+              </a:endParaRPr>
+            </a:p>
+          </p:txBody>
+        </p:sp>
+        <p:sp>
+          <p:nvSpPr>
+            <p:cNvPr id="30" name="文本框 29"/>
+            <p:cNvSpPr txBox="1"/>
+            <p:nvPr/>
+          </p:nvSpPr>
+          <p:spPr>
+            <a:xfrm>
+              <a:off x="6631619" y="1828235"/>
+              <a:ext cx="3666477" cy="307777"/>
+            </a:xfrm>
+            <a:prstGeom prst="rect">
+              <a:avLst/>
+            </a:prstGeom>
+            <a:noFill/>
+          </p:spPr>
+          <p:txBody>
+            <a:bodyPr wrap="square" rtlCol="0">
+              <a:spAutoFit/>
+            </a:bodyPr>
+            <a:lstStyle/>
+            <a:p>
+              <a:r>
+                <a:rPr lang="en-US" altLang="zh-CN" sz="1400" b="1" dirty="0">
+                  <a:solidFill>
+                    <a:schemeClr val="bg1"/>
+                  </a:solidFill>
+                  <a:latin typeface="微软雅黑" panose="020B0503020204020204" pitchFamily="34" charset="-122"/>
+                  <a:ea typeface="微软雅黑" panose="020B0503020204020204" pitchFamily="34" charset="-122"/>
+                </a:rPr>
+                <a:t>effect evaluation</a:t>
+              </a:r>
+              <a:endParaRPr lang="zh-CN" altLang="en-US" sz="1400" b="1" dirty="0">
+                <a:solidFill>
+                  <a:schemeClr val="bg1"/>
+                </a:solidFill>
+                <a:latin typeface="微软雅黑" panose="020B0503020204020204" pitchFamily="34" charset="-122"/>
+                <a:ea typeface="微软雅黑" panose="020B0503020204020204" pitchFamily="34" charset="-122"/>
+              </a:endParaRPr>
+            </a:p>
+          </p:txBody>
+        </p:sp>
+      </p:grpSp>
+    </p:spTree>
+    <p:extLst>
+      <p:ext uri="{BB962C8B-B14F-4D97-AF65-F5344CB8AC3E}">
+        <p14:creationId xmlns:p14="http://schemas.microsoft.com/office/powerpoint/2010/main" val="1380105930"/>
+      </p:ext>
+    </p:extLst>
+  </p:cSld>
+  <p:clrMapOvr>
+    <a:masterClrMapping/>
+  </p:clrMapOvr>
+  <p:timing>
+    <p:tnLst>
+      <p:par>
+        <p:cTn id="1" dur="indefinite" restart="never" nodeType="tmRoot"/>
+      </p:par>
+    </p:tnLst>
+  </p:timing>
+</p:sld>
+</file>
+
+<file path=ppt/slides/slide4.xml><?xml version="1.0" encoding="utf-8"?>
+<p:sld xmlns:a="http://schemas.openxmlformats.org/drawingml/2006/main" xmlns:r="http://schemas.openxmlformats.org/officeDocument/2006/relationships" xmlns:p="http://schemas.openxmlformats.org/presentationml/2006/main">
+  <p:cSld>
+    <p:spTree>
+      <p:nvGrpSpPr>
+        <p:cNvPr id="1" name=""/>
+        <p:cNvGrpSpPr/>
+        <p:nvPr/>
+      </p:nvGrpSpPr>
+      <p:grpSpPr>
+        <a:xfrm>
+          <a:off x="0" y="0"/>
+          <a:ext cx="0" cy="0"/>
+          <a:chOff x="0" y="0"/>
+          <a:chExt cx="0" cy="0"/>
+        </a:xfrm>
+      </p:grpSpPr>
+      <p:sp>
+        <p:nvSpPr>
+          <p:cNvPr id="4" name="矩形 3"/>
+          <p:cNvSpPr/>
+          <p:nvPr/>
+        </p:nvSpPr>
+        <p:spPr>
+          <a:xfrm>
+            <a:off x="0" y="0"/>
+            <a:ext cx="12192000" cy="6858000"/>
+          </a:xfrm>
+          <a:prstGeom prst="rect">
+            <a:avLst/>
+          </a:prstGeom>
+          <a:solidFill>
+            <a:srgbClr val="0070C0"/>
+          </a:solidFill>
+        </p:spPr>
+        <p:style>
+          <a:lnRef idx="2">
+            <a:schemeClr val="accent1">
+              <a:shade val="50000"/>
+            </a:schemeClr>
+          </a:lnRef>
+          <a:fillRef idx="1">
+            <a:schemeClr val="accent1"/>
+          </a:fillRef>
+          <a:effectRef idx="0">
+            <a:schemeClr val="accent1"/>
+          </a:effectRef>
+          <a:fontRef idx="minor">
+            <a:schemeClr val="lt1"/>
+          </a:fontRef>
+        </p:style>
+        <p:txBody>
+          <a:bodyPr rtlCol="0" anchor="ctr"/>
+          <a:lstStyle/>
+          <a:p>
+            <a:pPr algn="ctr"/>
+            <a:endParaRPr lang="zh-CN" altLang="en-US" dirty="0"/>
+          </a:p>
+        </p:txBody>
+      </p:sp>
+      <p:sp>
+        <p:nvSpPr>
+          <p:cNvPr id="2" name="文本框 1"/>
+          <p:cNvSpPr txBox="1"/>
+          <p:nvPr/>
+        </p:nvSpPr>
+        <p:spPr>
+          <a:xfrm>
+            <a:off x="2467991" y="1335789"/>
+            <a:ext cx="2566728" cy="3323987"/>
+          </a:xfrm>
+          <a:prstGeom prst="rect">
+            <a:avLst/>
+          </a:prstGeom>
+          <a:noFill/>
+        </p:spPr>
+        <p:txBody>
+          <a:bodyPr wrap="none" rtlCol="0">
+            <a:spAutoFit/>
+          </a:bodyPr>
+          <a:lstStyle/>
+          <a:p>
+            <a:r>
+              <a:rPr lang="en-US" altLang="zh-CN" sz="21000" dirty="0" smtClean="0">
+                <a:solidFill>
+                  <a:schemeClr val="bg1"/>
+                </a:solidFill>
+                <a:latin typeface="Bahnschrift SemiBold" panose="020B0502040204020203" pitchFamily="34" charset="0"/>
+              </a:rPr>
+              <a:t>01</a:t>
+            </a:r>
+            <a:endParaRPr lang="zh-CN" altLang="en-US" sz="21000" dirty="0">
+              <a:solidFill>
+                <a:schemeClr val="bg1"/>
+              </a:solidFill>
+              <a:latin typeface="Bahnschrift SemiBold" panose="020B0502040204020203" pitchFamily="34" charset="0"/>
+            </a:endParaRPr>
+          </a:p>
+        </p:txBody>
+      </p:sp>
+      <p:sp>
+        <p:nvSpPr>
+          <p:cNvPr id="6" name="文本框 5"/>
+          <p:cNvSpPr txBox="1"/>
+          <p:nvPr/>
+        </p:nvSpPr>
+        <p:spPr>
+          <a:xfrm>
+            <a:off x="5070231" y="2012308"/>
+            <a:ext cx="4288353" cy="1323439"/>
+          </a:xfrm>
+          <a:prstGeom prst="rect">
+            <a:avLst/>
+          </a:prstGeom>
+          <a:noFill/>
+        </p:spPr>
+        <p:txBody>
+          <a:bodyPr wrap="none" rtlCol="0">
+            <a:spAutoFit/>
+          </a:bodyPr>
+          <a:lstStyle/>
+          <a:p>
+            <a:r>
+              <a:rPr lang="zh-CN" altLang="en-US" sz="8000" b="1" dirty="0" smtClean="0">
+                <a:solidFill>
+                  <a:schemeClr val="bg1"/>
+                </a:solidFill>
+                <a:latin typeface="微软雅黑" panose="020B0503020204020204" pitchFamily="34" charset="-122"/>
+                <a:ea typeface="微软雅黑" panose="020B0503020204020204" pitchFamily="34" charset="-122"/>
+              </a:rPr>
+              <a:t>选题背景</a:t>
+            </a:r>
+            <a:endParaRPr lang="zh-CN" altLang="en-US" sz="8000" b="1" dirty="0">
+              <a:solidFill>
+                <a:schemeClr val="bg1"/>
+              </a:solidFill>
+              <a:latin typeface="微软雅黑" panose="020B0503020204020204" pitchFamily="34" charset="-122"/>
+              <a:ea typeface="微软雅黑" panose="020B0503020204020204" pitchFamily="34" charset="-122"/>
+            </a:endParaRPr>
+          </a:p>
+        </p:txBody>
+      </p:sp>
+      <p:sp>
+        <p:nvSpPr>
+          <p:cNvPr id="7" name="文本框 6"/>
+          <p:cNvSpPr txBox="1"/>
+          <p:nvPr/>
+        </p:nvSpPr>
+        <p:spPr>
+          <a:xfrm>
+            <a:off x="5070231" y="3428999"/>
+            <a:ext cx="4144790" cy="700576"/>
+          </a:xfrm>
+          <a:prstGeom prst="rect">
+            <a:avLst/>
+          </a:prstGeom>
+          <a:noFill/>
+        </p:spPr>
+        <p:txBody>
+          <a:bodyPr wrap="square" rtlCol="0">
+            <a:spAutoFit/>
+          </a:bodyPr>
+          <a:lstStyle/>
+          <a:p>
+            <a:pPr>
+              <a:lnSpc>
+                <a:spcPct val="150000"/>
+              </a:lnSpc>
+            </a:pPr>
+            <a:r>
+              <a:rPr lang="zh-CN" altLang="zh-CN" sz="1400" b="1" dirty="0">
+                <a:solidFill>
+                  <a:schemeClr val="bg1"/>
+                </a:solidFill>
+                <a:latin typeface="微软雅黑" panose="020B0503020204020204" pitchFamily="34" charset="-122"/>
+                <a:ea typeface="微软雅黑" panose="020B0503020204020204" pitchFamily="34" charset="-122"/>
+              </a:rPr>
+              <a:t>前端开发技术的发展时间相对较短，但是发展速度却非常快，并且技术的迭代也十分迅速</a:t>
+            </a:r>
+            <a:endParaRPr lang="zh-CN" altLang="en-US" sz="1400" b="1" dirty="0">
+              <a:solidFill>
+                <a:schemeClr val="bg1"/>
+              </a:solidFill>
+              <a:latin typeface="微软雅黑" panose="020B0503020204020204" pitchFamily="34" charset="-122"/>
+              <a:ea typeface="微软雅黑" panose="020B0503020204020204" pitchFamily="34" charset="-122"/>
+            </a:endParaRPr>
+          </a:p>
+        </p:txBody>
+      </p:sp>
+    </p:spTree>
+    <p:extLst>
+      <p:ext uri="{BB962C8B-B14F-4D97-AF65-F5344CB8AC3E}">
+        <p14:creationId xmlns:p14="http://schemas.microsoft.com/office/powerpoint/2010/main" val="1241409993"/>
+      </p:ext>
+    </p:extLst>
+  </p:cSld>
+  <p:clrMapOvr>
+    <a:masterClrMapping/>
+  </p:clrMapOvr>
+  <p:timing>
+    <p:tnLst>
+      <p:par>
+        <p:cTn id="1" dur="indefinite" restart="never" nodeType="tmRoot"/>
+      </p:par>
+    </p:tnLst>
+  </p:timing>
+</p:sld>
+</file>
+
+<file path=ppt/slides/slide5.xml><?xml version="1.0" encoding="utf-8"?>
+<p:sld xmlns:a="http://schemas.openxmlformats.org/drawingml/2006/main" xmlns:r="http://schemas.openxmlformats.org/officeDocument/2006/relationships" xmlns:p="http://schemas.openxmlformats.org/presentationml/2006/main">
+  <p:cSld>
+    <p:spTree>
+      <p:nvGrpSpPr>
+        <p:cNvPr id="1" name=""/>
+        <p:cNvGrpSpPr/>
+        <p:nvPr/>
+      </p:nvGrpSpPr>
+      <p:grpSpPr>
+        <a:xfrm>
+          <a:off x="0" y="0"/>
+          <a:ext cx="0" cy="0"/>
+          <a:chOff x="0" y="0"/>
+          <a:chExt cx="0" cy="0"/>
+        </a:xfrm>
+      </p:grpSpPr>
+      <p:sp>
+        <p:nvSpPr>
+          <p:cNvPr id="4" name="矩形 3"/>
+          <p:cNvSpPr/>
+          <p:nvPr/>
+        </p:nvSpPr>
+        <p:spPr>
+          <a:xfrm>
+            <a:off x="0" y="0"/>
+            <a:ext cx="12192000" cy="572655"/>
+          </a:xfrm>
+          <a:prstGeom prst="rect">
+            <a:avLst/>
+          </a:prstGeom>
+          <a:solidFill>
+            <a:srgbClr val="0070C0"/>
+          </a:solidFill>
+        </p:spPr>
+        <p:style>
+          <a:lnRef idx="2">
+            <a:schemeClr val="accent1">
+              <a:shade val="50000"/>
+            </a:schemeClr>
+          </a:lnRef>
+          <a:fillRef idx="1">
+            <a:schemeClr val="accent1"/>
+          </a:fillRef>
+          <a:effectRef idx="0">
+            <a:schemeClr val="accent1"/>
+          </a:effectRef>
+          <a:fontRef idx="minor">
+            <a:schemeClr val="lt1"/>
+          </a:fontRef>
+        </p:style>
+        <p:txBody>
+          <a:bodyPr rtlCol="0" anchor="ctr"/>
+          <a:lstStyle/>
+          <a:p>
+            <a:pPr algn="ctr"/>
+            <a:endParaRPr lang="zh-CN" altLang="en-US"/>
+          </a:p>
+        </p:txBody>
+      </p:sp>
+      <p:sp>
+        <p:nvSpPr>
+          <p:cNvPr id="5" name="文本框 4"/>
+          <p:cNvSpPr txBox="1"/>
+          <p:nvPr/>
+        </p:nvSpPr>
+        <p:spPr>
+          <a:xfrm>
+            <a:off x="464160" y="27883"/>
+            <a:ext cx="1620957" cy="523220"/>
+          </a:xfrm>
+          <a:prstGeom prst="rect">
+            <a:avLst/>
+          </a:prstGeom>
+          <a:noFill/>
+        </p:spPr>
+        <p:txBody>
+          <a:bodyPr wrap="none" rtlCol="0">
+            <a:spAutoFit/>
+          </a:bodyPr>
+          <a:lstStyle/>
+          <a:p>
+            <a:r>
+              <a:rPr lang="zh-CN" altLang="en-US" sz="2800" b="1" dirty="0" smtClean="0">
+                <a:solidFill>
+                  <a:schemeClr val="bg1"/>
+                </a:solidFill>
+                <a:latin typeface="微软雅黑" panose="020B0503020204020204" pitchFamily="34" charset="-122"/>
+                <a:ea typeface="微软雅黑" panose="020B0503020204020204" pitchFamily="34" charset="-122"/>
+              </a:rPr>
+              <a:t>选题背景</a:t>
+            </a:r>
+            <a:endParaRPr lang="zh-CN" altLang="en-US" sz="2800" b="1" dirty="0">
+              <a:solidFill>
+                <a:schemeClr val="bg1"/>
+              </a:solidFill>
+              <a:latin typeface="微软雅黑" panose="020B0503020204020204" pitchFamily="34" charset="-122"/>
+              <a:ea typeface="微软雅黑" panose="020B0503020204020204" pitchFamily="34" charset="-122"/>
+            </a:endParaRPr>
+          </a:p>
+        </p:txBody>
+      </p:sp>
+      <p:sp>
+        <p:nvSpPr>
+          <p:cNvPr id="6" name="椭圆 5"/>
+          <p:cNvSpPr/>
+          <p:nvPr/>
+        </p:nvSpPr>
+        <p:spPr>
+          <a:xfrm>
+            <a:off x="69901" y="74063"/>
+            <a:ext cx="424701" cy="424701"/>
+          </a:xfrm>
+          <a:prstGeom prst="ellipse">
+            <a:avLst/>
+          </a:prstGeom>
+          <a:solidFill>
+            <a:schemeClr val="bg1"/>
+          </a:solidFill>
+          <a:ln>
+            <a:noFill/>
+          </a:ln>
+        </p:spPr>
+        <p:style>
+          <a:lnRef idx="2">
+            <a:schemeClr val="accent1">
+              <a:shade val="50000"/>
+            </a:schemeClr>
+          </a:lnRef>
+          <a:fillRef idx="1">
+            <a:schemeClr val="accent1"/>
+          </a:fillRef>
+          <a:effectRef idx="0">
+            <a:schemeClr val="accent1"/>
+          </a:effectRef>
+          <a:fontRef idx="minor">
+            <a:schemeClr val="lt1"/>
+          </a:fontRef>
+        </p:style>
+        <p:txBody>
+          <a:bodyPr rtlCol="0" anchor="ctr"/>
+          <a:lstStyle/>
+          <a:p>
+            <a:pPr algn="ctr"/>
+            <a:endParaRPr lang="zh-CN" altLang="en-US"/>
+          </a:p>
+        </p:txBody>
+      </p:sp>
+      <p:sp>
+        <p:nvSpPr>
+          <p:cNvPr id="7" name="文本框 6"/>
+          <p:cNvSpPr txBox="1"/>
+          <p:nvPr/>
+        </p:nvSpPr>
+        <p:spPr>
+          <a:xfrm>
+            <a:off x="80030" y="33542"/>
+            <a:ext cx="403148" cy="523220"/>
+          </a:xfrm>
+          <a:prstGeom prst="rect">
+            <a:avLst/>
+          </a:prstGeom>
+          <a:noFill/>
+        </p:spPr>
+        <p:txBody>
+          <a:bodyPr wrap="square" rtlCol="0">
+            <a:spAutoFit/>
+          </a:bodyPr>
+          <a:lstStyle/>
+          <a:p>
+            <a:r>
+              <a:rPr lang="en-US" altLang="zh-CN" sz="2800" b="1" dirty="0" smtClean="0">
+                <a:solidFill>
+                  <a:srgbClr val="0070C0"/>
+                </a:solidFill>
+                <a:latin typeface="微软雅黑" panose="020B0503020204020204" pitchFamily="34" charset="-122"/>
+                <a:ea typeface="微软雅黑" panose="020B0503020204020204" pitchFamily="34" charset="-122"/>
+              </a:rPr>
+              <a:t>1</a:t>
+            </a:r>
+            <a:endParaRPr lang="zh-CN" altLang="en-US" sz="2800" b="1" dirty="0">
+              <a:solidFill>
+                <a:srgbClr val="0070C0"/>
+              </a:solidFill>
+              <a:latin typeface="微软雅黑" panose="020B0503020204020204" pitchFamily="34" charset="-122"/>
+              <a:ea typeface="微软雅黑" panose="020B0503020204020204" pitchFamily="34" charset="-122"/>
+            </a:endParaRPr>
+          </a:p>
+        </p:txBody>
+      </p:sp>
+    </p:spTree>
+    <p:extLst>
+      <p:ext uri="{BB962C8B-B14F-4D97-AF65-F5344CB8AC3E}">
+        <p14:creationId xmlns:p14="http://schemas.microsoft.com/office/powerpoint/2010/main" val="2188522596"/>
+      </p:ext>
+    </p:extLst>
+  </p:cSld>
+  <p:clrMapOvr>
+    <a:masterClrMapping/>
+  </p:clrMapOvr>
+  <p:timing>
+    <p:tnLst>
+      <p:par>
+        <p:cTn id="1" dur="indefinite" restart="never" nodeType="tmRoot"/>
+      </p:par>
+    </p:tnLst>
+  </p:timing>
+</p:sld>
+</file>
+
+<file path=ppt/slides/slide6.xml><?xml version="1.0" encoding="utf-8"?>
+<p:sld xmlns:a="http://schemas.openxmlformats.org/drawingml/2006/main" xmlns:r="http://schemas.openxmlformats.org/officeDocument/2006/relationships" xmlns:p="http://schemas.openxmlformats.org/presentationml/2006/main">
+  <p:cSld>
+    <p:spTree>
+      <p:nvGrpSpPr>
+        <p:cNvPr id="1" name=""/>
+        <p:cNvGrpSpPr/>
+        <p:nvPr/>
+      </p:nvGrpSpPr>
+      <p:grpSpPr>
+        <a:xfrm>
+          <a:off x="0" y="0"/>
+          <a:ext cx="0" cy="0"/>
+          <a:chOff x="0" y="0"/>
+          <a:chExt cx="0" cy="0"/>
+        </a:xfrm>
+      </p:grpSpPr>
+      <p:sp>
+        <p:nvSpPr>
+          <p:cNvPr id="4" name="矩形 3"/>
+          <p:cNvSpPr/>
+          <p:nvPr/>
+        </p:nvSpPr>
+        <p:spPr>
+          <a:xfrm>
+            <a:off x="0" y="0"/>
+            <a:ext cx="12192000" cy="6858000"/>
+          </a:xfrm>
+          <a:prstGeom prst="rect">
+            <a:avLst/>
+          </a:prstGeom>
+          <a:solidFill>
+            <a:srgbClr val="0070C0"/>
+          </a:solidFill>
+          <a:effectLst>
+            <a:outerShdw blurRad="76200" dir="13500000" sy="23000" kx="1200000" algn="br" rotWithShape="0">
+              <a:prstClr val="black">
+                <a:alpha val="20000"/>
+              </a:prstClr>
+            </a:outerShdw>
+          </a:effectLst>
+        </p:spPr>
+        <p:style>
+          <a:lnRef idx="2">
+            <a:schemeClr val="accent1">
+              <a:shade val="50000"/>
+            </a:schemeClr>
+          </a:lnRef>
+          <a:fillRef idx="1">
+            <a:schemeClr val="accent1"/>
+          </a:fillRef>
+          <a:effectRef idx="0">
+            <a:schemeClr val="accent1"/>
+          </a:effectRef>
+          <a:fontRef idx="minor">
+            <a:schemeClr val="lt1"/>
+          </a:fontRef>
+        </p:style>
+        <p:txBody>
+          <a:bodyPr rtlCol="0" anchor="ctr"/>
+          <a:lstStyle/>
+          <a:p>
+            <a:pPr algn="ctr"/>
+            <a:endParaRPr lang="zh-CN" altLang="en-US" dirty="0"/>
+          </a:p>
+        </p:txBody>
+      </p:sp>
+      <p:sp>
+        <p:nvSpPr>
+          <p:cNvPr id="2" name="文本框 1"/>
+          <p:cNvSpPr txBox="1"/>
+          <p:nvPr/>
+        </p:nvSpPr>
+        <p:spPr>
+          <a:xfrm>
+            <a:off x="2068491" y="1353545"/>
+            <a:ext cx="3062057" cy="3323987"/>
+          </a:xfrm>
+          <a:prstGeom prst="rect">
+            <a:avLst/>
+          </a:prstGeom>
+          <a:noFill/>
+          <a:effectLst>
+            <a:outerShdw blurRad="76200" dir="13500000" sy="23000" kx="1200000" algn="br" rotWithShape="0">
+              <a:prstClr val="black">
+                <a:alpha val="20000"/>
+              </a:prstClr>
+            </a:outerShdw>
+          </a:effectLst>
+        </p:spPr>
+        <p:txBody>
+          <a:bodyPr wrap="none" rtlCol="0">
+            <a:spAutoFit/>
+          </a:bodyPr>
+          <a:lstStyle/>
+          <a:p>
+            <a:r>
+              <a:rPr lang="en-US" altLang="zh-CN" sz="21000" dirty="0" smtClean="0">
+                <a:solidFill>
+                  <a:schemeClr val="bg1"/>
+                </a:solidFill>
+                <a:latin typeface="Bahnschrift SemiBold" panose="020B0502040204020203" pitchFamily="34" charset="0"/>
+              </a:rPr>
+              <a:t>02</a:t>
+            </a:r>
+            <a:endParaRPr lang="zh-CN" altLang="en-US" sz="21000" dirty="0">
+              <a:solidFill>
+                <a:schemeClr val="bg1"/>
+              </a:solidFill>
+              <a:latin typeface="Bahnschrift SemiBold" panose="020B0502040204020203" pitchFamily="34" charset="0"/>
+            </a:endParaRPr>
+          </a:p>
+        </p:txBody>
+      </p:sp>
+      <p:sp>
+        <p:nvSpPr>
+          <p:cNvPr id="6" name="文本框 5"/>
+          <p:cNvSpPr txBox="1"/>
+          <p:nvPr/>
+        </p:nvSpPr>
+        <p:spPr>
+          <a:xfrm>
+            <a:off x="5070231" y="2012308"/>
+            <a:ext cx="4288353" cy="1323439"/>
+          </a:xfrm>
+          <a:prstGeom prst="rect">
+            <a:avLst/>
+          </a:prstGeom>
+          <a:noFill/>
+          <a:effectLst>
+            <a:outerShdw blurRad="76200" dir="13500000" sy="23000" kx="1200000" algn="br" rotWithShape="0">
+              <a:prstClr val="black">
+                <a:alpha val="20000"/>
+              </a:prstClr>
+            </a:outerShdw>
+          </a:effectLst>
+        </p:spPr>
+        <p:txBody>
+          <a:bodyPr wrap="none" rtlCol="0">
+            <a:spAutoFit/>
+          </a:bodyPr>
+          <a:lstStyle/>
+          <a:p>
+            <a:r>
+              <a:rPr lang="zh-CN" altLang="en-US" sz="8000" b="1" dirty="0" smtClean="0">
+                <a:solidFill>
+                  <a:schemeClr val="bg1"/>
+                </a:solidFill>
+                <a:latin typeface="微软雅黑" panose="020B0503020204020204" pitchFamily="34" charset="-122"/>
+                <a:ea typeface="微软雅黑" panose="020B0503020204020204" pitchFamily="34" charset="-122"/>
+              </a:rPr>
+              <a:t>相关技术</a:t>
+            </a:r>
+            <a:endParaRPr lang="zh-CN" altLang="en-US" sz="8000" b="1" dirty="0">
+              <a:solidFill>
+                <a:schemeClr val="bg1"/>
+              </a:solidFill>
+              <a:latin typeface="微软雅黑" panose="020B0503020204020204" pitchFamily="34" charset="-122"/>
+              <a:ea typeface="微软雅黑" panose="020B0503020204020204" pitchFamily="34" charset="-122"/>
+            </a:endParaRPr>
+          </a:p>
+        </p:txBody>
+      </p:sp>
+      <p:sp>
+        <p:nvSpPr>
+          <p:cNvPr id="7" name="文本框 6"/>
+          <p:cNvSpPr txBox="1"/>
+          <p:nvPr/>
+        </p:nvSpPr>
+        <p:spPr>
+          <a:xfrm>
+            <a:off x="5070231" y="3428999"/>
+            <a:ext cx="4144790" cy="700576"/>
+          </a:xfrm>
+          <a:prstGeom prst="rect">
+            <a:avLst/>
+          </a:prstGeom>
+          <a:noFill/>
+          <a:effectLst>
+            <a:outerShdw blurRad="76200" dir="13500000" sy="23000" kx="1200000" algn="br" rotWithShape="0">
+              <a:prstClr val="black">
+                <a:alpha val="20000"/>
+              </a:prstClr>
+            </a:outerShdw>
+          </a:effectLst>
+        </p:spPr>
+        <p:txBody>
+          <a:bodyPr wrap="square" rtlCol="0">
+            <a:spAutoFit/>
+          </a:bodyPr>
+          <a:lstStyle/>
+          <a:p>
+            <a:pPr>
+              <a:lnSpc>
+                <a:spcPct val="150000"/>
+              </a:lnSpc>
+            </a:pPr>
+            <a:r>
+              <a:rPr lang="zh-CN" altLang="zh-CN" sz="1400" b="1" dirty="0">
+                <a:solidFill>
+                  <a:schemeClr val="bg1"/>
+                </a:solidFill>
+                <a:latin typeface="微软雅黑" panose="020B0503020204020204" pitchFamily="34" charset="-122"/>
+                <a:ea typeface="微软雅黑" panose="020B0503020204020204" pitchFamily="34" charset="-122"/>
+              </a:rPr>
+              <a:t>前端开发技术的发展时间相对较短，但是发展速度却非常快，并且技术的迭代也十分迅速</a:t>
+            </a:r>
+            <a:endParaRPr lang="zh-CN" altLang="en-US" sz="1400" b="1" dirty="0">
+              <a:solidFill>
+                <a:schemeClr val="bg1"/>
+              </a:solidFill>
+              <a:latin typeface="微软雅黑" panose="020B0503020204020204" pitchFamily="34" charset="-122"/>
+              <a:ea typeface="微软雅黑" panose="020B0503020204020204" pitchFamily="34" charset="-122"/>
+            </a:endParaRPr>
+          </a:p>
+        </p:txBody>
+      </p:sp>
+    </p:spTree>
+    <p:extLst>
+      <p:ext uri="{BB962C8B-B14F-4D97-AF65-F5344CB8AC3E}">
+        <p14:creationId xmlns:p14="http://schemas.microsoft.com/office/powerpoint/2010/main" val="1368242707"/>
+      </p:ext>
+    </p:extLst>
+  </p:cSld>
+  <p:clrMapOvr>
+    <a:masterClrMapping/>
+  </p:clrMapOvr>
+  <p:timing>
+    <p:tnLst>
+      <p:par>
+        <p:cTn id="1" dur="indefinite" restart="never" nodeType="tmRoot"/>
+      </p:par>
+    </p:tnLst>
+  </p:timing>
+</p:sld>
+</file>
+
+<file path=ppt/slides/slide7.xml><?xml version="1.0" encoding="utf-8"?>
+<p:sld xmlns:a="http://schemas.openxmlformats.org/drawingml/2006/main" xmlns:r="http://schemas.openxmlformats.org/officeDocument/2006/relationships" xmlns:p="http://schemas.openxmlformats.org/presentationml/2006/main">
+  <p:cSld>
+    <p:spTree>
+      <p:nvGrpSpPr>
+        <p:cNvPr id="1" name=""/>
+        <p:cNvGrpSpPr/>
+        <p:nvPr/>
+      </p:nvGrpSpPr>
+      <p:grpSpPr>
+        <a:xfrm>
+          <a:off x="0" y="0"/>
+          <a:ext cx="0" cy="0"/>
+          <a:chOff x="0" y="0"/>
+          <a:chExt cx="0" cy="0"/>
+        </a:xfrm>
+      </p:grpSpPr>
+      <p:sp>
+        <p:nvSpPr>
+          <p:cNvPr id="4" name="矩形 3"/>
+          <p:cNvSpPr/>
+          <p:nvPr/>
+        </p:nvSpPr>
+        <p:spPr>
+          <a:xfrm>
+            <a:off x="0" y="0"/>
+            <a:ext cx="12192000" cy="572655"/>
+          </a:xfrm>
+          <a:prstGeom prst="rect">
+            <a:avLst/>
+          </a:prstGeom>
+          <a:solidFill>
+            <a:srgbClr val="0070C0"/>
+          </a:solidFill>
+        </p:spPr>
+        <p:style>
+          <a:lnRef idx="2">
+            <a:schemeClr val="accent1">
+              <a:shade val="50000"/>
+            </a:schemeClr>
+          </a:lnRef>
+          <a:fillRef idx="1">
+            <a:schemeClr val="accent1"/>
+          </a:fillRef>
+          <a:effectRef idx="0">
+            <a:schemeClr val="accent1"/>
+          </a:effectRef>
+          <a:fontRef idx="minor">
+            <a:schemeClr val="lt1"/>
+          </a:fontRef>
+        </p:style>
+        <p:txBody>
+          <a:bodyPr rtlCol="0" anchor="ctr"/>
+          <a:lstStyle/>
+          <a:p>
+            <a:pPr algn="ctr"/>
+            <a:endParaRPr lang="zh-CN" altLang="en-US"/>
+          </a:p>
+        </p:txBody>
+      </p:sp>
+      <p:sp>
+        <p:nvSpPr>
+          <p:cNvPr id="5" name="文本框 4"/>
+          <p:cNvSpPr txBox="1"/>
+          <p:nvPr/>
+        </p:nvSpPr>
+        <p:spPr>
+          <a:xfrm>
+            <a:off x="464160" y="27883"/>
+            <a:ext cx="1620957" cy="523220"/>
+          </a:xfrm>
+          <a:prstGeom prst="rect">
+            <a:avLst/>
+          </a:prstGeom>
+          <a:noFill/>
+        </p:spPr>
+        <p:txBody>
+          <a:bodyPr wrap="none" rtlCol="0">
+            <a:spAutoFit/>
+          </a:bodyPr>
+          <a:lstStyle/>
+          <a:p>
+            <a:r>
+              <a:rPr lang="zh-CN" altLang="en-US" sz="2800" b="1" dirty="0" smtClean="0">
+                <a:solidFill>
+                  <a:schemeClr val="bg1"/>
+                </a:solidFill>
+                <a:latin typeface="微软雅黑" panose="020B0503020204020204" pitchFamily="34" charset="-122"/>
+                <a:ea typeface="微软雅黑" panose="020B0503020204020204" pitchFamily="34" charset="-122"/>
+              </a:rPr>
+              <a:t>相关技术</a:t>
+            </a:r>
+            <a:endParaRPr lang="zh-CN" altLang="en-US" sz="2800" b="1" dirty="0">
+              <a:solidFill>
+                <a:schemeClr val="bg1"/>
+              </a:solidFill>
+              <a:latin typeface="微软雅黑" panose="020B0503020204020204" pitchFamily="34" charset="-122"/>
+              <a:ea typeface="微软雅黑" panose="020B0503020204020204" pitchFamily="34" charset="-122"/>
+            </a:endParaRPr>
+          </a:p>
+        </p:txBody>
+      </p:sp>
+      <p:sp>
+        <p:nvSpPr>
+          <p:cNvPr id="6" name="椭圆 5"/>
+          <p:cNvSpPr/>
+          <p:nvPr/>
+        </p:nvSpPr>
+        <p:spPr>
+          <a:xfrm>
+            <a:off x="69901" y="74063"/>
+            <a:ext cx="424701" cy="424701"/>
+          </a:xfrm>
+          <a:prstGeom prst="ellipse">
+            <a:avLst/>
+          </a:prstGeom>
+          <a:solidFill>
+            <a:schemeClr val="bg1"/>
+          </a:solidFill>
+          <a:ln>
+            <a:noFill/>
+          </a:ln>
+        </p:spPr>
+        <p:style>
+          <a:lnRef idx="2">
+            <a:schemeClr val="accent1">
+              <a:shade val="50000"/>
+            </a:schemeClr>
+          </a:lnRef>
+          <a:fillRef idx="1">
+            <a:schemeClr val="accent1"/>
+          </a:fillRef>
+          <a:effectRef idx="0">
+            <a:schemeClr val="accent1"/>
+          </a:effectRef>
+          <a:fontRef idx="minor">
+            <a:schemeClr val="lt1"/>
+          </a:fontRef>
+        </p:style>
+        <p:txBody>
+          <a:bodyPr rtlCol="0" anchor="ctr"/>
+          <a:lstStyle/>
+          <a:p>
+            <a:pPr algn="ctr"/>
+            <a:endParaRPr lang="zh-CN" altLang="en-US"/>
+          </a:p>
+        </p:txBody>
+      </p:sp>
+      <p:sp>
+        <p:nvSpPr>
+          <p:cNvPr id="7" name="文本框 6"/>
+          <p:cNvSpPr txBox="1"/>
+          <p:nvPr/>
+        </p:nvSpPr>
+        <p:spPr>
+          <a:xfrm>
+            <a:off x="80030" y="33542"/>
+            <a:ext cx="403148" cy="523220"/>
+          </a:xfrm>
+          <a:prstGeom prst="rect">
+            <a:avLst/>
+          </a:prstGeom>
+          <a:noFill/>
+        </p:spPr>
+        <p:txBody>
+          <a:bodyPr wrap="square" rtlCol="0">
+            <a:spAutoFit/>
+          </a:bodyPr>
+          <a:lstStyle/>
+          <a:p>
+            <a:r>
+              <a:rPr lang="en-US" altLang="zh-CN" sz="2800" b="1" dirty="0">
+                <a:solidFill>
+                  <a:srgbClr val="0070C0"/>
+                </a:solidFill>
+                <a:latin typeface="微软雅黑" panose="020B0503020204020204" pitchFamily="34" charset="-122"/>
+                <a:ea typeface="微软雅黑" panose="020B0503020204020204" pitchFamily="34" charset="-122"/>
+              </a:rPr>
+              <a:t>2</a:t>
+            </a:r>
+            <a:endParaRPr lang="zh-CN" altLang="en-US" sz="2800" b="1" dirty="0">
+              <a:solidFill>
+                <a:srgbClr val="0070C0"/>
+              </a:solidFill>
+              <a:latin typeface="微软雅黑" panose="020B0503020204020204" pitchFamily="34" charset="-122"/>
+              <a:ea typeface="微软雅黑" panose="020B0503020204020204" pitchFamily="34" charset="-122"/>
+            </a:endParaRPr>
+          </a:p>
+        </p:txBody>
+      </p:sp>
+      <p:grpSp>
+        <p:nvGrpSpPr>
+          <p:cNvPr id="8" name="组合 7"/>
+          <p:cNvGrpSpPr/>
+          <p:nvPr/>
+        </p:nvGrpSpPr>
+        <p:grpSpPr>
+          <a:xfrm>
+            <a:off x="5541385" y="797918"/>
+            <a:ext cx="1911928" cy="1944273"/>
+            <a:chOff x="3607884" y="2866111"/>
+            <a:chExt cx="1911928" cy="1944273"/>
+          </a:xfrm>
+        </p:grpSpPr>
+        <p:sp>
+          <p:nvSpPr>
+            <p:cNvPr id="9" name="椭圆 8"/>
+            <p:cNvSpPr/>
+            <p:nvPr/>
+          </p:nvSpPr>
+          <p:spPr>
+            <a:xfrm>
+              <a:off x="3607885" y="2898457"/>
+              <a:ext cx="1911927" cy="1911927"/>
+            </a:xfrm>
+            <a:prstGeom prst="ellipse">
+              <a:avLst/>
+            </a:prstGeom>
+            <a:solidFill>
+              <a:schemeClr val="bg1"/>
+            </a:solidFill>
+            <a:ln w="76200">
+              <a:noFill/>
+            </a:ln>
+            <a:effectLst>
+              <a:outerShdw blurRad="215900" dir="3000000" sx="102000" sy="102000" algn="ctr" rotWithShape="0">
+                <a:srgbClr val="000000">
+                  <a:alpha val="69000"/>
+                </a:srgbClr>
+              </a:outerShdw>
+            </a:effectLst>
+          </p:spPr>
+          <p:style>
+            <a:lnRef idx="2">
+              <a:schemeClr val="accent1">
+                <a:shade val="50000"/>
+              </a:schemeClr>
+            </a:lnRef>
+            <a:fillRef idx="1">
+              <a:schemeClr val="accent1"/>
+            </a:fillRef>
+            <a:effectRef idx="0">
+              <a:schemeClr val="accent1"/>
+            </a:effectRef>
+            <a:fontRef idx="minor">
+              <a:schemeClr val="lt1"/>
+            </a:fontRef>
+          </p:style>
+          <p:txBody>
+            <a:bodyPr rtlCol="0" anchor="ctr"/>
+            <a:lstStyle/>
+            <a:p>
+              <a:pPr algn="ctr"/>
+              <a:endParaRPr lang="zh-CN" altLang="en-US"/>
+            </a:p>
+          </p:txBody>
+        </p:sp>
+        <p:pic>
+          <p:nvPicPr>
+            <p:cNvPr id="10" name="图片 9"/>
+            <p:cNvPicPr>
+              <a:picLocks noChangeAspect="1"/>
+            </p:cNvPicPr>
+            <p:nvPr/>
+          </p:nvPicPr>
+          <p:blipFill>
+            <a:blip r:embed="rId2"/>
+            <a:stretch>
+              <a:fillRect/>
+            </a:stretch>
+          </p:blipFill>
+          <p:spPr>
+            <a:xfrm>
+              <a:off x="4011616" y="3329190"/>
+              <a:ext cx="1104464" cy="1068931"/>
+            </a:xfrm>
+            <a:prstGeom prst="rect">
+              <a:avLst/>
+            </a:prstGeom>
+          </p:spPr>
+        </p:pic>
+        <p:sp>
+          <p:nvSpPr>
+            <p:cNvPr id="11" name="椭圆 10"/>
+            <p:cNvSpPr/>
+            <p:nvPr/>
+          </p:nvSpPr>
+          <p:spPr>
+            <a:xfrm>
+              <a:off x="3607884" y="2866111"/>
+              <a:ext cx="1911927" cy="1911927"/>
+            </a:xfrm>
+            <a:prstGeom prst="ellipse">
+              <a:avLst/>
+            </a:prstGeom>
+            <a:noFill/>
+            <a:ln w="76200">
+              <a:solidFill>
+                <a:srgbClr val="0070C0"/>
+              </a:solidFill>
+            </a:ln>
+          </p:spPr>
+          <p:style>
+            <a:lnRef idx="2">
+              <a:schemeClr val="accent1">
+                <a:shade val="50000"/>
+              </a:schemeClr>
+            </a:lnRef>
+            <a:fillRef idx="1">
+              <a:schemeClr val="accent1"/>
+            </a:fillRef>
+            <a:effectRef idx="0">
+              <a:schemeClr val="accent1"/>
+            </a:effectRef>
+            <a:fontRef idx="minor">
+              <a:schemeClr val="lt1"/>
+            </a:fontRef>
+          </p:style>
+          <p:txBody>
+            <a:bodyPr rtlCol="0" anchor="ctr"/>
+            <a:lstStyle/>
+            <a:p>
+              <a:pPr algn="ctr"/>
+              <a:endParaRPr lang="zh-CN" altLang="en-US"/>
+            </a:p>
+          </p:txBody>
+        </p:sp>
+      </p:grpSp>
+      <p:grpSp>
+        <p:nvGrpSpPr>
+          <p:cNvPr id="12" name="组合 11"/>
+          <p:cNvGrpSpPr/>
+          <p:nvPr/>
+        </p:nvGrpSpPr>
+        <p:grpSpPr>
+          <a:xfrm>
+            <a:off x="6409123" y="4344084"/>
+            <a:ext cx="1911928" cy="1916547"/>
+            <a:chOff x="8568678" y="1763608"/>
+            <a:chExt cx="1911928" cy="1916547"/>
+          </a:xfrm>
+        </p:grpSpPr>
+        <p:sp>
+          <p:nvSpPr>
+            <p:cNvPr id="13" name="椭圆 12"/>
+            <p:cNvSpPr/>
+            <p:nvPr/>
+          </p:nvSpPr>
+          <p:spPr>
+            <a:xfrm>
+              <a:off x="8568679" y="1763608"/>
+              <a:ext cx="1911927" cy="1911927"/>
+            </a:xfrm>
+            <a:prstGeom prst="ellipse">
+              <a:avLst/>
+            </a:prstGeom>
+            <a:solidFill>
+              <a:schemeClr val="bg1"/>
+            </a:solidFill>
+            <a:ln w="76200">
+              <a:noFill/>
+            </a:ln>
+            <a:effectLst>
+              <a:outerShdw blurRad="215900" dir="3000000" sx="103000" sy="103000" algn="ctr" rotWithShape="0">
+                <a:srgbClr val="000000">
+                  <a:alpha val="69000"/>
+                </a:srgbClr>
+              </a:outerShdw>
+            </a:effectLst>
+          </p:spPr>
+          <p:style>
+            <a:lnRef idx="2">
+              <a:schemeClr val="accent1">
+                <a:shade val="50000"/>
+              </a:schemeClr>
+            </a:lnRef>
+            <a:fillRef idx="1">
+              <a:schemeClr val="accent1"/>
+            </a:fillRef>
+            <a:effectRef idx="0">
+              <a:schemeClr val="accent1"/>
+            </a:effectRef>
+            <a:fontRef idx="minor">
+              <a:schemeClr val="lt1"/>
+            </a:fontRef>
+          </p:style>
+          <p:txBody>
+            <a:bodyPr rtlCol="0" anchor="ctr"/>
+            <a:lstStyle/>
+            <a:p>
+              <a:pPr algn="ctr"/>
+              <a:endParaRPr lang="zh-CN" altLang="en-US"/>
+            </a:p>
+          </p:txBody>
+        </p:sp>
+        <p:pic>
+          <p:nvPicPr>
+            <p:cNvPr id="14" name="图片 13"/>
+            <p:cNvPicPr>
+              <a:picLocks noChangeAspect="1"/>
+            </p:cNvPicPr>
+            <p:nvPr/>
+          </p:nvPicPr>
+          <p:blipFill>
+            <a:blip r:embed="rId3"/>
+            <a:stretch>
+              <a:fillRect/>
+            </a:stretch>
+          </p:blipFill>
+          <p:spPr>
+            <a:xfrm>
+              <a:off x="8883006" y="2118668"/>
+              <a:ext cx="1283272" cy="1238750"/>
+            </a:xfrm>
+            <a:prstGeom prst="rect">
+              <a:avLst/>
+            </a:prstGeom>
+          </p:spPr>
+        </p:pic>
+        <p:sp>
+          <p:nvSpPr>
+            <p:cNvPr id="15" name="椭圆 14"/>
+            <p:cNvSpPr/>
+            <p:nvPr/>
+          </p:nvSpPr>
+          <p:spPr>
+            <a:xfrm>
+              <a:off x="8568678" y="1768228"/>
+              <a:ext cx="1911927" cy="1911927"/>
+            </a:xfrm>
+            <a:prstGeom prst="ellipse">
+              <a:avLst/>
+            </a:prstGeom>
+            <a:noFill/>
+            <a:ln w="76200">
+              <a:solidFill>
+                <a:srgbClr val="0070C0"/>
+              </a:solidFill>
+            </a:ln>
+          </p:spPr>
+          <p:style>
+            <a:lnRef idx="2">
+              <a:schemeClr val="accent1">
+                <a:shade val="50000"/>
+              </a:schemeClr>
+            </a:lnRef>
+            <a:fillRef idx="1">
+              <a:schemeClr val="accent1"/>
+            </a:fillRef>
+            <a:effectRef idx="0">
+              <a:schemeClr val="accent1"/>
+            </a:effectRef>
+            <a:fontRef idx="minor">
+              <a:schemeClr val="lt1"/>
+            </a:fontRef>
+          </p:style>
+          <p:txBody>
+            <a:bodyPr rtlCol="0" anchor="ctr"/>
+            <a:lstStyle/>
+            <a:p>
+              <a:pPr algn="ctr"/>
+              <a:endParaRPr lang="zh-CN" altLang="en-US"/>
+            </a:p>
+          </p:txBody>
+        </p:sp>
+      </p:grpSp>
+      <p:grpSp>
+        <p:nvGrpSpPr>
+          <p:cNvPr id="16" name="组合 15"/>
+          <p:cNvGrpSpPr/>
+          <p:nvPr/>
+        </p:nvGrpSpPr>
+        <p:grpSpPr>
+          <a:xfrm>
+            <a:off x="3541232" y="2719099"/>
+            <a:ext cx="1911927" cy="1935019"/>
+            <a:chOff x="7086323" y="3855103"/>
+            <a:chExt cx="1911927" cy="1935019"/>
+          </a:xfrm>
+        </p:grpSpPr>
+        <p:sp>
+          <p:nvSpPr>
+            <p:cNvPr id="17" name="椭圆 16"/>
+            <p:cNvSpPr/>
+            <p:nvPr/>
+          </p:nvSpPr>
+          <p:spPr>
+            <a:xfrm>
+              <a:off x="7086323" y="3878195"/>
+              <a:ext cx="1911927" cy="1911927"/>
+            </a:xfrm>
+            <a:prstGeom prst="ellipse">
+              <a:avLst/>
+            </a:prstGeom>
+            <a:solidFill>
+              <a:schemeClr val="bg1"/>
+            </a:solidFill>
+            <a:ln w="76200">
+              <a:noFill/>
+            </a:ln>
+            <a:effectLst>
+              <a:outerShdw blurRad="215900" dir="3000000" sx="104000" sy="104000" algn="ctr" rotWithShape="0">
+                <a:srgbClr val="000000">
+                  <a:alpha val="69000"/>
+                </a:srgbClr>
+              </a:outerShdw>
+            </a:effectLst>
+          </p:spPr>
+          <p:style>
+            <a:lnRef idx="2">
+              <a:schemeClr val="accent1">
+                <a:shade val="50000"/>
+              </a:schemeClr>
+            </a:lnRef>
+            <a:fillRef idx="1">
+              <a:schemeClr val="accent1"/>
+            </a:fillRef>
+            <a:effectRef idx="0">
+              <a:schemeClr val="accent1"/>
+            </a:effectRef>
+            <a:fontRef idx="minor">
+              <a:schemeClr val="lt1"/>
+            </a:fontRef>
+          </p:style>
+          <p:txBody>
+            <a:bodyPr rtlCol="0" anchor="ctr"/>
+            <a:lstStyle/>
+            <a:p>
+              <a:pPr algn="ctr"/>
+              <a:endParaRPr lang="zh-CN" altLang="en-US"/>
+            </a:p>
+          </p:txBody>
+        </p:sp>
+        <p:pic>
+          <p:nvPicPr>
+            <p:cNvPr id="18" name="图片 17"/>
+            <p:cNvPicPr>
+              <a:picLocks noChangeAspect="1"/>
+            </p:cNvPicPr>
+            <p:nvPr/>
+          </p:nvPicPr>
+          <p:blipFill>
+            <a:blip r:embed="rId4"/>
+            <a:stretch>
+              <a:fillRect/>
+            </a:stretch>
+          </p:blipFill>
+          <p:spPr>
+            <a:xfrm>
+              <a:off x="7538927" y="4368251"/>
+              <a:ext cx="1006717" cy="931813"/>
+            </a:xfrm>
+            <a:prstGeom prst="rect">
+              <a:avLst/>
+            </a:prstGeom>
+          </p:spPr>
+        </p:pic>
+        <p:sp>
+          <p:nvSpPr>
+            <p:cNvPr id="19" name="椭圆 18"/>
+            <p:cNvSpPr/>
+            <p:nvPr/>
+          </p:nvSpPr>
+          <p:spPr>
+            <a:xfrm>
+              <a:off x="7086323" y="3855103"/>
+              <a:ext cx="1911927" cy="1911927"/>
+            </a:xfrm>
+            <a:prstGeom prst="ellipse">
+              <a:avLst/>
+            </a:prstGeom>
+            <a:noFill/>
+            <a:ln w="76200">
+              <a:solidFill>
+                <a:srgbClr val="0070C0"/>
+              </a:solidFill>
+            </a:ln>
+          </p:spPr>
+          <p:style>
+            <a:lnRef idx="2">
+              <a:schemeClr val="accent1">
+                <a:shade val="50000"/>
+              </a:schemeClr>
+            </a:lnRef>
+            <a:fillRef idx="1">
+              <a:schemeClr val="accent1"/>
+            </a:fillRef>
+            <a:effectRef idx="0">
+              <a:schemeClr val="accent1"/>
+            </a:effectRef>
+            <a:fontRef idx="minor">
+              <a:schemeClr val="lt1"/>
+            </a:fontRef>
+          </p:style>
+          <p:txBody>
+            <a:bodyPr rtlCol="0" anchor="ctr"/>
+            <a:lstStyle/>
+            <a:p>
+              <a:pPr algn="ctr"/>
+              <a:endParaRPr lang="zh-CN" altLang="en-US"/>
+            </a:p>
+          </p:txBody>
+        </p:sp>
+      </p:grpSp>
+      <p:sp>
+        <p:nvSpPr>
+          <p:cNvPr id="20" name="矩形 19"/>
+          <p:cNvSpPr/>
+          <p:nvPr/>
+        </p:nvSpPr>
+        <p:spPr>
+          <a:xfrm rot="1599049">
+            <a:off x="5270314" y="4305447"/>
+            <a:ext cx="1442907" cy="143054"/>
+          </a:xfrm>
+          <a:prstGeom prst="rect">
+            <a:avLst/>
+          </a:prstGeom>
+          <a:solidFill>
+            <a:srgbClr val="0070C0"/>
+          </a:solidFill>
+          <a:ln>
+            <a:noFill/>
+          </a:ln>
+        </p:spPr>
+        <p:style>
+          <a:lnRef idx="2">
+            <a:schemeClr val="accent1">
+              <a:shade val="50000"/>
+            </a:schemeClr>
+          </a:lnRef>
+          <a:fillRef idx="1">
+            <a:schemeClr val="accent1"/>
+          </a:fillRef>
+          <a:effectRef idx="0">
+            <a:schemeClr val="accent1"/>
+          </a:effectRef>
+          <a:fontRef idx="minor">
+            <a:schemeClr val="lt1"/>
+          </a:fontRef>
+        </p:style>
+        <p:txBody>
+          <a:bodyPr rtlCol="0" anchor="ctr"/>
+          <a:lstStyle/>
+          <a:p>
+            <a:pPr algn="ctr"/>
+            <a:endParaRPr lang="zh-CN" altLang="en-US"/>
+          </a:p>
+        </p:txBody>
+      </p:sp>
+      <p:sp>
+        <p:nvSpPr>
+          <p:cNvPr id="21" name="矩形 20"/>
+          <p:cNvSpPr/>
+          <p:nvPr/>
+        </p:nvSpPr>
+        <p:spPr>
+          <a:xfrm rot="19112082">
+            <a:off x="5070418" y="2628961"/>
+            <a:ext cx="831560" cy="132637"/>
+          </a:xfrm>
+          <a:prstGeom prst="rect">
+            <a:avLst/>
+          </a:prstGeom>
+          <a:solidFill>
+            <a:srgbClr val="0070C0"/>
+          </a:solidFill>
+          <a:ln>
+            <a:noFill/>
+          </a:ln>
+        </p:spPr>
+        <p:style>
+          <a:lnRef idx="2">
+            <a:schemeClr val="accent1">
+              <a:shade val="50000"/>
+            </a:schemeClr>
+          </a:lnRef>
+          <a:fillRef idx="1">
+            <a:schemeClr val="accent1"/>
+          </a:fillRef>
+          <a:effectRef idx="0">
+            <a:schemeClr val="accent1"/>
+          </a:effectRef>
+          <a:fontRef idx="minor">
+            <a:schemeClr val="lt1"/>
+          </a:fontRef>
+        </p:style>
+        <p:txBody>
+          <a:bodyPr rtlCol="0" anchor="ctr"/>
+          <a:lstStyle/>
+          <a:p>
+            <a:pPr algn="ctr"/>
+            <a:endParaRPr lang="zh-CN" altLang="en-US"/>
+          </a:p>
+        </p:txBody>
+      </p:sp>
+      <p:sp>
+        <p:nvSpPr>
+          <p:cNvPr id="22" name="矩形 21"/>
+          <p:cNvSpPr/>
+          <p:nvPr/>
+        </p:nvSpPr>
+        <p:spPr>
+          <a:xfrm rot="4410344">
+            <a:off x="6102769" y="3442654"/>
+            <a:ext cx="1749192" cy="182272"/>
+          </a:xfrm>
+          <a:prstGeom prst="rect">
+            <a:avLst/>
+          </a:prstGeom>
+          <a:solidFill>
+            <a:srgbClr val="0070C0"/>
+          </a:solidFill>
+          <a:ln>
+            <a:noFill/>
+          </a:ln>
+        </p:spPr>
+        <p:style>
+          <a:lnRef idx="2">
+            <a:schemeClr val="accent1">
+              <a:shade val="50000"/>
+            </a:schemeClr>
+          </a:lnRef>
+          <a:fillRef idx="1">
+            <a:schemeClr val="accent1"/>
+          </a:fillRef>
+          <a:effectRef idx="0">
+            <a:schemeClr val="accent1"/>
+          </a:effectRef>
+          <a:fontRef idx="minor">
+            <a:schemeClr val="lt1"/>
+          </a:fontRef>
+        </p:style>
+        <p:txBody>
+          <a:bodyPr rtlCol="0" anchor="ctr"/>
+          <a:lstStyle/>
+          <a:p>
+            <a:pPr algn="ctr"/>
+            <a:endParaRPr lang="zh-CN" altLang="en-US"/>
+          </a:p>
+        </p:txBody>
+      </p:sp>
+    </p:spTree>
+    <p:extLst>
+      <p:ext uri="{BB962C8B-B14F-4D97-AF65-F5344CB8AC3E}">
+        <p14:creationId xmlns:p14="http://schemas.microsoft.com/office/powerpoint/2010/main" val="3538753243"/>
+      </p:ext>
+    </p:extLst>
+  </p:cSld>
+  <p:clrMapOvr>
+    <a:masterClrMapping/>
+  </p:clrMapOvr>
+  <p:timing>
+    <p:tnLst>
+      <p:par>
+        <p:cTn id="1" dur="indefinite" restart="never" nodeType="tmRoot"/>
+      </p:par>
+    </p:tnLst>
+  </p:timing>
+</p:sld>
+</file>
+
+<file path=ppt/slides/slide8.xml><?xml version="1.0" encoding="utf-8"?>
+<p:sld xmlns:a="http://schemas.openxmlformats.org/drawingml/2006/main" xmlns:r="http://schemas.openxmlformats.org/officeDocument/2006/relationships" xmlns:p="http://schemas.openxmlformats.org/presentationml/2006/main">
+  <p:cSld>
+    <p:spTree>
+      <p:nvGrpSpPr>
+        <p:cNvPr id="1" name=""/>
+        <p:cNvGrpSpPr/>
+        <p:nvPr/>
+      </p:nvGrpSpPr>
+      <p:grpSpPr>
+        <a:xfrm>
+          <a:off x="0" y="0"/>
+          <a:ext cx="0" cy="0"/>
+          <a:chOff x="0" y="0"/>
+          <a:chExt cx="0" cy="0"/>
+        </a:xfrm>
+      </p:grpSpPr>
+      <p:sp>
+        <p:nvSpPr>
+          <p:cNvPr id="4" name="矩形 3"/>
+          <p:cNvSpPr/>
+          <p:nvPr/>
+        </p:nvSpPr>
+        <p:spPr>
+          <a:xfrm>
+            <a:off x="0" y="0"/>
+            <a:ext cx="12192000" cy="6858000"/>
+          </a:xfrm>
+          <a:prstGeom prst="rect">
+            <a:avLst/>
+          </a:prstGeom>
+          <a:solidFill>
+            <a:srgbClr val="0070C0"/>
+          </a:solidFill>
+        </p:spPr>
+        <p:style>
+          <a:lnRef idx="2">
+            <a:schemeClr val="accent1">
+              <a:shade val="50000"/>
+            </a:schemeClr>
+          </a:lnRef>
+          <a:fillRef idx="1">
+            <a:schemeClr val="accent1"/>
+          </a:fillRef>
+          <a:effectRef idx="0">
+            <a:schemeClr val="accent1"/>
+          </a:effectRef>
+          <a:fontRef idx="minor">
+            <a:schemeClr val="lt1"/>
+          </a:fontRef>
+        </p:style>
+        <p:txBody>
+          <a:bodyPr rtlCol="0" anchor="ctr"/>
+          <a:lstStyle/>
+          <a:p>
+            <a:pPr algn="ctr"/>
+            <a:endParaRPr lang="zh-CN" altLang="en-US" dirty="0"/>
+          </a:p>
+        </p:txBody>
+      </p:sp>
+      <p:sp>
+        <p:nvSpPr>
+          <p:cNvPr id="2" name="文本框 1"/>
+          <p:cNvSpPr txBox="1"/>
+          <p:nvPr/>
+        </p:nvSpPr>
+        <p:spPr>
+          <a:xfrm>
+            <a:off x="2059622" y="1353545"/>
+            <a:ext cx="3094117" cy="3323987"/>
+          </a:xfrm>
+          <a:prstGeom prst="rect">
+            <a:avLst/>
+          </a:prstGeom>
+          <a:noFill/>
+        </p:spPr>
+        <p:txBody>
+          <a:bodyPr wrap="none" rtlCol="0">
+            <a:spAutoFit/>
+          </a:bodyPr>
+          <a:lstStyle/>
+          <a:p>
+            <a:r>
+              <a:rPr lang="en-US" altLang="zh-CN" sz="21000" dirty="0" smtClean="0">
+                <a:solidFill>
+                  <a:schemeClr val="bg1"/>
+                </a:solidFill>
+                <a:latin typeface="Bahnschrift SemiBold" panose="020B0502040204020203" pitchFamily="34" charset="0"/>
+              </a:rPr>
+              <a:t>03</a:t>
+            </a:r>
+            <a:endParaRPr lang="zh-CN" altLang="en-US" sz="21000" dirty="0">
+              <a:solidFill>
+                <a:schemeClr val="bg1"/>
+              </a:solidFill>
+              <a:latin typeface="Bahnschrift SemiBold" panose="020B0502040204020203" pitchFamily="34" charset="0"/>
+            </a:endParaRPr>
+          </a:p>
+        </p:txBody>
+      </p:sp>
+      <p:sp>
+        <p:nvSpPr>
+          <p:cNvPr id="6" name="文本框 5"/>
+          <p:cNvSpPr txBox="1"/>
+          <p:nvPr/>
+        </p:nvSpPr>
+        <p:spPr>
+          <a:xfrm>
+            <a:off x="5070231" y="2012308"/>
+            <a:ext cx="5314275" cy="1323439"/>
+          </a:xfrm>
+          <a:prstGeom prst="rect">
+            <a:avLst/>
+          </a:prstGeom>
+          <a:noFill/>
+        </p:spPr>
+        <p:txBody>
+          <a:bodyPr wrap="none" rtlCol="0">
+            <a:spAutoFit/>
+          </a:bodyPr>
+          <a:lstStyle/>
+          <a:p>
+            <a:r>
+              <a:rPr lang="zh-CN" altLang="en-US" sz="8000" b="1" dirty="0" smtClean="0">
+                <a:solidFill>
+                  <a:schemeClr val="bg1"/>
+                </a:solidFill>
+                <a:latin typeface="微软雅黑" panose="020B0503020204020204" pitchFamily="34" charset="-122"/>
+                <a:ea typeface="微软雅黑" panose="020B0503020204020204" pitchFamily="34" charset="-122"/>
+              </a:rPr>
+              <a:t>设计及实现</a:t>
+            </a:r>
+            <a:endParaRPr lang="zh-CN" altLang="en-US" sz="8000" b="1" dirty="0">
+              <a:solidFill>
+                <a:schemeClr val="bg1"/>
+              </a:solidFill>
+              <a:latin typeface="微软雅黑" panose="020B0503020204020204" pitchFamily="34" charset="-122"/>
+              <a:ea typeface="微软雅黑" panose="020B0503020204020204" pitchFamily="34" charset="-122"/>
+            </a:endParaRPr>
+          </a:p>
+        </p:txBody>
+      </p:sp>
+      <p:sp>
+        <p:nvSpPr>
+          <p:cNvPr id="7" name="文本框 6"/>
+          <p:cNvSpPr txBox="1"/>
+          <p:nvPr/>
+        </p:nvSpPr>
+        <p:spPr>
+          <a:xfrm>
+            <a:off x="5070231" y="3428999"/>
+            <a:ext cx="4144790" cy="700576"/>
+          </a:xfrm>
+          <a:prstGeom prst="rect">
+            <a:avLst/>
+          </a:prstGeom>
+          <a:noFill/>
+        </p:spPr>
+        <p:txBody>
+          <a:bodyPr wrap="square" rtlCol="0">
+            <a:spAutoFit/>
+          </a:bodyPr>
+          <a:lstStyle/>
+          <a:p>
+            <a:pPr>
+              <a:lnSpc>
+                <a:spcPct val="150000"/>
+              </a:lnSpc>
+            </a:pPr>
+            <a:r>
+              <a:rPr lang="zh-CN" altLang="zh-CN" sz="1400" b="1" dirty="0">
+                <a:solidFill>
+                  <a:schemeClr val="bg1"/>
+                </a:solidFill>
+                <a:latin typeface="微软雅黑" panose="020B0503020204020204" pitchFamily="34" charset="-122"/>
+                <a:ea typeface="微软雅黑" panose="020B0503020204020204" pitchFamily="34" charset="-122"/>
+              </a:rPr>
+              <a:t>前端开发技术的发展时间相对较短，但是发展速度却非常快，并且技术的迭代也十分迅速</a:t>
+            </a:r>
+            <a:endParaRPr lang="zh-CN" altLang="en-US" sz="1400" b="1" dirty="0">
+              <a:solidFill>
+                <a:schemeClr val="bg1"/>
+              </a:solidFill>
+              <a:latin typeface="微软雅黑" panose="020B0503020204020204" pitchFamily="34" charset="-122"/>
+              <a:ea typeface="微软雅黑" panose="020B0503020204020204" pitchFamily="34" charset="-122"/>
+            </a:endParaRPr>
+          </a:p>
+        </p:txBody>
+      </p:sp>
+    </p:spTree>
+    <p:extLst>
+      <p:ext uri="{BB962C8B-B14F-4D97-AF65-F5344CB8AC3E}">
+        <p14:creationId xmlns:p14="http://schemas.microsoft.com/office/powerpoint/2010/main" val="1187506478"/>
+      </p:ext>
+    </p:extLst>
+  </p:cSld>
+  <p:clrMapOvr>
+    <a:masterClrMapping/>
+  </p:clrMapOvr>
+  <p:timing>
+    <p:tnLst>
+      <p:par>
+        <p:cTn id="1" dur="indefinite" restart="never" nodeType="tmRoot"/>
+      </p:par>
+    </p:tnLst>
+  </p:timing>
+</p:sld>
+</file>
+
+<file path=ppt/slides/slide9.xml><?xml version="1.0" encoding="utf-8"?>
+<p:sld xmlns:a="http://schemas.openxmlformats.org/drawingml/2006/main" xmlns:r="http://schemas.openxmlformats.org/officeDocument/2006/relationships" xmlns:p="http://schemas.openxmlformats.org/presentationml/2006/main">
+  <p:cSld>
+    <p:spTree>
+      <p:nvGrpSpPr>
+        <p:cNvPr id="1" name=""/>
+        <p:cNvGrpSpPr/>
+        <p:nvPr/>
+      </p:nvGrpSpPr>
+      <p:grpSpPr>
+        <a:xfrm>
+          <a:off x="0" y="0"/>
+          <a:ext cx="0" cy="0"/>
+          <a:chOff x="0" y="0"/>
+          <a:chExt cx="0" cy="0"/>
+        </a:xfrm>
+      </p:grpSpPr>
+      <p:sp>
+        <p:nvSpPr>
           <p:cNvPr id="15" name="矩形 14"/>
           <p:cNvSpPr/>
           <p:nvPr/>
@@ -4134,7 +7418,7 @@
         <p:spPr>
           <a:xfrm>
             <a:off x="0" y="0"/>
-            <a:ext cx="12192000" cy="286327"/>
+            <a:ext cx="12192000" cy="276340"/>
           </a:xfrm>
           <a:prstGeom prst="rect">
             <a:avLst/>
@@ -4166,7 +7450,7 @@
           <a:lstStyle/>
           <a:p>
             <a:pPr algn="ctr"/>
-            <a:endParaRPr lang="zh-CN" altLang="en-US"/>
+            <a:endParaRPr lang="zh-CN" altLang="en-US" sz="1600"/>
           </a:p>
         </p:txBody>
       </p:sp>
@@ -4187,7 +7471,7 @@
         <p:spPr>
           <a:xfrm>
             <a:off x="1801447" y="2378220"/>
-            <a:ext cx="2859449" cy="790597"/>
+            <a:ext cx="2647395" cy="731967"/>
           </a:xfrm>
           <a:prstGeom prst="rect">
             <a:avLst/>
@@ -4210,8 +7494,8 @@
         </p:blipFill>
         <p:spPr>
           <a:xfrm>
-            <a:off x="2746912" y="3738556"/>
-            <a:ext cx="902671" cy="1194512"/>
+            <a:off x="2746913" y="3738556"/>
+            <a:ext cx="835730" cy="1105928"/>
           </a:xfrm>
           <a:prstGeom prst="rect">
             <a:avLst/>
@@ -4235,7 +7519,7 @@
         <p:spPr>
           <a:xfrm>
             <a:off x="9119590" y="5408218"/>
-            <a:ext cx="869643" cy="1231414"/>
+            <a:ext cx="805151" cy="1140094"/>
           </a:xfrm>
           <a:prstGeom prst="rect">
             <a:avLst/>
@@ -4258,8 +7542,8 @@
         </p:blipFill>
         <p:spPr>
           <a:xfrm>
-            <a:off x="8490994" y="501454"/>
-            <a:ext cx="844847" cy="1166694"/>
+            <a:off x="8490995" y="501454"/>
+            <a:ext cx="782194" cy="1080173"/>
           </a:xfrm>
           <a:prstGeom prst="rect">
             <a:avLst/>
@@ -4275,9 +7559,9 @@
         <p:grpSpPr>
           <a:xfrm>
             <a:off x="502469" y="3119687"/>
-            <a:ext cx="1192930" cy="1522243"/>
+            <a:ext cx="1104464" cy="1382037"/>
             <a:chOff x="163861" y="490178"/>
-            <a:chExt cx="1192930" cy="1522243"/>
+            <a:chExt cx="1192930" cy="1492737"/>
           </a:xfrm>
         </p:grpSpPr>
         <p:pic>
@@ -4313,7 +7597,7 @@
           <p:spPr>
             <a:xfrm>
               <a:off x="264862" y="1550756"/>
-              <a:ext cx="936475" cy="461665"/>
+              <a:ext cx="876436" cy="432159"/>
             </a:xfrm>
             <a:prstGeom prst="rect">
               <a:avLst/>
@@ -4327,14 +7611,14 @@
             <a:lstStyle/>
             <a:p>
               <a:r>
-                <a:rPr lang="en-US" altLang="zh-CN" sz="2400" b="1" dirty="0" smtClean="0">
+                <a:rPr lang="en-US" altLang="zh-CN" sz="2000" b="1" dirty="0" smtClean="0">
                   <a:latin typeface="Times New Roman" panose="02020603050405020304" pitchFamily="18" charset="0"/>
                   <a:ea typeface="Source Code Pro Black" panose="020B0809030403020204" pitchFamily="49" charset="0"/>
                   <a:cs typeface="Times New Roman" panose="02020603050405020304" pitchFamily="18" charset="0"/>
                 </a:rPr>
                 <a:t>React</a:t>
               </a:r>
-              <a:endParaRPr lang="zh-CN" altLang="en-US" sz="2400" b="1" dirty="0">
+              <a:endParaRPr lang="zh-CN" altLang="en-US" sz="2000" b="1" dirty="0">
                 <a:latin typeface="Times New Roman" panose="02020603050405020304" pitchFamily="18" charset="0"/>
                 <a:cs typeface="Times New Roman" panose="02020603050405020304" pitchFamily="18" charset="0"/>
               </a:endParaRPr>
@@ -4350,10 +7634,10 @@
         </p:nvGrpSpPr>
         <p:grpSpPr>
           <a:xfrm>
-            <a:off x="4063239" y="5208269"/>
-            <a:ext cx="1095901" cy="1448782"/>
+            <a:off x="4063240" y="5208269"/>
+            <a:ext cx="1014630" cy="1314024"/>
             <a:chOff x="1659097" y="562871"/>
-            <a:chExt cx="1095901" cy="1448782"/>
+            <a:chExt cx="1095901" cy="1419276"/>
           </a:xfrm>
         </p:grpSpPr>
         <p:pic>
@@ -4389,7 +7673,7 @@
           <p:spPr>
             <a:xfrm>
               <a:off x="1659097" y="1549988"/>
-              <a:ext cx="1040670" cy="461665"/>
+              <a:ext cx="969932" cy="432159"/>
             </a:xfrm>
             <a:prstGeom prst="rect">
               <a:avLst/>
@@ -4403,14 +7687,14 @@
             <a:lstStyle/>
             <a:p>
               <a:r>
-                <a:rPr lang="en-US" altLang="zh-CN" sz="2400" b="1" dirty="0" smtClean="0">
+                <a:rPr lang="en-US" altLang="zh-CN" sz="2000" b="1" dirty="0" smtClean="0">
                   <a:latin typeface="Times New Roman" panose="02020603050405020304" pitchFamily="18" charset="0"/>
                   <a:ea typeface="Source Code Pro Black" panose="020B0809030403020204" pitchFamily="49" charset="0"/>
                   <a:cs typeface="Times New Roman" panose="02020603050405020304" pitchFamily="18" charset="0"/>
                 </a:rPr>
                 <a:t>Redux</a:t>
               </a:r>
-              <a:endParaRPr lang="zh-CN" altLang="en-US" sz="2400" b="1" dirty="0">
+              <a:endParaRPr lang="zh-CN" altLang="en-US" sz="2000" b="1" dirty="0">
                 <a:latin typeface="Times New Roman" panose="02020603050405020304" pitchFamily="18" charset="0"/>
                 <a:cs typeface="Times New Roman" panose="02020603050405020304" pitchFamily="18" charset="0"/>
               </a:endParaRPr>
@@ -4427,9 +7711,9 @@
         <p:grpSpPr>
           <a:xfrm>
             <a:off x="696371" y="5166784"/>
-            <a:ext cx="1950806" cy="1563907"/>
+            <a:ext cx="1806135" cy="1420612"/>
             <a:chOff x="2880138" y="449418"/>
-            <a:chExt cx="1950806" cy="1563907"/>
+            <a:chExt cx="1950805" cy="1534402"/>
           </a:xfrm>
         </p:grpSpPr>
         <p:pic>
@@ -4464,8 +7748,8 @@
           </p:nvSpPr>
           <p:spPr>
             <a:xfrm>
-              <a:off x="3052829" y="1551660"/>
-              <a:ext cx="1778115" cy="461665"/>
+              <a:off x="3052829" y="1551661"/>
+              <a:ext cx="1633474" cy="432159"/>
             </a:xfrm>
             <a:prstGeom prst="rect">
               <a:avLst/>
@@ -4479,14 +7763,14 @@
             <a:lstStyle/>
             <a:p>
               <a:r>
-                <a:rPr lang="en-US" altLang="zh-CN" sz="2400" b="1" dirty="0" smtClean="0">
+                <a:rPr lang="en-US" altLang="zh-CN" sz="2000" b="1" dirty="0" smtClean="0">
                   <a:latin typeface="Times New Roman" panose="02020603050405020304" pitchFamily="18" charset="0"/>
                   <a:ea typeface="Source Code Pro Black" panose="020B0809030403020204" pitchFamily="49" charset="0"/>
                   <a:cs typeface="Times New Roman" panose="02020603050405020304" pitchFamily="18" charset="0"/>
                 </a:rPr>
                 <a:t>react-router</a:t>
               </a:r>
-              <a:endParaRPr lang="zh-CN" altLang="en-US" sz="2400" b="1" dirty="0">
+              <a:endParaRPr lang="zh-CN" altLang="en-US" sz="2000" b="1" dirty="0">
                 <a:latin typeface="Times New Roman" panose="02020603050405020304" pitchFamily="18" charset="0"/>
                 <a:cs typeface="Times New Roman" panose="02020603050405020304" pitchFamily="18" charset="0"/>
               </a:endParaRPr>
@@ -4503,9 +7787,9 @@
         <p:grpSpPr>
           <a:xfrm>
             <a:off x="10715613" y="4293067"/>
-            <a:ext cx="1205906" cy="1491685"/>
+            <a:ext cx="1116477" cy="1353745"/>
             <a:chOff x="5148384" y="520089"/>
-            <a:chExt cx="1205906" cy="1491685"/>
+            <a:chExt cx="1205906" cy="1462179"/>
           </a:xfrm>
         </p:grpSpPr>
         <p:pic>
@@ -4540,8 +7824,8 @@
           </p:nvSpPr>
           <p:spPr>
             <a:xfrm>
-              <a:off x="5267867" y="1550109"/>
-              <a:ext cx="954107" cy="461665"/>
+              <a:off x="5267867" y="1550110"/>
+              <a:ext cx="890288" cy="432158"/>
             </a:xfrm>
             <a:prstGeom prst="rect">
               <a:avLst/>
@@ -4555,14 +7839,14 @@
             <a:lstStyle/>
             <a:p>
               <a:r>
-                <a:rPr lang="en-US" altLang="zh-CN" sz="2400" b="1" dirty="0" smtClean="0">
+                <a:rPr lang="en-US" altLang="zh-CN" sz="2000" b="1" dirty="0" smtClean="0">
                   <a:latin typeface="Times New Roman" panose="02020603050405020304" pitchFamily="18" charset="0"/>
                   <a:ea typeface="Source Code Pro Black" panose="020B0809030403020204" pitchFamily="49" charset="0"/>
                   <a:cs typeface="Times New Roman" panose="02020603050405020304" pitchFamily="18" charset="0"/>
                 </a:rPr>
                 <a:t>Eslint</a:t>
               </a:r>
-              <a:endParaRPr lang="zh-CN" altLang="en-US" sz="2400" b="1" dirty="0">
+              <a:endParaRPr lang="zh-CN" altLang="en-US" sz="2000" b="1" dirty="0">
                 <a:latin typeface="Times New Roman" panose="02020603050405020304" pitchFamily="18" charset="0"/>
                 <a:cs typeface="Times New Roman" panose="02020603050405020304" pitchFamily="18" charset="0"/>
               </a:endParaRPr>
@@ -4578,10 +7862,10 @@
         </p:nvGrpSpPr>
         <p:grpSpPr>
           <a:xfrm>
-            <a:off x="4628042" y="3474673"/>
-            <a:ext cx="1416413" cy="1542671"/>
+            <a:off x="4628044" y="3474674"/>
+            <a:ext cx="1297646" cy="1400950"/>
             <a:chOff x="6580244" y="479338"/>
-            <a:chExt cx="1416413" cy="1542671"/>
+            <a:chExt cx="1401586" cy="1513165"/>
           </a:xfrm>
         </p:grpSpPr>
         <p:pic>
@@ -4617,7 +7901,7 @@
           <p:spPr>
             <a:xfrm>
               <a:off x="6580244" y="1560344"/>
-              <a:ext cx="1416413" cy="461665"/>
+              <a:ext cx="1307832" cy="432159"/>
             </a:xfrm>
             <a:prstGeom prst="rect">
               <a:avLst/>
@@ -4631,14 +7915,14 @@
             <a:lstStyle/>
             <a:p>
               <a:r>
-                <a:rPr lang="en-US" altLang="zh-CN" sz="2400" b="1" dirty="0" smtClean="0">
+                <a:rPr lang="en-US" altLang="zh-CN" sz="2000" b="1" dirty="0" smtClean="0">
                   <a:latin typeface="Times New Roman" panose="02020603050405020304" pitchFamily="18" charset="0"/>
                   <a:ea typeface="Source Code Pro Black" panose="020B0809030403020204" pitchFamily="49" charset="0"/>
                   <a:cs typeface="Times New Roman" panose="02020603050405020304" pitchFamily="18" charset="0"/>
                 </a:rPr>
                 <a:t>Webpack</a:t>
               </a:r>
-              <a:endParaRPr lang="zh-CN" altLang="en-US" sz="2400" b="1" dirty="0">
+              <a:endParaRPr lang="zh-CN" altLang="en-US" sz="2000" b="1" dirty="0">
                 <a:latin typeface="Times New Roman" panose="02020603050405020304" pitchFamily="18" charset="0"/>
                 <a:cs typeface="Times New Roman" panose="02020603050405020304" pitchFamily="18" charset="0"/>
               </a:endParaRPr>
@@ -4654,10 +7938,10 @@
         </p:nvGrpSpPr>
         <p:grpSpPr>
           <a:xfrm>
-            <a:off x="4989480" y="831661"/>
-            <a:ext cx="1297150" cy="1489326"/>
-            <a:chOff x="8201926" y="529420"/>
-            <a:chExt cx="1297150" cy="1489326"/>
+            <a:off x="4989484" y="831661"/>
+            <a:ext cx="1109599" cy="1351561"/>
+            <a:chOff x="8201927" y="529420"/>
+            <a:chExt cx="1198476" cy="1459820"/>
           </a:xfrm>
         </p:grpSpPr>
         <p:pic>
@@ -4703,8 +7987,8 @@
           </p:nvSpPr>
           <p:spPr>
             <a:xfrm>
-              <a:off x="8201926" y="1557081"/>
-              <a:ext cx="1297150" cy="461665"/>
+              <a:off x="8201927" y="1557081"/>
+              <a:ext cx="1198476" cy="432159"/>
             </a:xfrm>
             <a:prstGeom prst="rect">
               <a:avLst/>
@@ -4718,14 +8002,14 @@
             <a:lstStyle/>
             <a:p>
               <a:r>
-                <a:rPr lang="en-US" altLang="zh-CN" sz="2400" b="1" dirty="0" smtClean="0">
+                <a:rPr lang="en-US" altLang="zh-CN" sz="2000" b="1" dirty="0" smtClean="0">
                   <a:latin typeface="Times New Roman" panose="02020603050405020304" pitchFamily="18" charset="0"/>
                   <a:ea typeface="Source Code Pro Black" panose="020B0809030403020204" pitchFamily="49" charset="0"/>
                   <a:cs typeface="Times New Roman" panose="02020603050405020304" pitchFamily="18" charset="0"/>
                 </a:rPr>
                 <a:t>Iconfont</a:t>
               </a:r>
-              <a:endParaRPr lang="zh-CN" altLang="en-US" sz="2400" b="1" dirty="0">
+              <a:endParaRPr lang="zh-CN" altLang="en-US" sz="2000" b="1" dirty="0">
                 <a:latin typeface="Times New Roman" panose="02020603050405020304" pitchFamily="18" charset="0"/>
                 <a:cs typeface="Times New Roman" panose="02020603050405020304" pitchFamily="18" charset="0"/>
               </a:endParaRPr>
@@ -4741,10 +8025,10 @@
         </p:nvGrpSpPr>
         <p:grpSpPr>
           <a:xfrm>
-            <a:off x="2602119" y="581667"/>
-            <a:ext cx="1091929" cy="1588751"/>
+            <a:off x="2602119" y="581668"/>
+            <a:ext cx="1010953" cy="1443613"/>
             <a:chOff x="193789" y="2765489"/>
-            <a:chExt cx="1091929" cy="1588751"/>
+            <a:chExt cx="1091929" cy="1559245"/>
           </a:xfrm>
         </p:grpSpPr>
         <p:pic>
@@ -4780,7 +8064,7 @@
           <p:spPr>
             <a:xfrm>
               <a:off x="193789" y="3892575"/>
-              <a:ext cx="1090363" cy="461665"/>
+              <a:ext cx="1014948" cy="432159"/>
             </a:xfrm>
             <a:prstGeom prst="rect">
               <a:avLst/>
@@ -4794,14 +8078,14 @@
             <a:lstStyle/>
             <a:p>
               <a:r>
-                <a:rPr lang="en-US" altLang="zh-CN" sz="2400" b="1" dirty="0" smtClean="0">
+                <a:rPr lang="en-US" altLang="zh-CN" sz="2000" b="1" dirty="0" smtClean="0">
                   <a:latin typeface="Times New Roman" panose="02020603050405020304" pitchFamily="18" charset="0"/>
                   <a:ea typeface="Source Code Pro Black" panose="020B0809030403020204" pitchFamily="49" charset="0"/>
                   <a:cs typeface="Times New Roman" panose="02020603050405020304" pitchFamily="18" charset="0"/>
                 </a:rPr>
                 <a:t>Mocha</a:t>
               </a:r>
-              <a:endParaRPr lang="zh-CN" altLang="en-US" sz="2400" b="1" dirty="0">
+              <a:endParaRPr lang="zh-CN" altLang="en-US" sz="2000" b="1" dirty="0">
                 <a:latin typeface="Times New Roman" panose="02020603050405020304" pitchFamily="18" charset="0"/>
                 <a:cs typeface="Times New Roman" panose="02020603050405020304" pitchFamily="18" charset="0"/>
               </a:endParaRPr>
@@ -4817,10 +8101,10 @@
         </p:nvGrpSpPr>
         <p:grpSpPr>
           <a:xfrm>
-            <a:off x="486864" y="581667"/>
-            <a:ext cx="1108366" cy="1614991"/>
+            <a:off x="486864" y="581668"/>
+            <a:ext cx="1026171" cy="1467907"/>
             <a:chOff x="1713201" y="2735025"/>
-            <a:chExt cx="1108366" cy="1614991"/>
+            <a:chExt cx="1108366" cy="1585485"/>
           </a:xfrm>
         </p:grpSpPr>
         <p:pic>
@@ -4856,7 +8140,7 @@
           <p:spPr>
             <a:xfrm>
               <a:off x="1803939" y="3888351"/>
-              <a:ext cx="817853" cy="461665"/>
+              <a:ext cx="769089" cy="432159"/>
             </a:xfrm>
             <a:prstGeom prst="rect">
               <a:avLst/>
@@ -4870,14 +8154,14 @@
             <a:lstStyle/>
             <a:p>
               <a:r>
-                <a:rPr lang="en-US" altLang="zh-CN" sz="2400" b="1" dirty="0" smtClean="0">
+                <a:rPr lang="en-US" altLang="zh-CN" sz="2000" b="1" dirty="0" smtClean="0">
                   <a:latin typeface="Times New Roman" panose="02020603050405020304" pitchFamily="18" charset="0"/>
                   <a:ea typeface="Source Code Pro Black" panose="020B0809030403020204" pitchFamily="49" charset="0"/>
                   <a:cs typeface="Times New Roman" panose="02020603050405020304" pitchFamily="18" charset="0"/>
                 </a:rPr>
                 <a:t>Chai</a:t>
               </a:r>
-              <a:endParaRPr lang="zh-CN" altLang="en-US" sz="2400" b="1" dirty="0">
+              <a:endParaRPr lang="zh-CN" altLang="en-US" sz="2000" b="1" dirty="0">
                 <a:latin typeface="Times New Roman" panose="02020603050405020304" pitchFamily="18" charset="0"/>
                 <a:cs typeface="Times New Roman" panose="02020603050405020304" pitchFamily="18" charset="0"/>
               </a:endParaRPr>
@@ -4894,9 +8178,9 @@
         <p:grpSpPr>
           <a:xfrm>
             <a:off x="6903582" y="3976618"/>
-            <a:ext cx="2269338" cy="1345948"/>
+            <a:ext cx="2101046" cy="1218817"/>
             <a:chOff x="3157936" y="3004068"/>
-            <a:chExt cx="2269338" cy="1345948"/>
+            <a:chExt cx="2269338" cy="1316443"/>
           </a:xfrm>
         </p:grpSpPr>
         <p:pic>
@@ -4931,8 +8215,8 @@
           </p:nvSpPr>
           <p:spPr>
             <a:xfrm>
-              <a:off x="3758819" y="3888351"/>
-              <a:ext cx="936475" cy="461665"/>
+              <a:off x="3758819" y="3888352"/>
+              <a:ext cx="876437" cy="432159"/>
             </a:xfrm>
             <a:prstGeom prst="rect">
               <a:avLst/>
@@ -4946,14 +8230,14 @@
             <a:lstStyle/>
             <a:p>
               <a:r>
-                <a:rPr lang="en-US" altLang="zh-CN" sz="2400" b="1" dirty="0" smtClean="0">
+                <a:rPr lang="en-US" altLang="zh-CN" sz="2000" b="1" dirty="0" smtClean="0">
                   <a:latin typeface="Times New Roman" panose="02020603050405020304" pitchFamily="18" charset="0"/>
                   <a:ea typeface="Source Code Pro Black" panose="020B0809030403020204" pitchFamily="49" charset="0"/>
                   <a:cs typeface="Times New Roman" panose="02020603050405020304" pitchFamily="18" charset="0"/>
                 </a:rPr>
                 <a:t>Babel</a:t>
               </a:r>
-              <a:endParaRPr lang="zh-CN" altLang="en-US" sz="2400" b="1" dirty="0">
+              <a:endParaRPr lang="zh-CN" altLang="en-US" sz="2000" b="1" dirty="0">
                 <a:latin typeface="Times New Roman" panose="02020603050405020304" pitchFamily="18" charset="0"/>
                 <a:cs typeface="Times New Roman" panose="02020603050405020304" pitchFamily="18" charset="0"/>
               </a:endParaRPr>
@@ -4969,10 +8253,10 @@
         </p:nvGrpSpPr>
         <p:grpSpPr>
           <a:xfrm>
-            <a:off x="6740834" y="2011051"/>
-            <a:ext cx="1417376" cy="1586867"/>
+            <a:off x="6740832" y="2011050"/>
+            <a:ext cx="1217164" cy="1441869"/>
             <a:chOff x="5612583" y="2759652"/>
-            <a:chExt cx="1417376" cy="1586867"/>
+            <a:chExt cx="1314659" cy="1557363"/>
           </a:xfrm>
         </p:grpSpPr>
         <p:pic>
@@ -5007,8 +8291,8 @@
           </p:nvSpPr>
           <p:spPr>
             <a:xfrm>
-              <a:off x="5612583" y="3884854"/>
-              <a:ext cx="1417376" cy="461665"/>
+              <a:off x="5612583" y="3884856"/>
+              <a:ext cx="1307556" cy="432159"/>
             </a:xfrm>
             <a:prstGeom prst="rect">
               <a:avLst/>
@@ -5022,14 +8306,14 @@
             <a:lstStyle/>
             <a:p>
               <a:r>
-                <a:rPr lang="en-US" altLang="zh-CN" sz="2400" b="1" dirty="0" smtClean="0">
+                <a:rPr lang="en-US" altLang="zh-CN" sz="2000" b="1" dirty="0" smtClean="0">
                   <a:latin typeface="Times New Roman" panose="02020603050405020304" pitchFamily="18" charset="0"/>
                   <a:ea typeface="Source Code Pro Black" panose="020B0809030403020204" pitchFamily="49" charset="0"/>
                   <a:cs typeface="Times New Roman" panose="02020603050405020304" pitchFamily="18" charset="0"/>
                 </a:rPr>
                 <a:t>Post-CSS</a:t>
               </a:r>
-              <a:endParaRPr lang="zh-CN" altLang="en-US" sz="2400" b="1" dirty="0">
+              <a:endParaRPr lang="zh-CN" altLang="en-US" sz="2000" b="1" dirty="0">
                 <a:latin typeface="Times New Roman" panose="02020603050405020304" pitchFamily="18" charset="0"/>
                 <a:cs typeface="Times New Roman" panose="02020603050405020304" pitchFamily="18" charset="0"/>
               </a:endParaRPr>
@@ -5045,10 +8329,10 @@
         </p:nvGrpSpPr>
         <p:grpSpPr>
           <a:xfrm>
-            <a:off x="9192140" y="2813206"/>
-            <a:ext cx="1919152" cy="1261933"/>
+            <a:off x="9192140" y="2813204"/>
+            <a:ext cx="1776829" cy="1141032"/>
             <a:chOff x="7353688" y="3079321"/>
-            <a:chExt cx="1919152" cy="1261933"/>
+            <a:chExt cx="1919152" cy="1232429"/>
           </a:xfrm>
         </p:grpSpPr>
         <p:pic>
@@ -5094,8 +8378,8 @@
           </p:nvSpPr>
           <p:spPr>
             <a:xfrm>
-              <a:off x="7699955" y="3879589"/>
-              <a:ext cx="1226618" cy="461665"/>
+              <a:off x="7699955" y="3879591"/>
+              <a:ext cx="1134415" cy="432159"/>
             </a:xfrm>
             <a:prstGeom prst="rect">
               <a:avLst/>
@@ -5109,14 +8393,14 @@
             <a:lstStyle/>
             <a:p>
               <a:r>
-                <a:rPr lang="en-US" altLang="zh-CN" sz="2400" b="1" dirty="0" smtClean="0">
+                <a:rPr lang="en-US" altLang="zh-CN" sz="2000" b="1" dirty="0" smtClean="0">
                   <a:latin typeface="Times New Roman" panose="02020603050405020304" pitchFamily="18" charset="0"/>
                   <a:ea typeface="Source Code Pro Black" panose="020B0809030403020204" pitchFamily="49" charset="0"/>
                   <a:cs typeface="Times New Roman" panose="02020603050405020304" pitchFamily="18" charset="0"/>
                 </a:rPr>
                 <a:t>stylelint</a:t>
               </a:r>
-              <a:endParaRPr lang="zh-CN" altLang="en-US" sz="2400" b="1" dirty="0">
+              <a:endParaRPr lang="zh-CN" altLang="en-US" sz="2000" b="1" dirty="0">
                 <a:latin typeface="Times New Roman" panose="02020603050405020304" pitchFamily="18" charset="0"/>
                 <a:cs typeface="Times New Roman" panose="02020603050405020304" pitchFamily="18" charset="0"/>
               </a:endParaRPr>
@@ -5132,10 +8416,10 @@
         </p:nvGrpSpPr>
         <p:grpSpPr>
           <a:xfrm>
-            <a:off x="5831416" y="5388471"/>
-            <a:ext cx="1872111" cy="1324765"/>
+            <a:off x="5831416" y="5388472"/>
+            <a:ext cx="1733277" cy="1199205"/>
             <a:chOff x="9864295" y="3033963"/>
-            <a:chExt cx="1872111" cy="1324765"/>
+            <a:chExt cx="1872111" cy="1295260"/>
           </a:xfrm>
         </p:grpSpPr>
         <p:pic>
@@ -5170,8 +8454,8 @@
           </p:nvSpPr>
           <p:spPr>
             <a:xfrm>
-              <a:off x="10187041" y="3897063"/>
-              <a:ext cx="1226618" cy="461665"/>
+              <a:off x="10187041" y="3897065"/>
+              <a:ext cx="1134415" cy="432158"/>
             </a:xfrm>
             <a:prstGeom prst="rect">
               <a:avLst/>
@@ -5185,14 +8469,14 @@
             <a:lstStyle/>
             <a:p>
               <a:r>
-                <a:rPr lang="en-US" altLang="zh-CN" sz="2400" b="1" dirty="0" smtClean="0">
+                <a:rPr lang="en-US" altLang="zh-CN" sz="2000" b="1" dirty="0" smtClean="0">
                   <a:latin typeface="Times New Roman" panose="02020603050405020304" pitchFamily="18" charset="0"/>
                   <a:ea typeface="Source Code Pro Black" panose="020B0809030403020204" pitchFamily="49" charset="0"/>
                   <a:cs typeface="Times New Roman" panose="02020603050405020304" pitchFamily="18" charset="0"/>
                 </a:rPr>
                 <a:t>stylelint</a:t>
               </a:r>
-              <a:endParaRPr lang="zh-CN" altLang="en-US" sz="2400" b="1" dirty="0">
+              <a:endParaRPr lang="zh-CN" altLang="en-US" sz="2000" b="1" dirty="0">
                 <a:latin typeface="Times New Roman" panose="02020603050405020304" pitchFamily="18" charset="0"/>
                 <a:cs typeface="Times New Roman" panose="02020603050405020304" pitchFamily="18" charset="0"/>
               </a:endParaRPr>
@@ -5209,9 +8493,9 @@
         <p:grpSpPr>
           <a:xfrm>
             <a:off x="10173845" y="662630"/>
-            <a:ext cx="1952779" cy="1634993"/>
+            <a:ext cx="1656223" cy="1486426"/>
             <a:chOff x="9540767" y="394734"/>
-            <a:chExt cx="1952779" cy="1634993"/>
+            <a:chExt cx="1788886" cy="1605488"/>
           </a:xfrm>
         </p:grpSpPr>
         <p:pic>
@@ -5246,8 +8530,8 @@
           </p:nvSpPr>
           <p:spPr>
             <a:xfrm>
-              <a:off x="9540767" y="1568062"/>
-              <a:ext cx="1952779" cy="461665"/>
+              <a:off x="9540767" y="1568063"/>
+              <a:ext cx="1788886" cy="432159"/>
             </a:xfrm>
             <a:prstGeom prst="rect">
               <a:avLst/>
@@ -5261,14 +8545,14 @@
             <a:lstStyle/>
             <a:p>
               <a:r>
-                <a:rPr lang="en-US" altLang="zh-CN" sz="2400" b="1" dirty="0">
+                <a:rPr lang="en-US" altLang="zh-CN" sz="2000" b="1" dirty="0">
                   <a:latin typeface="Times New Roman" panose="02020603050405020304" pitchFamily="18" charset="0"/>
                   <a:ea typeface="Source Code Pro Black" panose="020B0809030403020204" pitchFamily="49" charset="0"/>
                   <a:cs typeface="Times New Roman" panose="02020603050405020304" pitchFamily="18" charset="0"/>
                 </a:rPr>
                 <a:t>normalize.css</a:t>
               </a:r>
-              <a:endParaRPr lang="zh-CN" altLang="en-US" sz="2400" b="1" dirty="0">
+              <a:endParaRPr lang="zh-CN" altLang="en-US" sz="2000" b="1" dirty="0">
                 <a:latin typeface="Times New Roman" panose="02020603050405020304" pitchFamily="18" charset="0"/>
                 <a:cs typeface="Times New Roman" panose="02020603050405020304" pitchFamily="18" charset="0"/>
               </a:endParaRPr>
@@ -5284,8 +8568,8 @@
         </p:nvSpPr>
         <p:spPr>
           <a:xfrm rot="13526967">
-            <a:off x="4363351" y="3317645"/>
-            <a:ext cx="546435" cy="150469"/>
+            <a:off x="4365423" y="3312700"/>
+            <a:ext cx="505912" cy="139310"/>
           </a:xfrm>
           <a:prstGeom prst="rightArrow">
             <a:avLst>
@@ -5323,7 +8607,7 @@
           <a:lstStyle/>
           <a:p>
             <a:pPr algn="ctr"/>
-            <a:endParaRPr lang="zh-CN" altLang="en-US"/>
+            <a:endParaRPr lang="zh-CN" altLang="en-US" sz="1600"/>
           </a:p>
         </p:txBody>
       </p:sp>
@@ -5335,8 +8619,8 @@
         </p:nvSpPr>
         <p:spPr>
           <a:xfrm rot="5619724">
-            <a:off x="5182724" y="2808168"/>
-            <a:ext cx="546435" cy="150469"/>
+            <a:off x="5198711" y="2793172"/>
+            <a:ext cx="505912" cy="139310"/>
           </a:xfrm>
           <a:prstGeom prst="rightArrow">
             <a:avLst>
@@ -5374,7 +8658,7 @@
           <a:lstStyle/>
           <a:p>
             <a:pPr algn="ctr"/>
-            <a:endParaRPr lang="zh-CN" altLang="en-US"/>
+            <a:endParaRPr lang="zh-CN" altLang="en-US" sz="1600"/>
           </a:p>
         </p:txBody>
       </p:sp>
@@ -5386,8 +8670,8 @@
         </p:nvSpPr>
         <p:spPr>
           <a:xfrm rot="11355970">
-            <a:off x="6116527" y="4126038"/>
-            <a:ext cx="546435" cy="150469"/>
+            <a:off x="6117689" y="4122848"/>
+            <a:ext cx="505911" cy="139310"/>
           </a:xfrm>
           <a:prstGeom prst="rightArrow">
             <a:avLst>
@@ -5425,7 +8709,7 @@
           <a:lstStyle/>
           <a:p>
             <a:pPr algn="ctr"/>
-            <a:endParaRPr lang="zh-CN" altLang="en-US"/>
+            <a:endParaRPr lang="zh-CN" altLang="en-US" sz="1600"/>
           </a:p>
         </p:txBody>
       </p:sp>
@@ -5437,8 +8721,8 @@
         </p:nvSpPr>
         <p:spPr>
           <a:xfrm rot="8560718">
-            <a:off x="6072199" y="3344650"/>
-            <a:ext cx="546435" cy="150469"/>
+            <a:off x="6072964" y="3358076"/>
+            <a:ext cx="505911" cy="139310"/>
           </a:xfrm>
           <a:prstGeom prst="rightArrow">
             <a:avLst>
@@ -5476,7 +8760,7 @@
           <a:lstStyle/>
           <a:p>
             <a:pPr algn="ctr"/>
-            <a:endParaRPr lang="zh-CN" altLang="en-US"/>
+            <a:endParaRPr lang="zh-CN" altLang="en-US" sz="1600"/>
           </a:p>
         </p:txBody>
       </p:sp>
@@ -5488,8 +8772,8 @@
         </p:nvSpPr>
         <p:spPr>
           <a:xfrm rot="8388471">
-            <a:off x="8048270" y="1864751"/>
-            <a:ext cx="546435" cy="150469"/>
+            <a:off x="8049453" y="1879144"/>
+            <a:ext cx="505911" cy="139310"/>
           </a:xfrm>
           <a:prstGeom prst="rightArrow">
             <a:avLst>
@@ -5527,7 +8811,7 @@
           <a:lstStyle/>
           <a:p>
             <a:pPr algn="ctr"/>
-            <a:endParaRPr lang="zh-CN" altLang="en-US"/>
+            <a:endParaRPr lang="zh-CN" altLang="en-US" sz="1600"/>
           </a:p>
         </p:txBody>
       </p:sp>
@@ -5539,8 +8823,8 @@
         </p:nvSpPr>
         <p:spPr>
           <a:xfrm rot="14054809">
-            <a:off x="5970368" y="4832382"/>
-            <a:ext cx="546435" cy="150469"/>
+            <a:off x="5974264" y="4824778"/>
+            <a:ext cx="505912" cy="139310"/>
           </a:xfrm>
           <a:prstGeom prst="rightArrow">
             <a:avLst>
@@ -5578,7 +8862,7 @@
           <a:lstStyle/>
           <a:p>
             <a:pPr algn="ctr"/>
-            <a:endParaRPr lang="zh-CN" altLang="en-US"/>
+            <a:endParaRPr lang="zh-CN" altLang="en-US" sz="1600"/>
           </a:p>
         </p:txBody>
       </p:sp>
@@ -5590,8 +8874,8 @@
         </p:nvSpPr>
         <p:spPr>
           <a:xfrm rot="18979670">
-            <a:off x="10099881" y="5378477"/>
-            <a:ext cx="546435" cy="150469"/>
+            <a:off x="10101635" y="5394012"/>
+            <a:ext cx="505911" cy="139310"/>
           </a:xfrm>
           <a:prstGeom prst="rightArrow">
             <a:avLst>
@@ -5629,7 +8913,7 @@
           <a:lstStyle/>
           <a:p>
             <a:pPr algn="ctr"/>
-            <a:endParaRPr lang="zh-CN" altLang="en-US"/>
+            <a:endParaRPr lang="zh-CN" altLang="en-US" sz="1600"/>
           </a:p>
         </p:txBody>
       </p:sp>
@@ -5641,8 +8925,8 @@
         </p:nvSpPr>
         <p:spPr>
           <a:xfrm rot="13820681">
-            <a:off x="8779098" y="5066557"/>
-            <a:ext cx="546435" cy="150469"/>
+            <a:off x="8782134" y="5060098"/>
+            <a:ext cx="505912" cy="139310"/>
           </a:xfrm>
           <a:prstGeom prst="rightArrow">
             <a:avLst>
@@ -5680,7 +8964,7 @@
           <a:lstStyle/>
           <a:p>
             <a:pPr algn="ctr"/>
-            <a:endParaRPr lang="zh-CN" altLang="en-US"/>
+            <a:endParaRPr lang="zh-CN" altLang="en-US" sz="1600"/>
           </a:p>
         </p:txBody>
       </p:sp>
@@ -5692,8 +8976,8 @@
         </p:nvSpPr>
         <p:spPr>
           <a:xfrm rot="11648778">
-            <a:off x="9617308" y="1136914"/>
-            <a:ext cx="546435" cy="150469"/>
+            <a:off x="9619286" y="1132131"/>
+            <a:ext cx="505911" cy="139310"/>
           </a:xfrm>
           <a:prstGeom prst="rightArrow">
             <a:avLst>
@@ -5731,7 +9015,7 @@
           <a:lstStyle/>
           <a:p>
             <a:pPr algn="ctr"/>
-            <a:endParaRPr lang="zh-CN" altLang="en-US"/>
+            <a:endParaRPr lang="zh-CN" altLang="en-US" sz="1600"/>
           </a:p>
         </p:txBody>
       </p:sp>
@@ -5743,8 +9027,8 @@
         </p:nvSpPr>
         <p:spPr>
           <a:xfrm rot="3991499">
-            <a:off x="9253246" y="2096609"/>
-            <a:ext cx="546435" cy="150469"/>
+            <a:off x="9260318" y="2085827"/>
+            <a:ext cx="505912" cy="139310"/>
           </a:xfrm>
           <a:prstGeom prst="rightArrow">
             <a:avLst>
@@ -5782,7 +9066,7 @@
           <a:lstStyle/>
           <a:p>
             <a:pPr algn="ctr"/>
-            <a:endParaRPr lang="zh-CN" altLang="en-US"/>
+            <a:endParaRPr lang="zh-CN" altLang="en-US" sz="1600"/>
           </a:p>
         </p:txBody>
       </p:sp>
@@ -5794,8 +9078,8 @@
         </p:nvSpPr>
         <p:spPr>
           <a:xfrm rot="14259909">
-            <a:off x="3678677" y="1926226"/>
-            <a:ext cx="546435" cy="150469"/>
+            <a:off x="3683387" y="1917669"/>
+            <a:ext cx="505911" cy="139310"/>
           </a:xfrm>
           <a:prstGeom prst="rightArrow">
             <a:avLst>
@@ -5833,7 +9117,7 @@
           <a:lstStyle/>
           <a:p>
             <a:pPr algn="ctr"/>
-            <a:endParaRPr lang="zh-CN" altLang="en-US"/>
+            <a:endParaRPr lang="zh-CN" altLang="en-US" sz="1600"/>
           </a:p>
         </p:txBody>
       </p:sp>
@@ -5845,8 +9129,8 @@
         </p:nvSpPr>
         <p:spPr>
           <a:xfrm>
-            <a:off x="1784320" y="1125231"/>
-            <a:ext cx="546435" cy="150469"/>
+            <a:off x="1784320" y="1125232"/>
+            <a:ext cx="505911" cy="139310"/>
           </a:xfrm>
           <a:prstGeom prst="rightArrow">
             <a:avLst>
@@ -5884,7 +9168,7 @@
           <a:lstStyle/>
           <a:p>
             <a:pPr algn="ctr"/>
-            <a:endParaRPr lang="zh-CN" altLang="en-US"/>
+            <a:endParaRPr lang="zh-CN" altLang="en-US" sz="1600"/>
           </a:p>
         </p:txBody>
       </p:sp>
@@ -5896,8 +9180,8 @@
         </p:nvSpPr>
         <p:spPr>
           <a:xfrm rot="21053427">
-            <a:off x="3905924" y="4100290"/>
-            <a:ext cx="546435" cy="150469"/>
+            <a:off x="3905297" y="4103569"/>
+            <a:ext cx="505911" cy="139310"/>
           </a:xfrm>
           <a:prstGeom prst="rightArrow">
             <a:avLst>
@@ -5935,7 +9219,7 @@
           <a:lstStyle/>
           <a:p>
             <a:pPr algn="ctr"/>
-            <a:endParaRPr lang="zh-CN" altLang="en-US"/>
+            <a:endParaRPr lang="zh-CN" altLang="en-US" sz="1600"/>
           </a:p>
         </p:txBody>
       </p:sp>
@@ -5947,8 +9231,8 @@
         </p:nvSpPr>
         <p:spPr>
           <a:xfrm rot="1058446">
-            <a:off x="1972046" y="3982747"/>
-            <a:ext cx="546435" cy="150469"/>
+            <a:off x="1974690" y="3976870"/>
+            <a:ext cx="505911" cy="139310"/>
           </a:xfrm>
           <a:prstGeom prst="rightArrow">
             <a:avLst>
@@ -5986,7 +9270,7 @@
           <a:lstStyle/>
           <a:p>
             <a:pPr algn="ctr"/>
-            <a:endParaRPr lang="zh-CN" altLang="en-US"/>
+            <a:endParaRPr lang="zh-CN" altLang="en-US" sz="1600"/>
           </a:p>
         </p:txBody>
       </p:sp>
@@ -5998,8 +9282,8 @@
         </p:nvSpPr>
         <p:spPr>
           <a:xfrm rot="18903279">
-            <a:off x="2170922" y="4978041"/>
-            <a:ext cx="546435" cy="150469"/>
+            <a:off x="2172902" y="4993987"/>
+            <a:ext cx="505907" cy="139309"/>
           </a:xfrm>
           <a:prstGeom prst="rightArrow">
             <a:avLst>
@@ -6037,7 +9321,7 @@
           <a:lstStyle/>
           <a:p>
             <a:pPr algn="ctr"/>
-            <a:endParaRPr lang="zh-CN" altLang="en-US"/>
+            <a:endParaRPr lang="zh-CN" altLang="en-US" sz="1600"/>
           </a:p>
         </p:txBody>
       </p:sp>
@@ -6049,8 +9333,8 @@
         </p:nvSpPr>
         <p:spPr>
           <a:xfrm rot="13345919">
-            <a:off x="3630338" y="5016498"/>
-            <a:ext cx="546435" cy="150469"/>
+            <a:off x="3639409" y="5004288"/>
+            <a:ext cx="505911" cy="139310"/>
           </a:xfrm>
           <a:prstGeom prst="rightArrow">
             <a:avLst>
@@ -6088,7 +9372,7 @@
           <a:lstStyle/>
           <a:p>
             <a:pPr algn="ctr"/>
-            <a:endParaRPr lang="zh-CN" altLang="en-US"/>
+            <a:endParaRPr lang="zh-CN" altLang="en-US" sz="1600"/>
           </a:p>
         </p:txBody>
       </p:sp>
@@ -6109,231 +9393,6 @@
       </p:par>
     </p:tnLst>
   </p:timing>
-</p:sld>
-</file>
-
-<file path=ppt/slides/slide4.xml><?xml version="1.0" encoding="utf-8"?>
-<p:sld xmlns:a="http://schemas.openxmlformats.org/drawingml/2006/main" xmlns:r="http://schemas.openxmlformats.org/officeDocument/2006/relationships" xmlns:p="http://schemas.openxmlformats.org/presentationml/2006/main">
-  <p:cSld>
-    <p:spTree>
-      <p:nvGrpSpPr>
-        <p:cNvPr id="1" name=""/>
-        <p:cNvGrpSpPr/>
-        <p:nvPr/>
-      </p:nvGrpSpPr>
-      <p:grpSpPr>
-        <a:xfrm>
-          <a:off x="0" y="0"/>
-          <a:ext cx="0" cy="0"/>
-          <a:chOff x="0" y="0"/>
-          <a:chExt cx="0" cy="0"/>
-        </a:xfrm>
-      </p:grpSpPr>
-      <p:sp>
-        <p:nvSpPr>
-          <p:cNvPr id="4" name="矩形 3"/>
-          <p:cNvSpPr/>
-          <p:nvPr/>
-        </p:nvSpPr>
-        <p:spPr>
-          <a:xfrm>
-            <a:off x="0" y="0"/>
-            <a:ext cx="12192000" cy="286327"/>
-          </a:xfrm>
-          <a:prstGeom prst="rect">
-            <a:avLst/>
-          </a:prstGeom>
-          <a:solidFill>
-            <a:schemeClr val="accent1">
-              <a:lumMod val="50000"/>
-            </a:schemeClr>
-          </a:solidFill>
-        </p:spPr>
-        <p:style>
-          <a:lnRef idx="2">
-            <a:schemeClr val="accent1">
-              <a:shade val="50000"/>
-            </a:schemeClr>
-          </a:lnRef>
-          <a:fillRef idx="1">
-            <a:schemeClr val="accent1"/>
-          </a:fillRef>
-          <a:effectRef idx="0">
-            <a:schemeClr val="accent1"/>
-          </a:effectRef>
-          <a:fontRef idx="minor">
-            <a:schemeClr val="lt1"/>
-          </a:fontRef>
-        </p:style>
-        <p:txBody>
-          <a:bodyPr rtlCol="0" anchor="ctr"/>
-          <a:lstStyle/>
-          <a:p>
-            <a:pPr algn="ctr"/>
-            <a:endParaRPr lang="zh-CN" altLang="en-US"/>
-          </a:p>
-        </p:txBody>
-      </p:sp>
-    </p:spTree>
-    <p:extLst>
-      <p:ext uri="{BB962C8B-B14F-4D97-AF65-F5344CB8AC3E}">
-        <p14:creationId xmlns:p14="http://schemas.microsoft.com/office/powerpoint/2010/main" val="1380105930"/>
-      </p:ext>
-    </p:extLst>
-  </p:cSld>
-  <p:clrMapOvr>
-    <a:masterClrMapping/>
-  </p:clrMapOvr>
-</p:sld>
-</file>
-
-<file path=ppt/slides/slide5.xml><?xml version="1.0" encoding="utf-8"?>
-<p:sld xmlns:a="http://schemas.openxmlformats.org/drawingml/2006/main" xmlns:r="http://schemas.openxmlformats.org/officeDocument/2006/relationships" xmlns:p="http://schemas.openxmlformats.org/presentationml/2006/main">
-  <p:cSld>
-    <p:spTree>
-      <p:nvGrpSpPr>
-        <p:cNvPr id="1" name=""/>
-        <p:cNvGrpSpPr/>
-        <p:nvPr/>
-      </p:nvGrpSpPr>
-      <p:grpSpPr>
-        <a:xfrm>
-          <a:off x="0" y="0"/>
-          <a:ext cx="0" cy="0"/>
-          <a:chOff x="0" y="0"/>
-          <a:chExt cx="0" cy="0"/>
-        </a:xfrm>
-      </p:grpSpPr>
-      <p:sp>
-        <p:nvSpPr>
-          <p:cNvPr id="4" name="矩形 3"/>
-          <p:cNvSpPr/>
-          <p:nvPr/>
-        </p:nvSpPr>
-        <p:spPr>
-          <a:xfrm>
-            <a:off x="0" y="0"/>
-            <a:ext cx="12192000" cy="286327"/>
-          </a:xfrm>
-          <a:prstGeom prst="rect">
-            <a:avLst/>
-          </a:prstGeom>
-          <a:solidFill>
-            <a:schemeClr val="accent1">
-              <a:lumMod val="50000"/>
-            </a:schemeClr>
-          </a:solidFill>
-        </p:spPr>
-        <p:style>
-          <a:lnRef idx="2">
-            <a:schemeClr val="accent1">
-              <a:shade val="50000"/>
-            </a:schemeClr>
-          </a:lnRef>
-          <a:fillRef idx="1">
-            <a:schemeClr val="accent1"/>
-          </a:fillRef>
-          <a:effectRef idx="0">
-            <a:schemeClr val="accent1"/>
-          </a:effectRef>
-          <a:fontRef idx="minor">
-            <a:schemeClr val="lt1"/>
-          </a:fontRef>
-        </p:style>
-        <p:txBody>
-          <a:bodyPr rtlCol="0" anchor="ctr"/>
-          <a:lstStyle/>
-          <a:p>
-            <a:pPr algn="ctr"/>
-            <a:endParaRPr lang="zh-CN" altLang="en-US"/>
-          </a:p>
-        </p:txBody>
-      </p:sp>
-    </p:spTree>
-    <p:extLst>
-      <p:ext uri="{BB962C8B-B14F-4D97-AF65-F5344CB8AC3E}">
-        <p14:creationId xmlns:p14="http://schemas.microsoft.com/office/powerpoint/2010/main" val="411636610"/>
-      </p:ext>
-    </p:extLst>
-  </p:cSld>
-  <p:clrMapOvr>
-    <a:masterClrMapping/>
-  </p:clrMapOvr>
-</p:sld>
-</file>
-
-<file path=ppt/slides/slide6.xml><?xml version="1.0" encoding="utf-8"?>
-<p:sld xmlns:a="http://schemas.openxmlformats.org/drawingml/2006/main" xmlns:r="http://schemas.openxmlformats.org/officeDocument/2006/relationships" xmlns:p="http://schemas.openxmlformats.org/presentationml/2006/main">
-  <p:cSld>
-    <p:spTree>
-      <p:nvGrpSpPr>
-        <p:cNvPr id="1" name=""/>
-        <p:cNvGrpSpPr/>
-        <p:nvPr/>
-      </p:nvGrpSpPr>
-      <p:grpSpPr>
-        <a:xfrm>
-          <a:off x="0" y="0"/>
-          <a:ext cx="0" cy="0"/>
-          <a:chOff x="0" y="0"/>
-          <a:chExt cx="0" cy="0"/>
-        </a:xfrm>
-      </p:grpSpPr>
-      <p:sp>
-        <p:nvSpPr>
-          <p:cNvPr id="4" name="矩形 3"/>
-          <p:cNvSpPr/>
-          <p:nvPr/>
-        </p:nvSpPr>
-        <p:spPr>
-          <a:xfrm>
-            <a:off x="0" y="0"/>
-            <a:ext cx="12192000" cy="286327"/>
-          </a:xfrm>
-          <a:prstGeom prst="rect">
-            <a:avLst/>
-          </a:prstGeom>
-          <a:solidFill>
-            <a:schemeClr val="accent1">
-              <a:lumMod val="50000"/>
-            </a:schemeClr>
-          </a:solidFill>
-        </p:spPr>
-        <p:style>
-          <a:lnRef idx="2">
-            <a:schemeClr val="accent1">
-              <a:shade val="50000"/>
-            </a:schemeClr>
-          </a:lnRef>
-          <a:fillRef idx="1">
-            <a:schemeClr val="accent1"/>
-          </a:fillRef>
-          <a:effectRef idx="0">
-            <a:schemeClr val="accent1"/>
-          </a:effectRef>
-          <a:fontRef idx="minor">
-            <a:schemeClr val="lt1"/>
-          </a:fontRef>
-        </p:style>
-        <p:txBody>
-          <a:bodyPr rtlCol="0" anchor="ctr"/>
-          <a:lstStyle/>
-          <a:p>
-            <a:pPr algn="ctr"/>
-            <a:endParaRPr lang="zh-CN" altLang="en-US"/>
-          </a:p>
-        </p:txBody>
-      </p:sp>
-    </p:spTree>
-    <p:extLst>
-      <p:ext uri="{BB962C8B-B14F-4D97-AF65-F5344CB8AC3E}">
-        <p14:creationId xmlns:p14="http://schemas.microsoft.com/office/powerpoint/2010/main" val="2188522596"/>
-      </p:ext>
-    </p:extLst>
-  </p:cSld>
-  <p:clrMapOvr>
-    <a:masterClrMapping/>
-  </p:clrMapOvr>
 </p:sld>
 </file>
 
@@ -6596,4 +9655,265 @@
     </a:ext>
   </a:extLst>
 </a:theme>
+</file>
+
+<file path=ppt/theme/theme2.xml><?xml version="1.0" encoding="utf-8"?>
+<a:theme xmlns:a="http://schemas.openxmlformats.org/drawingml/2006/main" name="Office 主题​​">
+  <a:themeElements>
+    <a:clrScheme name="Office">
+      <a:dk1>
+        <a:sysClr val="windowText" lastClr="000000"/>
+      </a:dk1>
+      <a:lt1>
+        <a:sysClr val="window" lastClr="FFFFFF"/>
+      </a:lt1>
+      <a:dk2>
+        <a:srgbClr val="44546A"/>
+      </a:dk2>
+      <a:lt2>
+        <a:srgbClr val="E7E6E6"/>
+      </a:lt2>
+      <a:accent1>
+        <a:srgbClr val="5B9BD5"/>
+      </a:accent1>
+      <a:accent2>
+        <a:srgbClr val="ED7D31"/>
+      </a:accent2>
+      <a:accent3>
+        <a:srgbClr val="A5A5A5"/>
+      </a:accent3>
+      <a:accent4>
+        <a:srgbClr val="FFC000"/>
+      </a:accent4>
+      <a:accent5>
+        <a:srgbClr val="4472C4"/>
+      </a:accent5>
+      <a:accent6>
+        <a:srgbClr val="70AD47"/>
+      </a:accent6>
+      <a:hlink>
+        <a:srgbClr val="0563C1"/>
+      </a:hlink>
+      <a:folHlink>
+        <a:srgbClr val="954F72"/>
+      </a:folHlink>
+    </a:clrScheme>
+    <a:fontScheme name="Office">
+      <a:majorFont>
+        <a:latin typeface="等线 Light" panose="020F0302020204030204"/>
+        <a:ea typeface=""/>
+        <a:cs typeface=""/>
+        <a:font script="Jpan" typeface="游ゴシック Light"/>
+        <a:font script="Hang" typeface="맑은 고딕"/>
+        <a:font script="Hans" typeface="等线 Light"/>
+        <a:font script="Hant" typeface="新細明體"/>
+        <a:font script="Arab" typeface="Times New Roman"/>
+        <a:font script="Hebr" typeface="Times New Roman"/>
+        <a:font script="Thai" typeface="Angsana New"/>
+        <a:font script="Ethi" typeface="Nyala"/>
+        <a:font script="Beng" typeface="Vrinda"/>
+        <a:font script="Gujr" typeface="Shruti"/>
+        <a:font script="Khmr" typeface="MoolBoran"/>
+        <a:font script="Knda" typeface="Tunga"/>
+        <a:font script="Guru" typeface="Raavi"/>
+        <a:font script="Cans" typeface="Euphemia"/>
+        <a:font script="Cher" typeface="Plantagenet Cherokee"/>
+        <a:font script="Yiii" typeface="Microsoft Yi Baiti"/>
+        <a:font script="Tibt" typeface="Microsoft Himalaya"/>
+        <a:font script="Thaa" typeface="MV Boli"/>
+        <a:font script="Deva" typeface="Mangal"/>
+        <a:font script="Telu" typeface="Gautami"/>
+        <a:font script="Taml" typeface="Latha"/>
+        <a:font script="Syrc" typeface="Estrangelo Edessa"/>
+        <a:font script="Orya" typeface="Kalinga"/>
+        <a:font script="Mlym" typeface="Kartika"/>
+        <a:font script="Laoo" typeface="DokChampa"/>
+        <a:font script="Sinh" typeface="Iskoola Pota"/>
+        <a:font script="Mong" typeface="Mongolian Baiti"/>
+        <a:font script="Viet" typeface="Times New Roman"/>
+        <a:font script="Uigh" typeface="Microsoft Uighur"/>
+        <a:font script="Geor" typeface="Sylfaen"/>
+      </a:majorFont>
+      <a:minorFont>
+        <a:latin typeface="等线" panose="020F0502020204030204"/>
+        <a:ea typeface=""/>
+        <a:cs typeface=""/>
+        <a:font script="Jpan" typeface="游ゴシック"/>
+        <a:font script="Hang" typeface="맑은 고딕"/>
+        <a:font script="Hans" typeface="等线"/>
+        <a:font script="Hant" typeface="新細明體"/>
+        <a:font script="Arab" typeface="Arial"/>
+        <a:font script="Hebr" typeface="Arial"/>
+        <a:font script="Thai" typeface="Cordia New"/>
+        <a:font script="Ethi" typeface="Nyala"/>
+        <a:font script="Beng" typeface="Vrinda"/>
+        <a:font script="Gujr" typeface="Shruti"/>
+        <a:font script="Khmr" typeface="DaunPenh"/>
+        <a:font script="Knda" typeface="Tunga"/>
+        <a:font script="Guru" typeface="Raavi"/>
+        <a:font script="Cans" typeface="Euphemia"/>
+        <a:font script="Cher" typeface="Plantagenet Cherokee"/>
+        <a:font script="Yiii" typeface="Microsoft Yi Baiti"/>
+        <a:font script="Tibt" typeface="Microsoft Himalaya"/>
+        <a:font script="Thaa" typeface="MV Boli"/>
+        <a:font script="Deva" typeface="Mangal"/>
+        <a:font script="Telu" typeface="Gautami"/>
+        <a:font script="Taml" typeface="Latha"/>
+        <a:font script="Syrc" typeface="Estrangelo Edessa"/>
+        <a:font script="Orya" typeface="Kalinga"/>
+        <a:font script="Mlym" typeface="Kartika"/>
+        <a:font script="Laoo" typeface="DokChampa"/>
+        <a:font script="Sinh" typeface="Iskoola Pota"/>
+        <a:font script="Mong" typeface="Mongolian Baiti"/>
+        <a:font script="Viet" typeface="Arial"/>
+        <a:font script="Uigh" typeface="Microsoft Uighur"/>
+        <a:font script="Geor" typeface="Sylfaen"/>
+      </a:minorFont>
+    </a:fontScheme>
+    <a:fmtScheme name="Office">
+      <a:fillStyleLst>
+        <a:solidFill>
+          <a:schemeClr val="phClr"/>
+        </a:solidFill>
+        <a:gradFill rotWithShape="1">
+          <a:gsLst>
+            <a:gs pos="0">
+              <a:schemeClr val="phClr">
+                <a:lumMod val="110000"/>
+                <a:satMod val="105000"/>
+                <a:tint val="67000"/>
+              </a:schemeClr>
+            </a:gs>
+            <a:gs pos="50000">
+              <a:schemeClr val="phClr">
+                <a:lumMod val="105000"/>
+                <a:satMod val="103000"/>
+                <a:tint val="73000"/>
+              </a:schemeClr>
+            </a:gs>
+            <a:gs pos="100000">
+              <a:schemeClr val="phClr">
+                <a:lumMod val="105000"/>
+                <a:satMod val="109000"/>
+                <a:tint val="81000"/>
+              </a:schemeClr>
+            </a:gs>
+          </a:gsLst>
+          <a:lin ang="5400000" scaled="0"/>
+        </a:gradFill>
+        <a:gradFill rotWithShape="1">
+          <a:gsLst>
+            <a:gs pos="0">
+              <a:schemeClr val="phClr">
+                <a:satMod val="103000"/>
+                <a:lumMod val="102000"/>
+                <a:tint val="94000"/>
+              </a:schemeClr>
+            </a:gs>
+            <a:gs pos="50000">
+              <a:schemeClr val="phClr">
+                <a:satMod val="110000"/>
+                <a:lumMod val="100000"/>
+                <a:shade val="100000"/>
+              </a:schemeClr>
+            </a:gs>
+            <a:gs pos="100000">
+              <a:schemeClr val="phClr">
+                <a:lumMod val="99000"/>
+                <a:satMod val="120000"/>
+                <a:shade val="78000"/>
+              </a:schemeClr>
+            </a:gs>
+          </a:gsLst>
+          <a:lin ang="5400000" scaled="0"/>
+        </a:gradFill>
+      </a:fillStyleLst>
+      <a:lnStyleLst>
+        <a:ln w="6350" cap="flat" cmpd="sng" algn="ctr">
+          <a:solidFill>
+            <a:schemeClr val="phClr"/>
+          </a:solidFill>
+          <a:prstDash val="solid"/>
+          <a:miter lim="800000"/>
+        </a:ln>
+        <a:ln w="12700" cap="flat" cmpd="sng" algn="ctr">
+          <a:solidFill>
+            <a:schemeClr val="phClr"/>
+          </a:solidFill>
+          <a:prstDash val="solid"/>
+          <a:miter lim="800000"/>
+        </a:ln>
+        <a:ln w="19050" cap="flat" cmpd="sng" algn="ctr">
+          <a:solidFill>
+            <a:schemeClr val="phClr"/>
+          </a:solidFill>
+          <a:prstDash val="solid"/>
+          <a:miter lim="800000"/>
+        </a:ln>
+      </a:lnStyleLst>
+      <a:effectStyleLst>
+        <a:effectStyle>
+          <a:effectLst/>
+        </a:effectStyle>
+        <a:effectStyle>
+          <a:effectLst/>
+        </a:effectStyle>
+        <a:effectStyle>
+          <a:effectLst>
+            <a:outerShdw blurRad="57150" dist="19050" dir="5400000" algn="ctr" rotWithShape="0">
+              <a:srgbClr val="000000">
+                <a:alpha val="63000"/>
+              </a:srgbClr>
+            </a:outerShdw>
+          </a:effectLst>
+        </a:effectStyle>
+      </a:effectStyleLst>
+      <a:bgFillStyleLst>
+        <a:solidFill>
+          <a:schemeClr val="phClr"/>
+        </a:solidFill>
+        <a:solidFill>
+          <a:schemeClr val="phClr">
+            <a:tint val="95000"/>
+            <a:satMod val="170000"/>
+          </a:schemeClr>
+        </a:solidFill>
+        <a:gradFill rotWithShape="1">
+          <a:gsLst>
+            <a:gs pos="0">
+              <a:schemeClr val="phClr">
+                <a:tint val="93000"/>
+                <a:satMod val="150000"/>
+                <a:shade val="98000"/>
+                <a:lumMod val="102000"/>
+              </a:schemeClr>
+            </a:gs>
+            <a:gs pos="50000">
+              <a:schemeClr val="phClr">
+                <a:tint val="98000"/>
+                <a:satMod val="130000"/>
+                <a:shade val="90000"/>
+                <a:lumMod val="103000"/>
+              </a:schemeClr>
+            </a:gs>
+            <a:gs pos="100000">
+              <a:schemeClr val="phClr">
+                <a:shade val="63000"/>
+                <a:satMod val="120000"/>
+              </a:schemeClr>
+            </a:gs>
+          </a:gsLst>
+          <a:lin ang="5400000" scaled="0"/>
+        </a:gradFill>
+      </a:bgFillStyleLst>
+    </a:fmtScheme>
+  </a:themeElements>
+  <a:objectDefaults/>
+  <a:extraClrSchemeLst/>
+  <a:extLst>
+    <a:ext uri="{05A4C25C-085E-4340-85A3-A5531E510DB2}">
+      <thm15:themeFamily xmlns:thm15="http://schemas.microsoft.com/office/thememl/2012/main" name="Office Theme" id="{62F939B6-93AF-4DB8-9C6B-D6C7DFDC589F}" vid="{4A3C46E8-61CC-4603-A589-7422A47A8E4A}"/>
+    </a:ext>
+  </a:extLst>
+</a:theme>
 </file>